--- a/optimization-methods-for-artificial-intelligence/optimization-continuous.pptx
+++ b/optimization-methods-for-artificial-intelligence/optimization-continuous.pptx
@@ -7,7 +7,11 @@
   <p:sldIdLst>
     <p:sldId id="257" r:id="rId2"/>
     <p:sldId id="258" r:id="rId3"/>
-    <p:sldId id="269" r:id="rId4"/>
+    <p:sldId id="270" r:id="rId4"/>
+    <p:sldId id="271" r:id="rId5"/>
+    <p:sldId id="272" r:id="rId6"/>
+    <p:sldId id="273" r:id="rId7"/>
+    <p:sldId id="269" r:id="rId8"/>
   </p:sldIdLst>
   <p:sldSz cx="12192000" cy="6858000"/>
   <p:notesSz cx="6858000" cy="9144000"/>
@@ -1912,6 +1916,354 @@
       </p:grpSpPr>
       <p:sp>
         <p:nvSpPr>
+          <p:cNvPr id="2" name="Titre 1">
+            <a:extLst>
+              <a:ext uri="{FF2B5EF4-FFF2-40B4-BE49-F238E27FC236}">
+                <a16:creationId xmlns:a16="http://schemas.microsoft.com/office/drawing/2014/main" id="{82511106-5D16-4622-938C-C03A32682CC2}"/>
+              </a:ext>
+            </a:extLst>
+          </p:cNvPr>
+          <p:cNvSpPr>
+            <a:spLocks noGrp="1"/>
+          </p:cNvSpPr>
+          <p:nvPr>
+            <p:ph type="title"/>
+          </p:nvPr>
+        </p:nvSpPr>
+        <p:spPr/>
+        <p:txBody>
+          <a:bodyPr/>
+          <a:lstStyle/>
+          <a:p>
+            <a:r>
+              <a:rPr lang="en-US" dirty="0"/>
+              <a:t>Introduction</a:t>
+            </a:r>
+          </a:p>
+        </p:txBody>
+      </p:sp>
+      <p:sp>
+        <p:nvSpPr>
+          <p:cNvPr id="3" name="Espace réservé du texte 2">
+            <a:extLst>
+              <a:ext uri="{FF2B5EF4-FFF2-40B4-BE49-F238E27FC236}">
+                <a16:creationId xmlns:a16="http://schemas.microsoft.com/office/drawing/2014/main" id="{B2F4F1D0-D0A3-4A3A-94D1-1B7A154EA1C8}"/>
+              </a:ext>
+            </a:extLst>
+          </p:cNvPr>
+          <p:cNvSpPr>
+            <a:spLocks noGrp="1"/>
+          </p:cNvSpPr>
+          <p:nvPr>
+            <p:ph type="body" sz="quarter" idx="10"/>
+          </p:nvPr>
+        </p:nvSpPr>
+        <p:spPr/>
+        <p:txBody>
+          <a:bodyPr/>
+          <a:lstStyle/>
+          <a:p>
+            <a:endParaRPr lang="en-US"/>
+          </a:p>
+        </p:txBody>
+      </p:sp>
+    </p:spTree>
+    <p:extLst>
+      <p:ext uri="{BB962C8B-B14F-4D97-AF65-F5344CB8AC3E}">
+        <p14:creationId xmlns:p14="http://schemas.microsoft.com/office/powerpoint/2010/main" val="3241417799"/>
+      </p:ext>
+    </p:extLst>
+  </p:cSld>
+  <p:clrMapOvr>
+    <a:masterClrMapping/>
+  </p:clrMapOvr>
+</p:sld>
+</file>
+
+<file path=ppt/slides/slide4.xml><?xml version="1.0" encoding="utf-8"?>
+<p:sld xmlns:a="http://schemas.openxmlformats.org/drawingml/2006/main" xmlns:r="http://schemas.openxmlformats.org/officeDocument/2006/relationships" xmlns:p="http://schemas.openxmlformats.org/presentationml/2006/main">
+  <p:cSld>
+    <p:spTree>
+      <p:nvGrpSpPr>
+        <p:cNvPr id="1" name=""/>
+        <p:cNvGrpSpPr/>
+        <p:nvPr/>
+      </p:nvGrpSpPr>
+      <p:grpSpPr>
+        <a:xfrm>
+          <a:off x="0" y="0"/>
+          <a:ext cx="0" cy="0"/>
+          <a:chOff x="0" y="0"/>
+          <a:chExt cx="0" cy="0"/>
+        </a:xfrm>
+      </p:grpSpPr>
+      <p:sp>
+        <p:nvSpPr>
+          <p:cNvPr id="2" name="Titre 1">
+            <a:extLst>
+              <a:ext uri="{FF2B5EF4-FFF2-40B4-BE49-F238E27FC236}">
+                <a16:creationId xmlns:a16="http://schemas.microsoft.com/office/drawing/2014/main" id="{5DD07DCC-0363-4688-8874-1DED3D81EA72}"/>
+              </a:ext>
+            </a:extLst>
+          </p:cNvPr>
+          <p:cNvSpPr>
+            <a:spLocks noGrp="1"/>
+          </p:cNvSpPr>
+          <p:nvPr>
+            <p:ph type="title"/>
+          </p:nvPr>
+        </p:nvSpPr>
+        <p:spPr/>
+        <p:txBody>
+          <a:bodyPr/>
+          <a:lstStyle/>
+          <a:p>
+            <a:r>
+              <a:rPr lang="en-US" dirty="0"/>
+              <a:t>Gradient-based techniques</a:t>
+            </a:r>
+          </a:p>
+        </p:txBody>
+      </p:sp>
+      <p:sp>
+        <p:nvSpPr>
+          <p:cNvPr id="3" name="Espace réservé du texte 2">
+            <a:extLst>
+              <a:ext uri="{FF2B5EF4-FFF2-40B4-BE49-F238E27FC236}">
+                <a16:creationId xmlns:a16="http://schemas.microsoft.com/office/drawing/2014/main" id="{5186B706-7875-4D7F-B5D9-4771BCFE8AF1}"/>
+              </a:ext>
+            </a:extLst>
+          </p:cNvPr>
+          <p:cNvSpPr>
+            <a:spLocks noGrp="1"/>
+          </p:cNvSpPr>
+          <p:nvPr>
+            <p:ph type="body" sz="quarter" idx="10"/>
+          </p:nvPr>
+        </p:nvSpPr>
+        <p:spPr/>
+        <p:txBody>
+          <a:bodyPr/>
+          <a:lstStyle/>
+          <a:p>
+            <a:endParaRPr lang="en-US"/>
+          </a:p>
+        </p:txBody>
+      </p:sp>
+    </p:spTree>
+    <p:extLst>
+      <p:ext uri="{BB962C8B-B14F-4D97-AF65-F5344CB8AC3E}">
+        <p14:creationId xmlns:p14="http://schemas.microsoft.com/office/powerpoint/2010/main" val="1225886703"/>
+      </p:ext>
+    </p:extLst>
+  </p:cSld>
+  <p:clrMapOvr>
+    <a:masterClrMapping/>
+  </p:clrMapOvr>
+</p:sld>
+</file>
+
+<file path=ppt/slides/slide5.xml><?xml version="1.0" encoding="utf-8"?>
+<p:sld xmlns:a="http://schemas.openxmlformats.org/drawingml/2006/main" xmlns:r="http://schemas.openxmlformats.org/officeDocument/2006/relationships" xmlns:p="http://schemas.openxmlformats.org/presentationml/2006/main">
+  <p:cSld>
+    <p:spTree>
+      <p:nvGrpSpPr>
+        <p:cNvPr id="1" name=""/>
+        <p:cNvGrpSpPr/>
+        <p:nvPr/>
+      </p:nvGrpSpPr>
+      <p:grpSpPr>
+        <a:xfrm>
+          <a:off x="0" y="0"/>
+          <a:ext cx="0" cy="0"/>
+          <a:chOff x="0" y="0"/>
+          <a:chExt cx="0" cy="0"/>
+        </a:xfrm>
+      </p:grpSpPr>
+      <p:sp>
+        <p:nvSpPr>
+          <p:cNvPr id="2" name="Titre 1">
+            <a:extLst>
+              <a:ext uri="{FF2B5EF4-FFF2-40B4-BE49-F238E27FC236}">
+                <a16:creationId xmlns:a16="http://schemas.microsoft.com/office/drawing/2014/main" id="{64CD972C-FA2A-4DAA-8A10-5B6F6F31AEB1}"/>
+              </a:ext>
+            </a:extLst>
+          </p:cNvPr>
+          <p:cNvSpPr>
+            <a:spLocks noGrp="1"/>
+          </p:cNvSpPr>
+          <p:nvPr>
+            <p:ph type="title"/>
+          </p:nvPr>
+        </p:nvSpPr>
+        <p:spPr/>
+        <p:txBody>
+          <a:bodyPr/>
+          <a:lstStyle/>
+          <a:p>
+            <a:r>
+              <a:rPr lang="en-US" dirty="0"/>
+              <a:t>Issues with gradient-based techniques</a:t>
+            </a:r>
+          </a:p>
+        </p:txBody>
+      </p:sp>
+      <p:sp>
+        <p:nvSpPr>
+          <p:cNvPr id="3" name="Espace réservé du texte 2">
+            <a:extLst>
+              <a:ext uri="{FF2B5EF4-FFF2-40B4-BE49-F238E27FC236}">
+                <a16:creationId xmlns:a16="http://schemas.microsoft.com/office/drawing/2014/main" id="{D5241D11-0957-4068-BBEE-9817CC712F27}"/>
+              </a:ext>
+            </a:extLst>
+          </p:cNvPr>
+          <p:cNvSpPr>
+            <a:spLocks noGrp="1"/>
+          </p:cNvSpPr>
+          <p:nvPr>
+            <p:ph type="body" sz="quarter" idx="10"/>
+          </p:nvPr>
+        </p:nvSpPr>
+        <p:spPr/>
+        <p:txBody>
+          <a:bodyPr/>
+          <a:lstStyle/>
+          <a:p>
+            <a:r>
+              <a:rPr lang="en-US" dirty="0"/>
+              <a:t>Brainstorming!</a:t>
+            </a:r>
+          </a:p>
+        </p:txBody>
+      </p:sp>
+    </p:spTree>
+    <p:extLst>
+      <p:ext uri="{BB962C8B-B14F-4D97-AF65-F5344CB8AC3E}">
+        <p14:creationId xmlns:p14="http://schemas.microsoft.com/office/powerpoint/2010/main" val="282497166"/>
+      </p:ext>
+    </p:extLst>
+  </p:cSld>
+  <p:clrMapOvr>
+    <a:masterClrMapping/>
+  </p:clrMapOvr>
+</p:sld>
+</file>
+
+<file path=ppt/slides/slide6.xml><?xml version="1.0" encoding="utf-8"?>
+<p:sld xmlns:a="http://schemas.openxmlformats.org/drawingml/2006/main" xmlns:r="http://schemas.openxmlformats.org/officeDocument/2006/relationships" xmlns:p="http://schemas.openxmlformats.org/presentationml/2006/main">
+  <p:cSld>
+    <p:spTree>
+      <p:nvGrpSpPr>
+        <p:cNvPr id="1" name=""/>
+        <p:cNvGrpSpPr/>
+        <p:nvPr/>
+      </p:nvGrpSpPr>
+      <p:grpSpPr>
+        <a:xfrm>
+          <a:off x="0" y="0"/>
+          <a:ext cx="0" cy="0"/>
+          <a:chOff x="0" y="0"/>
+          <a:chExt cx="0" cy="0"/>
+        </a:xfrm>
+      </p:grpSpPr>
+      <p:sp>
+        <p:nvSpPr>
+          <p:cNvPr id="2" name="Titre 1">
+            <a:extLst>
+              <a:ext uri="{FF2B5EF4-FFF2-40B4-BE49-F238E27FC236}">
+                <a16:creationId xmlns:a16="http://schemas.microsoft.com/office/drawing/2014/main" id="{6E8B27F1-2098-465F-B83F-3123A3370907}"/>
+              </a:ext>
+            </a:extLst>
+          </p:cNvPr>
+          <p:cNvSpPr>
+            <a:spLocks noGrp="1"/>
+          </p:cNvSpPr>
+          <p:nvPr>
+            <p:ph type="title"/>
+          </p:nvPr>
+        </p:nvSpPr>
+        <p:spPr/>
+        <p:txBody>
+          <a:bodyPr/>
+          <a:lstStyle/>
+          <a:p>
+            <a:r>
+              <a:rPr lang="en-US" dirty="0"/>
+              <a:t>Issues with gradient-based techniques</a:t>
+            </a:r>
+          </a:p>
+        </p:txBody>
+      </p:sp>
+      <p:sp>
+        <p:nvSpPr>
+          <p:cNvPr id="3" name="Espace réservé du texte 2">
+            <a:extLst>
+              <a:ext uri="{FF2B5EF4-FFF2-40B4-BE49-F238E27FC236}">
+                <a16:creationId xmlns:a16="http://schemas.microsoft.com/office/drawing/2014/main" id="{AE148438-185B-435D-9D83-E60BEDDB88B4}"/>
+              </a:ext>
+            </a:extLst>
+          </p:cNvPr>
+          <p:cNvSpPr>
+            <a:spLocks noGrp="1"/>
+          </p:cNvSpPr>
+          <p:nvPr>
+            <p:ph type="body" sz="quarter" idx="10"/>
+          </p:nvPr>
+        </p:nvSpPr>
+        <p:spPr/>
+        <p:txBody>
+          <a:bodyPr/>
+          <a:lstStyle/>
+          <a:p>
+            <a:r>
+              <a:rPr lang="en-US" dirty="0"/>
+              <a:t>Starting point </a:t>
+            </a:r>
+            <a:r>
+              <a:rPr lang="en-US"/>
+              <a:t>of exploration matters</a:t>
+            </a:r>
+          </a:p>
+          <a:p>
+            <a:r>
+              <a:rPr lang="en-US" dirty="0"/>
+              <a:t>Hard to get out of local optima</a:t>
+            </a:r>
+          </a:p>
+        </p:txBody>
+      </p:sp>
+    </p:spTree>
+    <p:extLst>
+      <p:ext uri="{BB962C8B-B14F-4D97-AF65-F5344CB8AC3E}">
+        <p14:creationId xmlns:p14="http://schemas.microsoft.com/office/powerpoint/2010/main" val="2352854005"/>
+      </p:ext>
+    </p:extLst>
+  </p:cSld>
+  <p:clrMapOvr>
+    <a:masterClrMapping/>
+  </p:clrMapOvr>
+</p:sld>
+</file>
+
+<file path=ppt/slides/slide7.xml><?xml version="1.0" encoding="utf-8"?>
+<p:sld xmlns:a="http://schemas.openxmlformats.org/drawingml/2006/main" xmlns:r="http://schemas.openxmlformats.org/officeDocument/2006/relationships" xmlns:p="http://schemas.openxmlformats.org/presentationml/2006/main">
+  <p:cSld>
+    <p:spTree>
+      <p:nvGrpSpPr>
+        <p:cNvPr id="1" name=""/>
+        <p:cNvGrpSpPr/>
+        <p:nvPr/>
+      </p:nvGrpSpPr>
+      <p:grpSpPr>
+        <a:xfrm>
+          <a:off x="0" y="0"/>
+          <a:ext cx="0" cy="0"/>
+          <a:chOff x="0" y="0"/>
+          <a:chExt cx="0" cy="0"/>
+        </a:xfrm>
+      </p:grpSpPr>
+      <p:sp>
+        <p:nvSpPr>
           <p:cNvPr id="4" name="Titre 3">
             <a:extLst>
               <a:ext uri="{FF2B5EF4-FFF2-40B4-BE49-F238E27FC236}">

--- a/optimization-methods-for-artificial-intelligence/optimization-continuous.pptx
+++ b/optimization-methods-for-artificial-intelligence/optimization-continuous.pptx
@@ -2364,6 +2364,90 @@
           </a:p>
         </p:txBody>
       </p:sp>
+      <p:pic>
+        <p:nvPicPr>
+          <p:cNvPr id="6" name="Picture 2">
+            <a:extLst>
+              <a:ext uri="{FF2B5EF4-FFF2-40B4-BE49-F238E27FC236}">
+                <a16:creationId xmlns:a16="http://schemas.microsoft.com/office/drawing/2014/main" id="{6E214693-AB7E-4C54-8D7C-0391735F7C4F}"/>
+              </a:ext>
+            </a:extLst>
+          </p:cNvPr>
+          <p:cNvPicPr>
+            <a:picLocks noChangeAspect="1" noChangeArrowheads="1"/>
+          </p:cNvPicPr>
+          <p:nvPr/>
+        </p:nvPicPr>
+        <p:blipFill rotWithShape="1">
+          <a:blip r:embed="rId2">
+            <a:extLst>
+              <a:ext uri="{BEBA8EAE-BF5A-486C-A8C5-ECC9F3942E4B}">
+                <a14:imgProps xmlns:a14="http://schemas.microsoft.com/office/drawing/2010/main">
+                  <a14:imgLayer r:embed="rId3">
+                    <a14:imgEffect>
+                      <a14:backgroundRemoval t="22283" b="75673" l="54554" r="90983"/>
+                    </a14:imgEffect>
+                  </a14:imgLayer>
+                </a14:imgProps>
+              </a:ext>
+              <a:ext uri="{28A0092B-C50C-407E-A947-70E740481C1C}">
+                <a14:useLocalDpi xmlns:a14="http://schemas.microsoft.com/office/drawing/2010/main" val="0"/>
+              </a:ext>
+            </a:extLst>
+          </a:blip>
+          <a:srcRect l="50000" t="15610" r="4463" b="17653"/>
+          <a:stretch/>
+        </p:blipFill>
+        <p:spPr bwMode="auto">
+          <a:xfrm>
+            <a:off x="4938382" y="1037974"/>
+            <a:ext cx="1295445" cy="884352"/>
+          </a:xfrm>
+          <a:prstGeom prst="rect">
+            <a:avLst/>
+          </a:prstGeom>
+          <a:noFill/>
+          <a:extLst>
+            <a:ext uri="{909E8E84-426E-40DD-AFC4-6F175D3DCCD1}">
+              <a14:hiddenFill xmlns:a14="http://schemas.microsoft.com/office/drawing/2010/main">
+                <a:solidFill>
+                  <a:srgbClr val="FFFFFF"/>
+                </a:solidFill>
+              </a14:hiddenFill>
+            </a:ext>
+          </a:extLst>
+        </p:spPr>
+      </p:pic>
+      <p:pic>
+        <p:nvPicPr>
+          <p:cNvPr id="7" name="Image 6">
+            <a:extLst>
+              <a:ext uri="{FF2B5EF4-FFF2-40B4-BE49-F238E27FC236}">
+                <a16:creationId xmlns:a16="http://schemas.microsoft.com/office/drawing/2014/main" id="{414D43F9-35B6-46FA-B5D4-8F2F1AA72ED1}"/>
+              </a:ext>
+            </a:extLst>
+          </p:cNvPr>
+          <p:cNvPicPr>
+            <a:picLocks noChangeAspect="1"/>
+          </p:cNvPicPr>
+          <p:nvPr/>
+        </p:nvPicPr>
+        <p:blipFill>
+          <a:blip r:embed="rId4"/>
+          <a:stretch>
+            <a:fillRect/>
+          </a:stretch>
+        </p:blipFill>
+        <p:spPr>
+          <a:xfrm>
+            <a:off x="6383826" y="1073027"/>
+            <a:ext cx="1642424" cy="574848"/>
+          </a:xfrm>
+          <a:prstGeom prst="rect">
+            <a:avLst/>
+          </a:prstGeom>
+        </p:spPr>
+      </p:pic>
     </p:spTree>
     <p:extLst>
       <p:ext uri="{BB962C8B-B14F-4D97-AF65-F5344CB8AC3E}">

--- a/optimization-methods-for-artificial-intelligence/optimization-continuous.pptx
+++ b/optimization-methods-for-artificial-intelligence/optimization-continuous.pptx
@@ -4,14 +4,29 @@
   <p:sldMasterIdLst>
     <p:sldMasterId id="2147483648" r:id="rId1"/>
   </p:sldMasterIdLst>
+  <p:notesMasterIdLst>
+    <p:notesMasterId r:id="rId21"/>
+  </p:notesMasterIdLst>
   <p:sldIdLst>
     <p:sldId id="257" r:id="rId2"/>
     <p:sldId id="258" r:id="rId3"/>
     <p:sldId id="270" r:id="rId4"/>
-    <p:sldId id="271" r:id="rId5"/>
-    <p:sldId id="272" r:id="rId6"/>
-    <p:sldId id="273" r:id="rId7"/>
-    <p:sldId id="269" r:id="rId8"/>
+    <p:sldId id="278" r:id="rId5"/>
+    <p:sldId id="279" r:id="rId6"/>
+    <p:sldId id="271" r:id="rId7"/>
+    <p:sldId id="280" r:id="rId8"/>
+    <p:sldId id="272" r:id="rId9"/>
+    <p:sldId id="273" r:id="rId10"/>
+    <p:sldId id="276" r:id="rId11"/>
+    <p:sldId id="275" r:id="rId12"/>
+    <p:sldId id="274" r:id="rId13"/>
+    <p:sldId id="281" r:id="rId14"/>
+    <p:sldId id="282" r:id="rId15"/>
+    <p:sldId id="283" r:id="rId16"/>
+    <p:sldId id="312" r:id="rId17"/>
+    <p:sldId id="284" r:id="rId18"/>
+    <p:sldId id="277" r:id="rId19"/>
+    <p:sldId id="269" r:id="rId20"/>
   </p:sldIdLst>
   <p:sldSz cx="12192000" cy="6858000"/>
   <p:notesSz cx="6858000" cy="9144000"/>
@@ -118,6 +133,638 @@
 </p:presentation>
 </file>
 
+<file path=ppt/notesMasters/notesMaster1.xml><?xml version="1.0" encoding="utf-8"?>
+<p:notesMaster xmlns:a="http://schemas.openxmlformats.org/drawingml/2006/main" xmlns:r="http://schemas.openxmlformats.org/officeDocument/2006/relationships" xmlns:p="http://schemas.openxmlformats.org/presentationml/2006/main">
+  <p:cSld>
+    <p:bg>
+      <p:bgRef idx="1001">
+        <a:schemeClr val="bg1"/>
+      </p:bgRef>
+    </p:bg>
+    <p:spTree>
+      <p:nvGrpSpPr>
+        <p:cNvPr id="1" name=""/>
+        <p:cNvGrpSpPr/>
+        <p:nvPr/>
+      </p:nvGrpSpPr>
+      <p:grpSpPr>
+        <a:xfrm>
+          <a:off x="0" y="0"/>
+          <a:ext cx="0" cy="0"/>
+          <a:chOff x="0" y="0"/>
+          <a:chExt cx="0" cy="0"/>
+        </a:xfrm>
+      </p:grpSpPr>
+      <p:sp>
+        <p:nvSpPr>
+          <p:cNvPr id="2" name="Espace réservé de l'en-tête 1"/>
+          <p:cNvSpPr>
+            <a:spLocks noGrp="1"/>
+          </p:cNvSpPr>
+          <p:nvPr>
+            <p:ph type="hdr" sz="quarter"/>
+          </p:nvPr>
+        </p:nvSpPr>
+        <p:spPr>
+          <a:xfrm>
+            <a:off x="0" y="0"/>
+            <a:ext cx="2971800" cy="458788"/>
+          </a:xfrm>
+          <a:prstGeom prst="rect">
+            <a:avLst/>
+          </a:prstGeom>
+        </p:spPr>
+        <p:txBody>
+          <a:bodyPr vert="horz" lIns="91440" tIns="45720" rIns="91440" bIns="45720" rtlCol="0"/>
+          <a:lstStyle>
+            <a:lvl1pPr algn="l">
+              <a:defRPr sz="1200"/>
+            </a:lvl1pPr>
+          </a:lstStyle>
+          <a:p>
+            <a:endParaRPr lang="en-US"/>
+          </a:p>
+        </p:txBody>
+      </p:sp>
+      <p:sp>
+        <p:nvSpPr>
+          <p:cNvPr id="3" name="Espace réservé de la date 2"/>
+          <p:cNvSpPr>
+            <a:spLocks noGrp="1"/>
+          </p:cNvSpPr>
+          <p:nvPr>
+            <p:ph type="dt" idx="1"/>
+          </p:nvPr>
+        </p:nvSpPr>
+        <p:spPr>
+          <a:xfrm>
+            <a:off x="3884613" y="0"/>
+            <a:ext cx="2971800" cy="458788"/>
+          </a:xfrm>
+          <a:prstGeom prst="rect">
+            <a:avLst/>
+          </a:prstGeom>
+        </p:spPr>
+        <p:txBody>
+          <a:bodyPr vert="horz" lIns="91440" tIns="45720" rIns="91440" bIns="45720" rtlCol="0"/>
+          <a:lstStyle>
+            <a:lvl1pPr algn="r">
+              <a:defRPr sz="1200"/>
+            </a:lvl1pPr>
+          </a:lstStyle>
+          <a:p>
+            <a:fld id="{B0FF2D3E-277F-4CAD-AED5-28CC84676CEB}" type="datetimeFigureOut">
+              <a:rPr lang="en-US" smtClean="0"/>
+              <a:t>7/3/2023</a:t>
+            </a:fld>
+            <a:endParaRPr lang="en-US"/>
+          </a:p>
+        </p:txBody>
+      </p:sp>
+      <p:sp>
+        <p:nvSpPr>
+          <p:cNvPr id="4" name="Espace réservé de l'image des diapositives 3"/>
+          <p:cNvSpPr>
+            <a:spLocks noGrp="1" noRot="1" noChangeAspect="1"/>
+          </p:cNvSpPr>
+          <p:nvPr>
+            <p:ph type="sldImg" idx="2"/>
+          </p:nvPr>
+        </p:nvSpPr>
+        <p:spPr>
+          <a:xfrm>
+            <a:off x="685800" y="1143000"/>
+            <a:ext cx="5486400" cy="3086100"/>
+          </a:xfrm>
+          <a:prstGeom prst="rect">
+            <a:avLst/>
+          </a:prstGeom>
+          <a:noFill/>
+          <a:ln w="12700">
+            <a:solidFill>
+              <a:prstClr val="black"/>
+            </a:solidFill>
+          </a:ln>
+        </p:spPr>
+        <p:txBody>
+          <a:bodyPr vert="horz" lIns="91440" tIns="45720" rIns="91440" bIns="45720" rtlCol="0" anchor="ctr"/>
+          <a:lstStyle/>
+          <a:p>
+            <a:endParaRPr lang="en-US"/>
+          </a:p>
+        </p:txBody>
+      </p:sp>
+      <p:sp>
+        <p:nvSpPr>
+          <p:cNvPr id="5" name="Espace réservé des notes 4"/>
+          <p:cNvSpPr>
+            <a:spLocks noGrp="1"/>
+          </p:cNvSpPr>
+          <p:nvPr>
+            <p:ph type="body" sz="quarter" idx="3"/>
+          </p:nvPr>
+        </p:nvSpPr>
+        <p:spPr>
+          <a:xfrm>
+            <a:off x="685800" y="4400550"/>
+            <a:ext cx="5486400" cy="3600450"/>
+          </a:xfrm>
+          <a:prstGeom prst="rect">
+            <a:avLst/>
+          </a:prstGeom>
+        </p:spPr>
+        <p:txBody>
+          <a:bodyPr vert="horz" lIns="91440" tIns="45720" rIns="91440" bIns="45720" rtlCol="0"/>
+          <a:lstStyle/>
+          <a:p>
+            <a:pPr lvl="0"/>
+            <a:r>
+              <a:rPr lang="fr-FR"/>
+              <a:t>Cliquez pour modifier les styles du texte du masque</a:t>
+            </a:r>
+          </a:p>
+          <a:p>
+            <a:pPr lvl="1"/>
+            <a:r>
+              <a:rPr lang="fr-FR"/>
+              <a:t>Deuxième niveau</a:t>
+            </a:r>
+          </a:p>
+          <a:p>
+            <a:pPr lvl="2"/>
+            <a:r>
+              <a:rPr lang="fr-FR"/>
+              <a:t>Troisième niveau</a:t>
+            </a:r>
+          </a:p>
+          <a:p>
+            <a:pPr lvl="3"/>
+            <a:r>
+              <a:rPr lang="fr-FR"/>
+              <a:t>Quatrième niveau</a:t>
+            </a:r>
+          </a:p>
+          <a:p>
+            <a:pPr lvl="4"/>
+            <a:r>
+              <a:rPr lang="fr-FR"/>
+              <a:t>Cinquième niveau</a:t>
+            </a:r>
+            <a:endParaRPr lang="en-US"/>
+          </a:p>
+        </p:txBody>
+      </p:sp>
+      <p:sp>
+        <p:nvSpPr>
+          <p:cNvPr id="6" name="Espace réservé du pied de page 5"/>
+          <p:cNvSpPr>
+            <a:spLocks noGrp="1"/>
+          </p:cNvSpPr>
+          <p:nvPr>
+            <p:ph type="ftr" sz="quarter" idx="4"/>
+          </p:nvPr>
+        </p:nvSpPr>
+        <p:spPr>
+          <a:xfrm>
+            <a:off x="0" y="8685213"/>
+            <a:ext cx="2971800" cy="458787"/>
+          </a:xfrm>
+          <a:prstGeom prst="rect">
+            <a:avLst/>
+          </a:prstGeom>
+        </p:spPr>
+        <p:txBody>
+          <a:bodyPr vert="horz" lIns="91440" tIns="45720" rIns="91440" bIns="45720" rtlCol="0" anchor="b"/>
+          <a:lstStyle>
+            <a:lvl1pPr algn="l">
+              <a:defRPr sz="1200"/>
+            </a:lvl1pPr>
+          </a:lstStyle>
+          <a:p>
+            <a:endParaRPr lang="en-US"/>
+          </a:p>
+        </p:txBody>
+      </p:sp>
+      <p:sp>
+        <p:nvSpPr>
+          <p:cNvPr id="7" name="Espace réservé du numéro de diapositive 6"/>
+          <p:cNvSpPr>
+            <a:spLocks noGrp="1"/>
+          </p:cNvSpPr>
+          <p:nvPr>
+            <p:ph type="sldNum" sz="quarter" idx="5"/>
+          </p:nvPr>
+        </p:nvSpPr>
+        <p:spPr>
+          <a:xfrm>
+            <a:off x="3884613" y="8685213"/>
+            <a:ext cx="2971800" cy="458787"/>
+          </a:xfrm>
+          <a:prstGeom prst="rect">
+            <a:avLst/>
+          </a:prstGeom>
+        </p:spPr>
+        <p:txBody>
+          <a:bodyPr vert="horz" lIns="91440" tIns="45720" rIns="91440" bIns="45720" rtlCol="0" anchor="b"/>
+          <a:lstStyle>
+            <a:lvl1pPr algn="r">
+              <a:defRPr sz="1200"/>
+            </a:lvl1pPr>
+          </a:lstStyle>
+          <a:p>
+            <a:fld id="{DE95A5BA-0710-4114-B44A-967DE597FE8A}" type="slidenum">
+              <a:rPr lang="en-US" smtClean="0"/>
+              <a:t>‹N°›</a:t>
+            </a:fld>
+            <a:endParaRPr lang="en-US"/>
+          </a:p>
+        </p:txBody>
+      </p:sp>
+    </p:spTree>
+    <p:extLst>
+      <p:ext uri="{BB962C8B-B14F-4D97-AF65-F5344CB8AC3E}">
+        <p14:creationId xmlns:p14="http://schemas.microsoft.com/office/powerpoint/2010/main" val="1156768713"/>
+      </p:ext>
+    </p:extLst>
+  </p:cSld>
+  <p:clrMap bg1="lt1" tx1="dk1" bg2="lt2" tx2="dk2" accent1="accent1" accent2="accent2" accent3="accent3" accent4="accent4" accent5="accent5" accent6="accent6" hlink="hlink" folHlink="folHlink"/>
+  <p:notesStyle>
+    <a:lvl1pPr marL="0" algn="l" defTabSz="914400" rtl="0" eaLnBrk="1" latinLnBrk="0" hangingPunct="1">
+      <a:defRPr sz="1200" kern="1200">
+        <a:solidFill>
+          <a:schemeClr val="tx1"/>
+        </a:solidFill>
+        <a:latin typeface="+mn-lt"/>
+        <a:ea typeface="+mn-ea"/>
+        <a:cs typeface="+mn-cs"/>
+      </a:defRPr>
+    </a:lvl1pPr>
+    <a:lvl2pPr marL="457200" algn="l" defTabSz="914400" rtl="0" eaLnBrk="1" latinLnBrk="0" hangingPunct="1">
+      <a:defRPr sz="1200" kern="1200">
+        <a:solidFill>
+          <a:schemeClr val="tx1"/>
+        </a:solidFill>
+        <a:latin typeface="+mn-lt"/>
+        <a:ea typeface="+mn-ea"/>
+        <a:cs typeface="+mn-cs"/>
+      </a:defRPr>
+    </a:lvl2pPr>
+    <a:lvl3pPr marL="914400" algn="l" defTabSz="914400" rtl="0" eaLnBrk="1" latinLnBrk="0" hangingPunct="1">
+      <a:defRPr sz="1200" kern="1200">
+        <a:solidFill>
+          <a:schemeClr val="tx1"/>
+        </a:solidFill>
+        <a:latin typeface="+mn-lt"/>
+        <a:ea typeface="+mn-ea"/>
+        <a:cs typeface="+mn-cs"/>
+      </a:defRPr>
+    </a:lvl3pPr>
+    <a:lvl4pPr marL="1371600" algn="l" defTabSz="914400" rtl="0" eaLnBrk="1" latinLnBrk="0" hangingPunct="1">
+      <a:defRPr sz="1200" kern="1200">
+        <a:solidFill>
+          <a:schemeClr val="tx1"/>
+        </a:solidFill>
+        <a:latin typeface="+mn-lt"/>
+        <a:ea typeface="+mn-ea"/>
+        <a:cs typeface="+mn-cs"/>
+      </a:defRPr>
+    </a:lvl4pPr>
+    <a:lvl5pPr marL="1828800" algn="l" defTabSz="914400" rtl="0" eaLnBrk="1" latinLnBrk="0" hangingPunct="1">
+      <a:defRPr sz="1200" kern="1200">
+        <a:solidFill>
+          <a:schemeClr val="tx1"/>
+        </a:solidFill>
+        <a:latin typeface="+mn-lt"/>
+        <a:ea typeface="+mn-ea"/>
+        <a:cs typeface="+mn-cs"/>
+      </a:defRPr>
+    </a:lvl5pPr>
+    <a:lvl6pPr marL="2286000" algn="l" defTabSz="914400" rtl="0" eaLnBrk="1" latinLnBrk="0" hangingPunct="1">
+      <a:defRPr sz="1200" kern="1200">
+        <a:solidFill>
+          <a:schemeClr val="tx1"/>
+        </a:solidFill>
+        <a:latin typeface="+mn-lt"/>
+        <a:ea typeface="+mn-ea"/>
+        <a:cs typeface="+mn-cs"/>
+      </a:defRPr>
+    </a:lvl6pPr>
+    <a:lvl7pPr marL="2743200" algn="l" defTabSz="914400" rtl="0" eaLnBrk="1" latinLnBrk="0" hangingPunct="1">
+      <a:defRPr sz="1200" kern="1200">
+        <a:solidFill>
+          <a:schemeClr val="tx1"/>
+        </a:solidFill>
+        <a:latin typeface="+mn-lt"/>
+        <a:ea typeface="+mn-ea"/>
+        <a:cs typeface="+mn-cs"/>
+      </a:defRPr>
+    </a:lvl7pPr>
+    <a:lvl8pPr marL="3200400" algn="l" defTabSz="914400" rtl="0" eaLnBrk="1" latinLnBrk="0" hangingPunct="1">
+      <a:defRPr sz="1200" kern="1200">
+        <a:solidFill>
+          <a:schemeClr val="tx1"/>
+        </a:solidFill>
+        <a:latin typeface="+mn-lt"/>
+        <a:ea typeface="+mn-ea"/>
+        <a:cs typeface="+mn-cs"/>
+      </a:defRPr>
+    </a:lvl8pPr>
+    <a:lvl9pPr marL="3657600" algn="l" defTabSz="914400" rtl="0" eaLnBrk="1" latinLnBrk="0" hangingPunct="1">
+      <a:defRPr sz="1200" kern="1200">
+        <a:solidFill>
+          <a:schemeClr val="tx1"/>
+        </a:solidFill>
+        <a:latin typeface="+mn-lt"/>
+        <a:ea typeface="+mn-ea"/>
+        <a:cs typeface="+mn-cs"/>
+      </a:defRPr>
+    </a:lvl9pPr>
+  </p:notesStyle>
+</p:notesMaster>
+</file>
+
+<file path=ppt/notesSlides/notesSlide1.xml><?xml version="1.0" encoding="utf-8"?>
+<p:notes xmlns:a="http://schemas.openxmlformats.org/drawingml/2006/main" xmlns:r="http://schemas.openxmlformats.org/officeDocument/2006/relationships" xmlns:p="http://schemas.openxmlformats.org/presentationml/2006/main">
+  <p:cSld>
+    <p:spTree>
+      <p:nvGrpSpPr>
+        <p:cNvPr id="1" name=""/>
+        <p:cNvGrpSpPr/>
+        <p:nvPr/>
+      </p:nvGrpSpPr>
+      <p:grpSpPr>
+        <a:xfrm>
+          <a:off x="0" y="0"/>
+          <a:ext cx="0" cy="0"/>
+          <a:chOff x="0" y="0"/>
+          <a:chExt cx="0" cy="0"/>
+        </a:xfrm>
+      </p:grpSpPr>
+      <p:sp>
+        <p:nvSpPr>
+          <p:cNvPr id="30722" name="Slide Image Placeholder 1">
+            <a:extLst>
+              <a:ext uri="{FF2B5EF4-FFF2-40B4-BE49-F238E27FC236}">
+                <a16:creationId xmlns:a16="http://schemas.microsoft.com/office/drawing/2014/main" id="{BDE8AF4D-BB00-4E23-A711-846531D7BCB9}"/>
+              </a:ext>
+            </a:extLst>
+          </p:cNvPr>
+          <p:cNvSpPr>
+            <a:spLocks noGrp="1" noRot="1" noChangeAspect="1" noTextEdit="1"/>
+          </p:cNvSpPr>
+          <p:nvPr>
+            <p:ph type="sldImg"/>
+          </p:nvPr>
+        </p:nvSpPr>
+        <p:spPr bwMode="auto">
+          <a:noFill/>
+          <a:ln>
+            <a:solidFill>
+              <a:srgbClr val="000000"/>
+            </a:solidFill>
+            <a:miter lim="800000"/>
+            <a:headEnd/>
+            <a:tailEnd/>
+          </a:ln>
+          <a:extLst>
+            <a:ext uri="{909E8E84-426E-40DD-AFC4-6F175D3DCCD1}">
+              <a14:hiddenFill xmlns:a14="http://schemas.microsoft.com/office/drawing/2010/main">
+                <a:solidFill>
+                  <a:srgbClr val="FFFFFF"/>
+                </a:solidFill>
+              </a14:hiddenFill>
+            </a:ext>
+          </a:extLst>
+        </p:spPr>
+      </p:sp>
+      <p:sp>
+        <p:nvSpPr>
+          <p:cNvPr id="30723" name="Notes Placeholder 2">
+            <a:extLst>
+              <a:ext uri="{FF2B5EF4-FFF2-40B4-BE49-F238E27FC236}">
+                <a16:creationId xmlns:a16="http://schemas.microsoft.com/office/drawing/2014/main" id="{71307161-D2EC-4A81-B07A-64F83B14D708}"/>
+              </a:ext>
+            </a:extLst>
+          </p:cNvPr>
+          <p:cNvSpPr>
+            <a:spLocks noGrp="1"/>
+          </p:cNvSpPr>
+          <p:nvPr>
+            <p:ph type="body" idx="1"/>
+          </p:nvPr>
+        </p:nvSpPr>
+        <p:spPr bwMode="auto">
+          <a:noFill/>
+          <a:extLst>
+            <a:ext uri="{909E8E84-426E-40DD-AFC4-6F175D3DCCD1}">
+              <a14:hiddenFill xmlns:a14="http://schemas.microsoft.com/office/drawing/2010/main">
+                <a:solidFill>
+                  <a:srgbClr val="FFFFFF"/>
+                </a:solidFill>
+              </a14:hiddenFill>
+            </a:ext>
+            <a:ext uri="{91240B29-F687-4F45-9708-019B960494DF}">
+              <a14:hiddenLine xmlns:a14="http://schemas.microsoft.com/office/drawing/2010/main" w="9525">
+                <a:solidFill>
+                  <a:srgbClr val="000000"/>
+                </a:solidFill>
+                <a:miter lim="800000"/>
+                <a:headEnd/>
+                <a:tailEnd/>
+              </a14:hiddenLine>
+            </a:ext>
+          </a:extLst>
+        </p:spPr>
+        <p:txBody>
+          <a:bodyPr wrap="square" numCol="1" anchor="t" anchorCtr="0" compatLnSpc="1">
+            <a:prstTxWarp prst="textNoShape">
+              <a:avLst/>
+            </a:prstTxWarp>
+          </a:bodyPr>
+          <a:lstStyle/>
+          <a:p>
+            <a:r>
+              <a:rPr lang="en-US" altLang="en-US"/>
+              <a:t>They can be used for other purposes, but in this presentation I will focus on optimization. Who here has used evolutionary algorithms, also known as “Genetic Algorithms”?</a:t>
+            </a:r>
+          </a:p>
+          <a:p>
+            <a:endParaRPr lang="en-US" altLang="en-US"/>
+          </a:p>
+          <a:p>
+            <a:r>
+              <a:rPr lang="en-US" altLang="en-US"/>
+              <a:t>They are inspired by the neo-Darwinian understanding of natural selection. But keep in mind that this is just a metaphor, they are as close to natural selection as artificial neural networks are close to the brain, which means, very little.</a:t>
+            </a:r>
+          </a:p>
+          <a:p>
+            <a:endParaRPr lang="en-US" altLang="en-US"/>
+          </a:p>
+          <a:p>
+            <a:r>
+              <a:rPr lang="en-US" altLang="en-US"/>
+              <a:t>There is some domain-specific terminology that I will try not to use too much. But basically, a candidate solution is sometimes called “individual”; the set of candidate solutions at the current iteration is called “population”; and the new solutions produced at each iteration are called “offspring”</a:t>
+            </a:r>
+          </a:p>
+        </p:txBody>
+      </p:sp>
+      <p:sp>
+        <p:nvSpPr>
+          <p:cNvPr id="30724" name="Slide Number Placeholder 3">
+            <a:extLst>
+              <a:ext uri="{FF2B5EF4-FFF2-40B4-BE49-F238E27FC236}">
+                <a16:creationId xmlns:a16="http://schemas.microsoft.com/office/drawing/2014/main" id="{595FABFE-2351-4925-9E69-CDE58CD88261}"/>
+              </a:ext>
+            </a:extLst>
+          </p:cNvPr>
+          <p:cNvSpPr>
+            <a:spLocks noGrp="1"/>
+          </p:cNvSpPr>
+          <p:nvPr>
+            <p:ph type="sldNum" sz="quarter" idx="5"/>
+          </p:nvPr>
+        </p:nvSpPr>
+        <p:spPr bwMode="auto">
+          <a:noFill/>
+          <a:extLst>
+            <a:ext uri="{909E8E84-426E-40DD-AFC4-6F175D3DCCD1}">
+              <a14:hiddenFill xmlns:a14="http://schemas.microsoft.com/office/drawing/2010/main">
+                <a:solidFill>
+                  <a:srgbClr val="FFFFFF"/>
+                </a:solidFill>
+              </a14:hiddenFill>
+            </a:ext>
+            <a:ext uri="{91240B29-F687-4F45-9708-019B960494DF}">
+              <a14:hiddenLine xmlns:a14="http://schemas.microsoft.com/office/drawing/2010/main" w="9525">
+                <a:solidFill>
+                  <a:srgbClr val="000000"/>
+                </a:solidFill>
+                <a:miter lim="800000"/>
+                <a:headEnd/>
+                <a:tailEnd/>
+              </a14:hiddenLine>
+            </a:ext>
+          </a:extLst>
+        </p:spPr>
+        <p:txBody>
+          <a:bodyPr/>
+          <a:lstStyle>
+            <a:lvl1pPr eaLnBrk="0" hangingPunct="0">
+              <a:defRPr>
+                <a:solidFill>
+                  <a:schemeClr val="tx1"/>
+                </a:solidFill>
+                <a:latin typeface="Calibri" panose="020F0502020204030204" pitchFamily="34" charset="0"/>
+              </a:defRPr>
+            </a:lvl1pPr>
+            <a:lvl2pPr marL="742950" indent="-285750" eaLnBrk="0" hangingPunct="0">
+              <a:defRPr>
+                <a:solidFill>
+                  <a:schemeClr val="tx1"/>
+                </a:solidFill>
+                <a:latin typeface="Calibri" panose="020F0502020204030204" pitchFamily="34" charset="0"/>
+              </a:defRPr>
+            </a:lvl2pPr>
+            <a:lvl3pPr marL="1143000" indent="-228600" eaLnBrk="0" hangingPunct="0">
+              <a:defRPr>
+                <a:solidFill>
+                  <a:schemeClr val="tx1"/>
+                </a:solidFill>
+                <a:latin typeface="Calibri" panose="020F0502020204030204" pitchFamily="34" charset="0"/>
+              </a:defRPr>
+            </a:lvl3pPr>
+            <a:lvl4pPr marL="1600200" indent="-228600" eaLnBrk="0" hangingPunct="0">
+              <a:defRPr>
+                <a:solidFill>
+                  <a:schemeClr val="tx1"/>
+                </a:solidFill>
+                <a:latin typeface="Calibri" panose="020F0502020204030204" pitchFamily="34" charset="0"/>
+              </a:defRPr>
+            </a:lvl4pPr>
+            <a:lvl5pPr marL="2057400" indent="-228600" eaLnBrk="0" hangingPunct="0">
+              <a:defRPr>
+                <a:solidFill>
+                  <a:schemeClr val="tx1"/>
+                </a:solidFill>
+                <a:latin typeface="Calibri" panose="020F0502020204030204" pitchFamily="34" charset="0"/>
+              </a:defRPr>
+            </a:lvl5pPr>
+            <a:lvl6pPr marL="2514600" indent="-228600" eaLnBrk="0" fontAlgn="base" hangingPunct="0">
+              <a:spcBef>
+                <a:spcPct val="0"/>
+              </a:spcBef>
+              <a:spcAft>
+                <a:spcPct val="0"/>
+              </a:spcAft>
+              <a:defRPr>
+                <a:solidFill>
+                  <a:schemeClr val="tx1"/>
+                </a:solidFill>
+                <a:latin typeface="Calibri" panose="020F0502020204030204" pitchFamily="34" charset="0"/>
+              </a:defRPr>
+            </a:lvl6pPr>
+            <a:lvl7pPr marL="2971800" indent="-228600" eaLnBrk="0" fontAlgn="base" hangingPunct="0">
+              <a:spcBef>
+                <a:spcPct val="0"/>
+              </a:spcBef>
+              <a:spcAft>
+                <a:spcPct val="0"/>
+              </a:spcAft>
+              <a:defRPr>
+                <a:solidFill>
+                  <a:schemeClr val="tx1"/>
+                </a:solidFill>
+                <a:latin typeface="Calibri" panose="020F0502020204030204" pitchFamily="34" charset="0"/>
+              </a:defRPr>
+            </a:lvl7pPr>
+            <a:lvl8pPr marL="3429000" indent="-228600" eaLnBrk="0" fontAlgn="base" hangingPunct="0">
+              <a:spcBef>
+                <a:spcPct val="0"/>
+              </a:spcBef>
+              <a:spcAft>
+                <a:spcPct val="0"/>
+              </a:spcAft>
+              <a:defRPr>
+                <a:solidFill>
+                  <a:schemeClr val="tx1"/>
+                </a:solidFill>
+                <a:latin typeface="Calibri" panose="020F0502020204030204" pitchFamily="34" charset="0"/>
+              </a:defRPr>
+            </a:lvl8pPr>
+            <a:lvl9pPr marL="3886200" indent="-228600" eaLnBrk="0" fontAlgn="base" hangingPunct="0">
+              <a:spcBef>
+                <a:spcPct val="0"/>
+              </a:spcBef>
+              <a:spcAft>
+                <a:spcPct val="0"/>
+              </a:spcAft>
+              <a:defRPr>
+                <a:solidFill>
+                  <a:schemeClr val="tx1"/>
+                </a:solidFill>
+                <a:latin typeface="Calibri" panose="020F0502020204030204" pitchFamily="34" charset="0"/>
+              </a:defRPr>
+            </a:lvl9pPr>
+          </a:lstStyle>
+          <a:p>
+            <a:pPr eaLnBrk="1" hangingPunct="1"/>
+            <a:fld id="{680B1606-0EFF-436D-86CC-2E5701B5F772}" type="slidenum">
+              <a:rPr lang="fr-FR" altLang="en-US"/>
+              <a:pPr eaLnBrk="1" hangingPunct="1"/>
+              <a:t>16</a:t>
+            </a:fld>
+            <a:endParaRPr lang="fr-FR" altLang="en-US"/>
+          </a:p>
+        </p:txBody>
+      </p:sp>
+    </p:spTree>
+  </p:cSld>
+  <p:clrMapOvr>
+    <a:masterClrMapping/>
+  </p:clrMapOvr>
+</p:notes>
+</file>
+
 <file path=ppt/slideLayouts/slideLayout1.xml><?xml version="1.0" encoding="utf-8"?>
 <p:sldLayout xmlns:a="http://schemas.openxmlformats.org/drawingml/2006/main" xmlns:r="http://schemas.openxmlformats.org/officeDocument/2006/relationships" xmlns:p="http://schemas.openxmlformats.org/presentationml/2006/main" preserve="1" userDrawn="1">
   <p:cSld name="Diapositive de titre - Version 1">
@@ -989,6 +1636,163 @@
 </p:sldLayout>
 </file>
 
+<file path=ppt/slideLayouts/slideLayout4.xml><?xml version="1.0" encoding="utf-8"?>
+<p:sldLayout xmlns:a="http://schemas.openxmlformats.org/drawingml/2006/main" xmlns:r="http://schemas.openxmlformats.org/officeDocument/2006/relationships" xmlns:p="http://schemas.openxmlformats.org/presentationml/2006/main" type="titleOnly">
+  <p:cSld name="Titre seul">
+    <p:spTree>
+      <p:nvGrpSpPr>
+        <p:cNvPr id="1" name=""/>
+        <p:cNvGrpSpPr/>
+        <p:nvPr/>
+      </p:nvGrpSpPr>
+      <p:grpSpPr>
+        <a:xfrm>
+          <a:off x="0" y="0"/>
+          <a:ext cx="0" cy="0"/>
+          <a:chOff x="0" y="0"/>
+          <a:chExt cx="0" cy="0"/>
+        </a:xfrm>
+      </p:grpSpPr>
+      <p:sp>
+        <p:nvSpPr>
+          <p:cNvPr id="2" name="Titre 1"/>
+          <p:cNvSpPr>
+            <a:spLocks noGrp="1"/>
+          </p:cNvSpPr>
+          <p:nvPr>
+            <p:ph type="title"/>
+          </p:nvPr>
+        </p:nvSpPr>
+        <p:spPr/>
+        <p:txBody>
+          <a:bodyPr/>
+          <a:lstStyle/>
+          <a:p>
+            <a:r>
+              <a:rPr lang="fr-FR"/>
+              <a:t>Modifiez le style du titre</a:t>
+            </a:r>
+          </a:p>
+        </p:txBody>
+      </p:sp>
+      <p:sp>
+        <p:nvSpPr>
+          <p:cNvPr id="3" name="Espace réservé de la date 3">
+            <a:extLst>
+              <a:ext uri="{FF2B5EF4-FFF2-40B4-BE49-F238E27FC236}">
+                <a16:creationId xmlns:a16="http://schemas.microsoft.com/office/drawing/2014/main" id="{DE01E34F-EF95-4D0B-93B6-4233792E7492}"/>
+              </a:ext>
+            </a:extLst>
+          </p:cNvPr>
+          <p:cNvSpPr>
+            <a:spLocks noGrp="1"/>
+          </p:cNvSpPr>
+          <p:nvPr>
+            <p:ph type="dt" sz="half" idx="10"/>
+          </p:nvPr>
+        </p:nvSpPr>
+        <p:spPr/>
+        <p:txBody>
+          <a:bodyPr/>
+          <a:lstStyle>
+            <a:lvl1pPr>
+              <a:defRPr/>
+            </a:lvl1pPr>
+          </a:lstStyle>
+          <a:p>
+            <a:pPr>
+              <a:defRPr/>
+            </a:pPr>
+            <a:fld id="{F47A8C29-492B-49D4-8B1F-196000AF6D93}" type="datetimeFigureOut">
+              <a:rPr lang="fr-FR"/>
+              <a:pPr>
+                <a:defRPr/>
+              </a:pPr>
+              <a:t>03/07/2023</a:t>
+            </a:fld>
+            <a:endParaRPr lang="fr-FR"/>
+          </a:p>
+        </p:txBody>
+      </p:sp>
+      <p:sp>
+        <p:nvSpPr>
+          <p:cNvPr id="4" name="Espace réservé du pied de page 4">
+            <a:extLst>
+              <a:ext uri="{FF2B5EF4-FFF2-40B4-BE49-F238E27FC236}">
+                <a16:creationId xmlns:a16="http://schemas.microsoft.com/office/drawing/2014/main" id="{62969427-0656-49AD-9A3A-F7692234D75B}"/>
+              </a:ext>
+            </a:extLst>
+          </p:cNvPr>
+          <p:cNvSpPr>
+            <a:spLocks noGrp="1"/>
+          </p:cNvSpPr>
+          <p:nvPr>
+            <p:ph type="ftr" sz="quarter" idx="11"/>
+          </p:nvPr>
+        </p:nvSpPr>
+        <p:spPr/>
+        <p:txBody>
+          <a:bodyPr/>
+          <a:lstStyle>
+            <a:lvl1pPr>
+              <a:defRPr/>
+            </a:lvl1pPr>
+          </a:lstStyle>
+          <a:p>
+            <a:pPr>
+              <a:defRPr/>
+            </a:pPr>
+            <a:endParaRPr lang="en-US"/>
+          </a:p>
+        </p:txBody>
+      </p:sp>
+      <p:sp>
+        <p:nvSpPr>
+          <p:cNvPr id="5" name="Espace réservé du numéro de diapositive 5">
+            <a:extLst>
+              <a:ext uri="{FF2B5EF4-FFF2-40B4-BE49-F238E27FC236}">
+                <a16:creationId xmlns:a16="http://schemas.microsoft.com/office/drawing/2014/main" id="{7D0FE6D1-C860-4ADF-81EA-675D76DA5F3F}"/>
+              </a:ext>
+            </a:extLst>
+          </p:cNvPr>
+          <p:cNvSpPr>
+            <a:spLocks noGrp="1"/>
+          </p:cNvSpPr>
+          <p:nvPr>
+            <p:ph type="sldNum" sz="quarter" idx="12"/>
+          </p:nvPr>
+        </p:nvSpPr>
+        <p:spPr/>
+        <p:txBody>
+          <a:bodyPr/>
+          <a:lstStyle>
+            <a:lvl1pPr>
+              <a:defRPr/>
+            </a:lvl1pPr>
+          </a:lstStyle>
+          <a:p>
+            <a:fld id="{964C4C6E-FD5D-44FB-A169-9D6281D30406}" type="slidenum">
+              <a:rPr lang="fr-FR" altLang="en-US"/>
+              <a:pPr/>
+              <a:t>‹N°›</a:t>
+            </a:fld>
+            <a:endParaRPr lang="fr-FR" altLang="en-US"/>
+          </a:p>
+        </p:txBody>
+      </p:sp>
+    </p:spTree>
+    <p:extLst>
+      <p:ext uri="{BB962C8B-B14F-4D97-AF65-F5344CB8AC3E}">
+        <p14:creationId xmlns:p14="http://schemas.microsoft.com/office/powerpoint/2010/main" val="2030545540"/>
+      </p:ext>
+    </p:extLst>
+  </p:cSld>
+  <p:clrMapOvr>
+    <a:masterClrMapping/>
+  </p:clrMapOvr>
+</p:sldLayout>
+</file>
+
 <file path=ppt/slideMasters/slideMaster1.xml><?xml version="1.0" encoding="utf-8"?>
 <p:sldMaster xmlns:a="http://schemas.openxmlformats.org/drawingml/2006/main" xmlns:r="http://schemas.openxmlformats.org/officeDocument/2006/relationships" xmlns:p="http://schemas.openxmlformats.org/presentationml/2006/main">
   <p:cSld>
@@ -1176,7 +1980,7 @@
           <p:nvPr userDrawn="1"/>
         </p:nvPicPr>
         <p:blipFill>
-          <a:blip r:embed="rId5">
+          <a:blip r:embed="rId6">
             <a:extLst>
               <a:ext uri="{28A0092B-C50C-407E-A947-70E740481C1C}">
                 <a14:useLocalDpi xmlns:a14="http://schemas.microsoft.com/office/drawing/2010/main" val="0"/>
@@ -1328,6 +2132,7 @@
     <p:sldLayoutId id="2147483661" r:id="rId1"/>
     <p:sldLayoutId id="2147483660" r:id="rId2"/>
     <p:sldLayoutId id="2147483662" r:id="rId3"/>
+    <p:sldLayoutId id="2147483663" r:id="rId4"/>
   </p:sldLayoutIdLst>
   <p:txStyles>
     <p:titleStyle>
@@ -1340,7 +2145,7 @@
         </a:spcBef>
         <a:buFontTx/>
         <a:buBlip>
-          <a:blip r:embed="rId6"/>
+          <a:blip r:embed="rId7"/>
         </a:buBlip>
         <a:defRPr sz="4400" b="1" kern="1200" baseline="0">
           <a:solidFill>
@@ -1728,10 +2533,3123 @@
           </a:p>
         </p:txBody>
       </p:sp>
+      <p:pic>
+        <p:nvPicPr>
+          <p:cNvPr id="6" name="Picture 2">
+            <a:extLst>
+              <a:ext uri="{FF2B5EF4-FFF2-40B4-BE49-F238E27FC236}">
+                <a16:creationId xmlns:a16="http://schemas.microsoft.com/office/drawing/2014/main" id="{FB1D95E2-C40A-4424-91C8-52F95CF0ADAE}"/>
+              </a:ext>
+            </a:extLst>
+          </p:cNvPr>
+          <p:cNvPicPr>
+            <a:picLocks noChangeAspect="1" noChangeArrowheads="1"/>
+          </p:cNvPicPr>
+          <p:nvPr/>
+        </p:nvPicPr>
+        <p:blipFill rotWithShape="1">
+          <a:blip r:embed="rId2">
+            <a:extLst>
+              <a:ext uri="{BEBA8EAE-BF5A-486C-A8C5-ECC9F3942E4B}">
+                <a14:imgProps xmlns:a14="http://schemas.microsoft.com/office/drawing/2010/main">
+                  <a14:imgLayer r:embed="rId3">
+                    <a14:imgEffect>
+                      <a14:backgroundRemoval t="22283" b="75673" l="54554" r="90983"/>
+                    </a14:imgEffect>
+                  </a14:imgLayer>
+                </a14:imgProps>
+              </a:ext>
+              <a:ext uri="{28A0092B-C50C-407E-A947-70E740481C1C}">
+                <a14:useLocalDpi xmlns:a14="http://schemas.microsoft.com/office/drawing/2010/main" val="0"/>
+              </a:ext>
+            </a:extLst>
+          </a:blip>
+          <a:srcRect l="50000" t="15610" r="4463" b="17653"/>
+          <a:stretch/>
+        </p:blipFill>
+        <p:spPr bwMode="auto">
+          <a:xfrm>
+            <a:off x="4938382" y="1037974"/>
+            <a:ext cx="1295445" cy="884352"/>
+          </a:xfrm>
+          <a:prstGeom prst="rect">
+            <a:avLst/>
+          </a:prstGeom>
+          <a:noFill/>
+          <a:extLst>
+            <a:ext uri="{909E8E84-426E-40DD-AFC4-6F175D3DCCD1}">
+              <a14:hiddenFill xmlns:a14="http://schemas.microsoft.com/office/drawing/2010/main">
+                <a:solidFill>
+                  <a:srgbClr val="FFFFFF"/>
+                </a:solidFill>
+              </a14:hiddenFill>
+            </a:ext>
+          </a:extLst>
+        </p:spPr>
+      </p:pic>
+      <p:pic>
+        <p:nvPicPr>
+          <p:cNvPr id="7" name="Image 6">
+            <a:extLst>
+              <a:ext uri="{FF2B5EF4-FFF2-40B4-BE49-F238E27FC236}">
+                <a16:creationId xmlns:a16="http://schemas.microsoft.com/office/drawing/2014/main" id="{F1877E92-8C8A-4908-99E3-BA14FE9D3A51}"/>
+              </a:ext>
+            </a:extLst>
+          </p:cNvPr>
+          <p:cNvPicPr>
+            <a:picLocks noChangeAspect="1"/>
+          </p:cNvPicPr>
+          <p:nvPr/>
+        </p:nvPicPr>
+        <p:blipFill>
+          <a:blip r:embed="rId4"/>
+          <a:stretch>
+            <a:fillRect/>
+          </a:stretch>
+        </p:blipFill>
+        <p:spPr>
+          <a:xfrm>
+            <a:off x="6383826" y="1073027"/>
+            <a:ext cx="1642424" cy="574848"/>
+          </a:xfrm>
+          <a:prstGeom prst="rect">
+            <a:avLst/>
+          </a:prstGeom>
+        </p:spPr>
+      </p:pic>
     </p:spTree>
     <p:extLst>
       <p:ext uri="{BB962C8B-B14F-4D97-AF65-F5344CB8AC3E}">
         <p14:creationId xmlns:p14="http://schemas.microsoft.com/office/powerpoint/2010/main" val="1056445254"/>
+      </p:ext>
+    </p:extLst>
+  </p:cSld>
+  <p:clrMapOvr>
+    <a:masterClrMapping/>
+  </p:clrMapOvr>
+</p:sld>
+</file>
+
+<file path=ppt/slides/slide10.xml><?xml version="1.0" encoding="utf-8"?>
+<p:sld xmlns:a="http://schemas.openxmlformats.org/drawingml/2006/main" xmlns:r="http://schemas.openxmlformats.org/officeDocument/2006/relationships" xmlns:p="http://schemas.openxmlformats.org/presentationml/2006/main">
+  <p:cSld>
+    <p:spTree>
+      <p:nvGrpSpPr>
+        <p:cNvPr id="1" name=""/>
+        <p:cNvGrpSpPr/>
+        <p:nvPr/>
+      </p:nvGrpSpPr>
+      <p:grpSpPr>
+        <a:xfrm>
+          <a:off x="0" y="0"/>
+          <a:ext cx="0" cy="0"/>
+          <a:chOff x="0" y="0"/>
+          <a:chExt cx="0" cy="0"/>
+        </a:xfrm>
+      </p:grpSpPr>
+      <p:sp>
+        <p:nvSpPr>
+          <p:cNvPr id="2" name="Titre 1">
+            <a:extLst>
+              <a:ext uri="{FF2B5EF4-FFF2-40B4-BE49-F238E27FC236}">
+                <a16:creationId xmlns:a16="http://schemas.microsoft.com/office/drawing/2014/main" id="{6E8B27F1-2098-465F-B83F-3123A3370907}"/>
+              </a:ext>
+            </a:extLst>
+          </p:cNvPr>
+          <p:cNvSpPr>
+            <a:spLocks noGrp="1"/>
+          </p:cNvSpPr>
+          <p:nvPr>
+            <p:ph type="title"/>
+          </p:nvPr>
+        </p:nvSpPr>
+        <p:spPr/>
+        <p:txBody>
+          <a:bodyPr/>
+          <a:lstStyle/>
+          <a:p>
+            <a:r>
+              <a:rPr lang="en-US" dirty="0"/>
+              <a:t>Issues with gradient-based techniques</a:t>
+            </a:r>
+          </a:p>
+        </p:txBody>
+      </p:sp>
+      <p:sp>
+        <p:nvSpPr>
+          <p:cNvPr id="3" name="Espace réservé du texte 2">
+            <a:extLst>
+              <a:ext uri="{FF2B5EF4-FFF2-40B4-BE49-F238E27FC236}">
+                <a16:creationId xmlns:a16="http://schemas.microsoft.com/office/drawing/2014/main" id="{AE148438-185B-435D-9D83-E60BEDDB88B4}"/>
+              </a:ext>
+            </a:extLst>
+          </p:cNvPr>
+          <p:cNvSpPr>
+            <a:spLocks noGrp="1"/>
+          </p:cNvSpPr>
+          <p:nvPr>
+            <p:ph type="body" sz="quarter" idx="10"/>
+          </p:nvPr>
+        </p:nvSpPr>
+        <p:spPr/>
+        <p:txBody>
+          <a:bodyPr/>
+          <a:lstStyle/>
+          <a:p>
+            <a:r>
+              <a:rPr lang="en-US" dirty="0"/>
+              <a:t>Starting point of exploration matters</a:t>
+            </a:r>
+          </a:p>
+        </p:txBody>
+      </p:sp>
+      <p:pic>
+        <p:nvPicPr>
+          <p:cNvPr id="1026" name="Picture 2" descr="What is Stochastic Gradient Descent- A Super Easy Complete Guide!">
+            <a:extLst>
+              <a:ext uri="{FF2B5EF4-FFF2-40B4-BE49-F238E27FC236}">
+                <a16:creationId xmlns:a16="http://schemas.microsoft.com/office/drawing/2014/main" id="{4BE96C7B-E561-44A3-9382-D23337EE7A27}"/>
+              </a:ext>
+            </a:extLst>
+          </p:cNvPr>
+          <p:cNvPicPr>
+            <a:picLocks noChangeAspect="1" noChangeArrowheads="1"/>
+          </p:cNvPicPr>
+          <p:nvPr/>
+        </p:nvPicPr>
+        <p:blipFill rotWithShape="1">
+          <a:blip r:embed="rId2">
+            <a:extLst>
+              <a:ext uri="{28A0092B-C50C-407E-A947-70E740481C1C}">
+                <a14:useLocalDpi xmlns:a14="http://schemas.microsoft.com/office/drawing/2010/main" val="0"/>
+              </a:ext>
+            </a:extLst>
+          </a:blip>
+          <a:srcRect l="14719" b="27595"/>
+          <a:stretch/>
+        </p:blipFill>
+        <p:spPr bwMode="auto">
+          <a:xfrm>
+            <a:off x="3171727" y="2111015"/>
+            <a:ext cx="5848546" cy="3724177"/>
+          </a:xfrm>
+          <a:prstGeom prst="rect">
+            <a:avLst/>
+          </a:prstGeom>
+          <a:noFill/>
+          <a:extLst>
+            <a:ext uri="{909E8E84-426E-40DD-AFC4-6F175D3DCCD1}">
+              <a14:hiddenFill xmlns:a14="http://schemas.microsoft.com/office/drawing/2010/main">
+                <a:solidFill>
+                  <a:srgbClr val="FFFFFF"/>
+                </a:solidFill>
+              </a14:hiddenFill>
+            </a:ext>
+          </a:extLst>
+        </p:spPr>
+      </p:pic>
+    </p:spTree>
+    <p:extLst>
+      <p:ext uri="{BB962C8B-B14F-4D97-AF65-F5344CB8AC3E}">
+        <p14:creationId xmlns:p14="http://schemas.microsoft.com/office/powerpoint/2010/main" val="4085759856"/>
+      </p:ext>
+    </p:extLst>
+  </p:cSld>
+  <p:clrMapOvr>
+    <a:masterClrMapping/>
+  </p:clrMapOvr>
+</p:sld>
+</file>
+
+<file path=ppt/slides/slide11.xml><?xml version="1.0" encoding="utf-8"?>
+<p:sld xmlns:a="http://schemas.openxmlformats.org/drawingml/2006/main" xmlns:r="http://schemas.openxmlformats.org/officeDocument/2006/relationships" xmlns:p="http://schemas.openxmlformats.org/presentationml/2006/main">
+  <p:cSld>
+    <p:spTree>
+      <p:nvGrpSpPr>
+        <p:cNvPr id="1" name=""/>
+        <p:cNvGrpSpPr/>
+        <p:nvPr/>
+      </p:nvGrpSpPr>
+      <p:grpSpPr>
+        <a:xfrm>
+          <a:off x="0" y="0"/>
+          <a:ext cx="0" cy="0"/>
+          <a:chOff x="0" y="0"/>
+          <a:chExt cx="0" cy="0"/>
+        </a:xfrm>
+      </p:grpSpPr>
+      <p:sp>
+        <p:nvSpPr>
+          <p:cNvPr id="2" name="Titre 1">
+            <a:extLst>
+              <a:ext uri="{FF2B5EF4-FFF2-40B4-BE49-F238E27FC236}">
+                <a16:creationId xmlns:a16="http://schemas.microsoft.com/office/drawing/2014/main" id="{6E8B27F1-2098-465F-B83F-3123A3370907}"/>
+              </a:ext>
+            </a:extLst>
+          </p:cNvPr>
+          <p:cNvSpPr>
+            <a:spLocks noGrp="1"/>
+          </p:cNvSpPr>
+          <p:nvPr>
+            <p:ph type="title"/>
+          </p:nvPr>
+        </p:nvSpPr>
+        <p:spPr/>
+        <p:txBody>
+          <a:bodyPr/>
+          <a:lstStyle/>
+          <a:p>
+            <a:r>
+              <a:rPr lang="en-US" dirty="0"/>
+              <a:t>Issues with gradient-based techniques</a:t>
+            </a:r>
+          </a:p>
+        </p:txBody>
+      </p:sp>
+      <p:sp>
+        <p:nvSpPr>
+          <p:cNvPr id="3" name="Espace réservé du texte 2">
+            <a:extLst>
+              <a:ext uri="{FF2B5EF4-FFF2-40B4-BE49-F238E27FC236}">
+                <a16:creationId xmlns:a16="http://schemas.microsoft.com/office/drawing/2014/main" id="{AE148438-185B-435D-9D83-E60BEDDB88B4}"/>
+              </a:ext>
+            </a:extLst>
+          </p:cNvPr>
+          <p:cNvSpPr>
+            <a:spLocks noGrp="1"/>
+          </p:cNvSpPr>
+          <p:nvPr>
+            <p:ph type="body" sz="quarter" idx="10"/>
+          </p:nvPr>
+        </p:nvSpPr>
+        <p:spPr/>
+        <p:txBody>
+          <a:bodyPr/>
+          <a:lstStyle/>
+          <a:p>
+            <a:r>
+              <a:rPr lang="en-US" dirty="0"/>
+              <a:t>Step size? Too small / too large lead to convergence issues</a:t>
+            </a:r>
+          </a:p>
+        </p:txBody>
+      </p:sp>
+      <p:pic>
+        <p:nvPicPr>
+          <p:cNvPr id="5" name="Image 4">
+            <a:extLst>
+              <a:ext uri="{FF2B5EF4-FFF2-40B4-BE49-F238E27FC236}">
+                <a16:creationId xmlns:a16="http://schemas.microsoft.com/office/drawing/2014/main" id="{CC40AC21-2824-490D-BCD3-C3E6E4C77A0B}"/>
+              </a:ext>
+            </a:extLst>
+          </p:cNvPr>
+          <p:cNvPicPr>
+            <a:picLocks noChangeAspect="1"/>
+          </p:cNvPicPr>
+          <p:nvPr/>
+        </p:nvPicPr>
+        <p:blipFill>
+          <a:blip r:embed="rId2"/>
+          <a:stretch>
+            <a:fillRect/>
+          </a:stretch>
+        </p:blipFill>
+        <p:spPr>
+          <a:xfrm>
+            <a:off x="1499546" y="2207326"/>
+            <a:ext cx="9192908" cy="3781953"/>
+          </a:xfrm>
+          <a:prstGeom prst="rect">
+            <a:avLst/>
+          </a:prstGeom>
+        </p:spPr>
+      </p:pic>
+    </p:spTree>
+    <p:extLst>
+      <p:ext uri="{BB962C8B-B14F-4D97-AF65-F5344CB8AC3E}">
+        <p14:creationId xmlns:p14="http://schemas.microsoft.com/office/powerpoint/2010/main" val="1068489037"/>
+      </p:ext>
+    </p:extLst>
+  </p:cSld>
+  <p:clrMapOvr>
+    <a:masterClrMapping/>
+  </p:clrMapOvr>
+</p:sld>
+</file>
+
+<file path=ppt/slides/slide12.xml><?xml version="1.0" encoding="utf-8"?>
+<p:sld xmlns:a="http://schemas.openxmlformats.org/drawingml/2006/main" xmlns:r="http://schemas.openxmlformats.org/officeDocument/2006/relationships" xmlns:p="http://schemas.openxmlformats.org/presentationml/2006/main">
+  <p:cSld>
+    <p:spTree>
+      <p:nvGrpSpPr>
+        <p:cNvPr id="1" name=""/>
+        <p:cNvGrpSpPr/>
+        <p:nvPr/>
+      </p:nvGrpSpPr>
+      <p:grpSpPr>
+        <a:xfrm>
+          <a:off x="0" y="0"/>
+          <a:ext cx="0" cy="0"/>
+          <a:chOff x="0" y="0"/>
+          <a:chExt cx="0" cy="0"/>
+        </a:xfrm>
+      </p:grpSpPr>
+      <p:sp>
+        <p:nvSpPr>
+          <p:cNvPr id="2" name="Titre 1">
+            <a:extLst>
+              <a:ext uri="{FF2B5EF4-FFF2-40B4-BE49-F238E27FC236}">
+                <a16:creationId xmlns:a16="http://schemas.microsoft.com/office/drawing/2014/main" id="{D6E020DA-12C2-4385-968D-3AE3FDAA1182}"/>
+              </a:ext>
+            </a:extLst>
+          </p:cNvPr>
+          <p:cNvSpPr>
+            <a:spLocks noGrp="1"/>
+          </p:cNvSpPr>
+          <p:nvPr>
+            <p:ph type="title"/>
+          </p:nvPr>
+        </p:nvSpPr>
+        <p:spPr/>
+        <p:txBody>
+          <a:bodyPr>
+            <a:normAutofit fontScale="90000"/>
+          </a:bodyPr>
+          <a:lstStyle/>
+          <a:p>
+            <a:r>
+              <a:rPr lang="en-US" dirty="0"/>
+              <a:t>Gradient-based techniques for neural networks</a:t>
+            </a:r>
+          </a:p>
+        </p:txBody>
+      </p:sp>
+      <p:sp>
+        <p:nvSpPr>
+          <p:cNvPr id="3" name="Espace réservé du texte 2">
+            <a:extLst>
+              <a:ext uri="{FF2B5EF4-FFF2-40B4-BE49-F238E27FC236}">
+                <a16:creationId xmlns:a16="http://schemas.microsoft.com/office/drawing/2014/main" id="{FA746CE6-1764-4622-A935-EC70E59B466F}"/>
+              </a:ext>
+            </a:extLst>
+          </p:cNvPr>
+          <p:cNvSpPr>
+            <a:spLocks noGrp="1"/>
+          </p:cNvSpPr>
+          <p:nvPr>
+            <p:ph type="body" sz="quarter" idx="10"/>
+          </p:nvPr>
+        </p:nvSpPr>
+        <p:spPr/>
+        <p:txBody>
+          <a:bodyPr/>
+          <a:lstStyle/>
+          <a:p>
+            <a:r>
+              <a:rPr lang="en-US" dirty="0"/>
+              <a:t>Why are gradient-based techniques so successful?</a:t>
+            </a:r>
+          </a:p>
+          <a:p>
+            <a:r>
+              <a:rPr lang="en-US" dirty="0"/>
+              <a:t>Actually, </a:t>
+            </a:r>
+            <a:r>
+              <a:rPr lang="en-US" i="1" dirty="0"/>
+              <a:t>stochastic gradient descent</a:t>
+            </a:r>
+            <a:r>
+              <a:rPr lang="en-US" dirty="0"/>
+              <a:t> (SGD) &amp; descendants</a:t>
+            </a:r>
+          </a:p>
+          <a:p>
+            <a:r>
+              <a:rPr lang="en-US" dirty="0"/>
+              <a:t>Techniques made popular by (deep) neural networks</a:t>
+            </a:r>
+          </a:p>
+          <a:p>
+            <a:r>
+              <a:rPr lang="en-US" dirty="0"/>
+              <a:t>Can escape local optima!</a:t>
+            </a:r>
+          </a:p>
+          <a:p>
+            <a:r>
+              <a:rPr lang="en-US" dirty="0"/>
+              <a:t>Self-adapting step</a:t>
+            </a:r>
+          </a:p>
+          <a:p>
+            <a:endParaRPr lang="en-US" dirty="0"/>
+          </a:p>
+          <a:p>
+            <a:r>
+              <a:rPr lang="en-US" dirty="0"/>
+              <a:t>State-of-the-art for NNs, not very used elsewhere</a:t>
+            </a:r>
+          </a:p>
+          <a:p>
+            <a:r>
+              <a:rPr lang="en-US" dirty="0"/>
+              <a:t>Will go into more detail in machine learning part</a:t>
+            </a:r>
+          </a:p>
+        </p:txBody>
+      </p:sp>
+    </p:spTree>
+    <p:extLst>
+      <p:ext uri="{BB962C8B-B14F-4D97-AF65-F5344CB8AC3E}">
+        <p14:creationId xmlns:p14="http://schemas.microsoft.com/office/powerpoint/2010/main" val="112914270"/>
+      </p:ext>
+    </p:extLst>
+  </p:cSld>
+  <p:clrMapOvr>
+    <a:masterClrMapping/>
+  </p:clrMapOvr>
+</p:sld>
+</file>
+
+<file path=ppt/slides/slide13.xml><?xml version="1.0" encoding="utf-8"?>
+<p:sld xmlns:a="http://schemas.openxmlformats.org/drawingml/2006/main" xmlns:r="http://schemas.openxmlformats.org/officeDocument/2006/relationships" xmlns:p="http://schemas.openxmlformats.org/presentationml/2006/main">
+  <p:cSld>
+    <p:spTree>
+      <p:nvGrpSpPr>
+        <p:cNvPr id="1" name=""/>
+        <p:cNvGrpSpPr/>
+        <p:nvPr/>
+      </p:nvGrpSpPr>
+      <p:grpSpPr>
+        <a:xfrm>
+          <a:off x="0" y="0"/>
+          <a:ext cx="0" cy="0"/>
+          <a:chOff x="0" y="0"/>
+          <a:chExt cx="0" cy="0"/>
+        </a:xfrm>
+      </p:grpSpPr>
+      <p:sp>
+        <p:nvSpPr>
+          <p:cNvPr id="2" name="Titre 1">
+            <a:extLst>
+              <a:ext uri="{FF2B5EF4-FFF2-40B4-BE49-F238E27FC236}">
+                <a16:creationId xmlns:a16="http://schemas.microsoft.com/office/drawing/2014/main" id="{F2B8D46E-34D9-48AF-BCA6-C5ABD7312876}"/>
+              </a:ext>
+            </a:extLst>
+          </p:cNvPr>
+          <p:cNvSpPr>
+            <a:spLocks noGrp="1"/>
+          </p:cNvSpPr>
+          <p:nvPr>
+            <p:ph type="title"/>
+          </p:nvPr>
+        </p:nvSpPr>
+        <p:spPr/>
+        <p:txBody>
+          <a:bodyPr/>
+          <a:lstStyle/>
+          <a:p>
+            <a:r>
+              <a:rPr lang="en-US" dirty="0"/>
+              <a:t>Stochastic techniques</a:t>
+            </a:r>
+          </a:p>
+        </p:txBody>
+      </p:sp>
+      <p:sp>
+        <p:nvSpPr>
+          <p:cNvPr id="3" name="Espace réservé du texte 2">
+            <a:extLst>
+              <a:ext uri="{FF2B5EF4-FFF2-40B4-BE49-F238E27FC236}">
+                <a16:creationId xmlns:a16="http://schemas.microsoft.com/office/drawing/2014/main" id="{421E8A6B-A098-4A8C-8252-8E50062BFC98}"/>
+              </a:ext>
+            </a:extLst>
+          </p:cNvPr>
+          <p:cNvSpPr>
+            <a:spLocks noGrp="1"/>
+          </p:cNvSpPr>
+          <p:nvPr>
+            <p:ph type="body" sz="quarter" idx="10"/>
+          </p:nvPr>
+        </p:nvSpPr>
+        <p:spPr/>
+        <p:txBody>
+          <a:bodyPr/>
+          <a:lstStyle/>
+          <a:p>
+            <a:r>
+              <a:rPr lang="en-US" dirty="0"/>
+              <a:t>Limitations of gradient-based techniques were evident</a:t>
+            </a:r>
+          </a:p>
+          <a:p>
+            <a:r>
+              <a:rPr lang="en-US" dirty="0"/>
+              <a:t>Practical problems had objective functions with local optima</a:t>
+            </a:r>
+          </a:p>
+          <a:p>
+            <a:r>
+              <a:rPr lang="en-US" dirty="0"/>
+              <a:t>You can randomly sample the search space…</a:t>
+            </a:r>
+          </a:p>
+          <a:p>
+            <a:r>
+              <a:rPr lang="en-US" dirty="0"/>
+              <a:t>…but exploiting feedback/function characteristics is better!</a:t>
+            </a:r>
+          </a:p>
+        </p:txBody>
+      </p:sp>
+    </p:spTree>
+    <p:extLst>
+      <p:ext uri="{BB962C8B-B14F-4D97-AF65-F5344CB8AC3E}">
+        <p14:creationId xmlns:p14="http://schemas.microsoft.com/office/powerpoint/2010/main" val="2253135495"/>
+      </p:ext>
+    </p:extLst>
+  </p:cSld>
+  <p:clrMapOvr>
+    <a:masterClrMapping/>
+  </p:clrMapOvr>
+</p:sld>
+</file>
+
+<file path=ppt/slides/slide14.xml><?xml version="1.0" encoding="utf-8"?>
+<p:sld xmlns:a="http://schemas.openxmlformats.org/drawingml/2006/main" xmlns:r="http://schemas.openxmlformats.org/officeDocument/2006/relationships" xmlns:p="http://schemas.openxmlformats.org/presentationml/2006/main">
+  <p:cSld>
+    <p:spTree>
+      <p:nvGrpSpPr>
+        <p:cNvPr id="1" name=""/>
+        <p:cNvGrpSpPr/>
+        <p:nvPr/>
+      </p:nvGrpSpPr>
+      <p:grpSpPr>
+        <a:xfrm>
+          <a:off x="0" y="0"/>
+          <a:ext cx="0" cy="0"/>
+          <a:chOff x="0" y="0"/>
+          <a:chExt cx="0" cy="0"/>
+        </a:xfrm>
+      </p:grpSpPr>
+      <p:sp>
+        <p:nvSpPr>
+          <p:cNvPr id="2" name="Titre 1">
+            <a:extLst>
+              <a:ext uri="{FF2B5EF4-FFF2-40B4-BE49-F238E27FC236}">
+                <a16:creationId xmlns:a16="http://schemas.microsoft.com/office/drawing/2014/main" id="{AC5234B3-DAB5-4D19-8B9D-369964EE2F61}"/>
+              </a:ext>
+            </a:extLst>
+          </p:cNvPr>
+          <p:cNvSpPr>
+            <a:spLocks noGrp="1"/>
+          </p:cNvSpPr>
+          <p:nvPr>
+            <p:ph type="title"/>
+          </p:nvPr>
+        </p:nvSpPr>
+        <p:spPr/>
+        <p:txBody>
+          <a:bodyPr/>
+          <a:lstStyle/>
+          <a:p>
+            <a:r>
+              <a:rPr lang="en-US" dirty="0"/>
+              <a:t>Brainstorming!</a:t>
+            </a:r>
+          </a:p>
+        </p:txBody>
+      </p:sp>
+      <p:sp>
+        <p:nvSpPr>
+          <p:cNvPr id="3" name="Espace réservé du texte 2">
+            <a:extLst>
+              <a:ext uri="{FF2B5EF4-FFF2-40B4-BE49-F238E27FC236}">
+                <a16:creationId xmlns:a16="http://schemas.microsoft.com/office/drawing/2014/main" id="{DDBC0AC3-EE77-449B-9604-B051101D398F}"/>
+              </a:ext>
+            </a:extLst>
+          </p:cNvPr>
+          <p:cNvSpPr>
+            <a:spLocks noGrp="1"/>
+          </p:cNvSpPr>
+          <p:nvPr>
+            <p:ph type="body" sz="quarter" idx="10"/>
+          </p:nvPr>
+        </p:nvSpPr>
+        <p:spPr/>
+        <p:txBody>
+          <a:bodyPr/>
+          <a:lstStyle/>
+          <a:p>
+            <a:r>
+              <a:rPr lang="en-US" dirty="0"/>
+              <a:t>How to use stochasticity to go beyond limitations of gradient-based techniques?</a:t>
+            </a:r>
+          </a:p>
+        </p:txBody>
+      </p:sp>
+    </p:spTree>
+    <p:extLst>
+      <p:ext uri="{BB962C8B-B14F-4D97-AF65-F5344CB8AC3E}">
+        <p14:creationId xmlns:p14="http://schemas.microsoft.com/office/powerpoint/2010/main" val="2440054789"/>
+      </p:ext>
+    </p:extLst>
+  </p:cSld>
+  <p:clrMapOvr>
+    <a:masterClrMapping/>
+  </p:clrMapOvr>
+</p:sld>
+</file>
+
+<file path=ppt/slides/slide15.xml><?xml version="1.0" encoding="utf-8"?>
+<p:sld xmlns:a="http://schemas.openxmlformats.org/drawingml/2006/main" xmlns:r="http://schemas.openxmlformats.org/officeDocument/2006/relationships" xmlns:p="http://schemas.openxmlformats.org/presentationml/2006/main">
+  <p:cSld>
+    <p:spTree>
+      <p:nvGrpSpPr>
+        <p:cNvPr id="1" name=""/>
+        <p:cNvGrpSpPr/>
+        <p:nvPr/>
+      </p:nvGrpSpPr>
+      <p:grpSpPr>
+        <a:xfrm>
+          <a:off x="0" y="0"/>
+          <a:ext cx="0" cy="0"/>
+          <a:chOff x="0" y="0"/>
+          <a:chExt cx="0" cy="0"/>
+        </a:xfrm>
+      </p:grpSpPr>
+      <p:sp>
+        <p:nvSpPr>
+          <p:cNvPr id="2" name="Titre 1">
+            <a:extLst>
+              <a:ext uri="{FF2B5EF4-FFF2-40B4-BE49-F238E27FC236}">
+                <a16:creationId xmlns:a16="http://schemas.microsoft.com/office/drawing/2014/main" id="{D086AF62-9CA5-49DC-9228-2C18F3356CBB}"/>
+              </a:ext>
+            </a:extLst>
+          </p:cNvPr>
+          <p:cNvSpPr>
+            <a:spLocks noGrp="1"/>
+          </p:cNvSpPr>
+          <p:nvPr>
+            <p:ph type="title"/>
+          </p:nvPr>
+        </p:nvSpPr>
+        <p:spPr/>
+        <p:txBody>
+          <a:bodyPr/>
+          <a:lstStyle/>
+          <a:p>
+            <a:r>
+              <a:rPr lang="en-US" dirty="0"/>
+              <a:t>Basin hopping</a:t>
+            </a:r>
+          </a:p>
+        </p:txBody>
+      </p:sp>
+      <p:sp>
+        <p:nvSpPr>
+          <p:cNvPr id="3" name="Espace réservé du texte 2">
+            <a:extLst>
+              <a:ext uri="{FF2B5EF4-FFF2-40B4-BE49-F238E27FC236}">
+                <a16:creationId xmlns:a16="http://schemas.microsoft.com/office/drawing/2014/main" id="{7CFB57B8-3A99-4DCA-A30E-7D24D1274F44}"/>
+              </a:ext>
+            </a:extLst>
+          </p:cNvPr>
+          <p:cNvSpPr>
+            <a:spLocks noGrp="1"/>
+          </p:cNvSpPr>
+          <p:nvPr>
+            <p:ph type="body" sz="quarter" idx="10"/>
+          </p:nvPr>
+        </p:nvSpPr>
+        <p:spPr/>
+        <p:txBody>
+          <a:bodyPr/>
+          <a:lstStyle/>
+          <a:p>
+            <a:r>
+              <a:rPr lang="en-US" dirty="0"/>
+              <a:t>Developed starting from a practical application</a:t>
+            </a:r>
+          </a:p>
+        </p:txBody>
+      </p:sp>
+    </p:spTree>
+    <p:extLst>
+      <p:ext uri="{BB962C8B-B14F-4D97-AF65-F5344CB8AC3E}">
+        <p14:creationId xmlns:p14="http://schemas.microsoft.com/office/powerpoint/2010/main" val="960509816"/>
+      </p:ext>
+    </p:extLst>
+  </p:cSld>
+  <p:clrMapOvr>
+    <a:masterClrMapping/>
+  </p:clrMapOvr>
+</p:sld>
+</file>
+
+<file path=ppt/slides/slide16.xml><?xml version="1.0" encoding="utf-8"?>
+<p:sld xmlns:a="http://schemas.openxmlformats.org/drawingml/2006/main" xmlns:r="http://schemas.openxmlformats.org/officeDocument/2006/relationships" xmlns:p="http://schemas.openxmlformats.org/presentationml/2006/main">
+  <p:cSld>
+    <p:spTree>
+      <p:nvGrpSpPr>
+        <p:cNvPr id="1" name=""/>
+        <p:cNvGrpSpPr/>
+        <p:nvPr/>
+      </p:nvGrpSpPr>
+      <p:grpSpPr>
+        <a:xfrm>
+          <a:off x="0" y="0"/>
+          <a:ext cx="0" cy="0"/>
+          <a:chOff x="0" y="0"/>
+          <a:chExt cx="0" cy="0"/>
+        </a:xfrm>
+      </p:grpSpPr>
+      <p:sp>
+        <p:nvSpPr>
+          <p:cNvPr id="13" name="Espace réservé du texte 2">
+            <a:extLst>
+              <a:ext uri="{FF2B5EF4-FFF2-40B4-BE49-F238E27FC236}">
+                <a16:creationId xmlns:a16="http://schemas.microsoft.com/office/drawing/2014/main" id="{067D40FF-DDC6-4866-B512-B8C61DDF0C0E}"/>
+              </a:ext>
+            </a:extLst>
+          </p:cNvPr>
+          <p:cNvSpPr txBox="1">
+            <a:spLocks/>
+          </p:cNvSpPr>
+          <p:nvPr/>
+        </p:nvSpPr>
+        <p:spPr>
+          <a:xfrm>
+            <a:off x="838200" y="1423358"/>
+            <a:ext cx="10515600" cy="4675817"/>
+          </a:xfrm>
+        </p:spPr>
+        <p:txBody>
+          <a:bodyPr/>
+          <a:lstStyle>
+            <a:defPPr>
+              <a:defRPr lang="fr-FR"/>
+            </a:defPPr>
+            <a:lvl1pPr marL="0" algn="l" defTabSz="914400" rtl="0" eaLnBrk="1" latinLnBrk="0" hangingPunct="1">
+              <a:defRPr sz="1800" kern="1200">
+                <a:solidFill>
+                  <a:schemeClr val="tx1"/>
+                </a:solidFill>
+                <a:latin typeface="+mn-lt"/>
+                <a:ea typeface="+mn-ea"/>
+                <a:cs typeface="+mn-cs"/>
+              </a:defRPr>
+            </a:lvl1pPr>
+            <a:lvl2pPr marL="457200" algn="l" defTabSz="914400" rtl="0" eaLnBrk="1" latinLnBrk="0" hangingPunct="1">
+              <a:defRPr sz="1800" kern="1200">
+                <a:solidFill>
+                  <a:schemeClr val="tx1"/>
+                </a:solidFill>
+                <a:latin typeface="+mn-lt"/>
+                <a:ea typeface="+mn-ea"/>
+                <a:cs typeface="+mn-cs"/>
+              </a:defRPr>
+            </a:lvl2pPr>
+            <a:lvl3pPr marL="914400" algn="l" defTabSz="914400" rtl="0" eaLnBrk="1" latinLnBrk="0" hangingPunct="1">
+              <a:defRPr sz="1800" kern="1200">
+                <a:solidFill>
+                  <a:schemeClr val="tx1"/>
+                </a:solidFill>
+                <a:latin typeface="+mn-lt"/>
+                <a:ea typeface="+mn-ea"/>
+                <a:cs typeface="+mn-cs"/>
+              </a:defRPr>
+            </a:lvl3pPr>
+            <a:lvl4pPr marL="1371600" algn="l" defTabSz="914400" rtl="0" eaLnBrk="1" latinLnBrk="0" hangingPunct="1">
+              <a:defRPr sz="1800" kern="1200">
+                <a:solidFill>
+                  <a:schemeClr val="tx1"/>
+                </a:solidFill>
+                <a:latin typeface="+mn-lt"/>
+                <a:ea typeface="+mn-ea"/>
+                <a:cs typeface="+mn-cs"/>
+              </a:defRPr>
+            </a:lvl4pPr>
+            <a:lvl5pPr marL="1828800" algn="l" defTabSz="914400" rtl="0" eaLnBrk="1" latinLnBrk="0" hangingPunct="1">
+              <a:defRPr sz="1800" kern="1200">
+                <a:solidFill>
+                  <a:schemeClr val="tx1"/>
+                </a:solidFill>
+                <a:latin typeface="+mn-lt"/>
+                <a:ea typeface="+mn-ea"/>
+                <a:cs typeface="+mn-cs"/>
+              </a:defRPr>
+            </a:lvl5pPr>
+            <a:lvl6pPr marL="2286000" algn="l" defTabSz="914400" rtl="0" eaLnBrk="1" latinLnBrk="0" hangingPunct="1">
+              <a:defRPr sz="1800" kern="1200">
+                <a:solidFill>
+                  <a:schemeClr val="tx1"/>
+                </a:solidFill>
+                <a:latin typeface="+mn-lt"/>
+                <a:ea typeface="+mn-ea"/>
+                <a:cs typeface="+mn-cs"/>
+              </a:defRPr>
+            </a:lvl6pPr>
+            <a:lvl7pPr marL="2743200" algn="l" defTabSz="914400" rtl="0" eaLnBrk="1" latinLnBrk="0" hangingPunct="1">
+              <a:defRPr sz="1800" kern="1200">
+                <a:solidFill>
+                  <a:schemeClr val="tx1"/>
+                </a:solidFill>
+                <a:latin typeface="+mn-lt"/>
+                <a:ea typeface="+mn-ea"/>
+                <a:cs typeface="+mn-cs"/>
+              </a:defRPr>
+            </a:lvl7pPr>
+            <a:lvl8pPr marL="3200400" algn="l" defTabSz="914400" rtl="0" eaLnBrk="1" latinLnBrk="0" hangingPunct="1">
+              <a:defRPr sz="1800" kern="1200">
+                <a:solidFill>
+                  <a:schemeClr val="tx1"/>
+                </a:solidFill>
+                <a:latin typeface="+mn-lt"/>
+                <a:ea typeface="+mn-ea"/>
+                <a:cs typeface="+mn-cs"/>
+              </a:defRPr>
+            </a:lvl8pPr>
+            <a:lvl9pPr marL="3657600" algn="l" defTabSz="914400" rtl="0" eaLnBrk="1" latinLnBrk="0" hangingPunct="1">
+              <a:defRPr sz="1800" kern="1200">
+                <a:solidFill>
+                  <a:schemeClr val="tx1"/>
+                </a:solidFill>
+                <a:latin typeface="+mn-lt"/>
+                <a:ea typeface="+mn-ea"/>
+                <a:cs typeface="+mn-cs"/>
+              </a:defRPr>
+            </a:lvl9pPr>
+          </a:lstStyle>
+          <a:p>
+            <a:pPr>
+              <a:spcBef>
+                <a:spcPct val="20000"/>
+              </a:spcBef>
+              <a:buFont typeface="Arial" panose="020B0604020202020204" pitchFamily="34" charset="0"/>
+              <a:buChar char="•"/>
+            </a:pPr>
+            <a:r>
+              <a:rPr lang="en-US" altLang="en-US" sz="3200" dirty="0"/>
+              <a:t>Stochastic optimization techniques</a:t>
+            </a:r>
+          </a:p>
+          <a:p>
+            <a:pPr lvl="1">
+              <a:spcBef>
+                <a:spcPct val="20000"/>
+              </a:spcBef>
+              <a:buFont typeface="Arial" panose="020B0604020202020204" pitchFamily="34" charset="0"/>
+              <a:buChar char="–"/>
+            </a:pPr>
+            <a:r>
+              <a:rPr lang="en-US" altLang="en-US" sz="2800" dirty="0"/>
+              <a:t>Sample search space, proceed with “natural selection” of candidate solutions</a:t>
+            </a:r>
+          </a:p>
+          <a:p>
+            <a:pPr lvl="1">
+              <a:spcBef>
+                <a:spcPct val="20000"/>
+              </a:spcBef>
+              <a:buFont typeface="Arial" panose="020B0604020202020204" pitchFamily="34" charset="0"/>
+              <a:buChar char="–"/>
+            </a:pPr>
+            <a:r>
+              <a:rPr lang="en-US" altLang="en-US" sz="2800" dirty="0"/>
+              <a:t>“Memory” of search space with current </a:t>
+            </a:r>
+            <a:br>
+              <a:rPr lang="en-US" altLang="en-US" sz="2800" dirty="0"/>
+            </a:br>
+            <a:r>
+              <a:rPr lang="en-US" altLang="en-US" sz="2800" dirty="0"/>
+              <a:t>set of candidate solutions</a:t>
+            </a:r>
+          </a:p>
+          <a:p>
+            <a:pPr lvl="1">
+              <a:spcBef>
+                <a:spcPct val="20000"/>
+              </a:spcBef>
+              <a:buFont typeface="Arial" panose="020B0604020202020204" pitchFamily="34" charset="0"/>
+              <a:buChar char="–"/>
+            </a:pPr>
+            <a:r>
+              <a:rPr lang="en-US" altLang="en-US" sz="2800" dirty="0"/>
+              <a:t>Best solutions “reproduce” more often</a:t>
+            </a:r>
+          </a:p>
+          <a:p>
+            <a:pPr lvl="1">
+              <a:spcBef>
+                <a:spcPct val="20000"/>
+              </a:spcBef>
+              <a:buFont typeface="Arial" panose="020B0604020202020204" pitchFamily="34" charset="0"/>
+              <a:buChar char="–"/>
+            </a:pPr>
+            <a:r>
+              <a:rPr lang="en-US" altLang="en-US" sz="2800" dirty="0"/>
+              <a:t>New solutions are a slightly altered version of parents</a:t>
+            </a:r>
+          </a:p>
+          <a:p>
+            <a:pPr lvl="1">
+              <a:spcBef>
+                <a:spcPct val="20000"/>
+              </a:spcBef>
+              <a:buFont typeface="Arial" panose="020B0604020202020204" pitchFamily="34" charset="0"/>
+              <a:buChar char="–"/>
+            </a:pPr>
+            <a:r>
+              <a:rPr lang="en-US" altLang="en-US" sz="2800" dirty="0"/>
+              <a:t>Evaluate solution performance</a:t>
+            </a:r>
+          </a:p>
+          <a:p>
+            <a:endParaRPr lang="en-US" dirty="0"/>
+          </a:p>
+        </p:txBody>
+      </p:sp>
+      <p:sp>
+        <p:nvSpPr>
+          <p:cNvPr id="7170" name="Title 1">
+            <a:extLst>
+              <a:ext uri="{FF2B5EF4-FFF2-40B4-BE49-F238E27FC236}">
+                <a16:creationId xmlns:a16="http://schemas.microsoft.com/office/drawing/2014/main" id="{19619189-08EE-4543-975B-5CD6FC9B9B4E}"/>
+              </a:ext>
+            </a:extLst>
+          </p:cNvPr>
+          <p:cNvSpPr>
+            <a:spLocks noGrp="1"/>
+          </p:cNvSpPr>
+          <p:nvPr>
+            <p:ph type="title"/>
+          </p:nvPr>
+        </p:nvSpPr>
+        <p:spPr/>
+        <p:txBody>
+          <a:bodyPr/>
+          <a:lstStyle/>
+          <a:p>
+            <a:r>
+              <a:rPr lang="en-US" altLang="en-US" b="1" dirty="0"/>
+              <a:t>Evolutionary algorithms</a:t>
+            </a:r>
+          </a:p>
+        </p:txBody>
+      </p:sp>
+      <p:sp>
+        <p:nvSpPr>
+          <p:cNvPr id="2" name="Rectangle 1">
+            <a:extLst>
+              <a:ext uri="{FF2B5EF4-FFF2-40B4-BE49-F238E27FC236}">
+                <a16:creationId xmlns:a16="http://schemas.microsoft.com/office/drawing/2014/main" id="{9E7051B0-6CA0-42A9-8923-542A65C047D9}"/>
+              </a:ext>
+            </a:extLst>
+          </p:cNvPr>
+          <p:cNvSpPr/>
+          <p:nvPr/>
+        </p:nvSpPr>
+        <p:spPr>
+          <a:xfrm>
+            <a:off x="1281343" y="2467066"/>
+            <a:ext cx="3095625" cy="431800"/>
+          </a:xfrm>
+          <a:prstGeom prst="rect">
+            <a:avLst/>
+          </a:prstGeom>
+          <a:noFill/>
+          <a:ln w="76200"/>
+        </p:spPr>
+        <p:style>
+          <a:lnRef idx="2">
+            <a:schemeClr val="accent1"/>
+          </a:lnRef>
+          <a:fillRef idx="1">
+            <a:schemeClr val="lt1"/>
+          </a:fillRef>
+          <a:effectRef idx="0">
+            <a:schemeClr val="accent1"/>
+          </a:effectRef>
+          <a:fontRef idx="minor">
+            <a:schemeClr val="dk1"/>
+          </a:fontRef>
+        </p:style>
+        <p:txBody>
+          <a:bodyPr anchor="ctr"/>
+          <a:lstStyle/>
+          <a:p>
+            <a:pPr algn="ctr">
+              <a:defRPr/>
+            </a:pPr>
+            <a:endParaRPr lang="en-US">
+              <a:solidFill>
+                <a:srgbClr val="000000"/>
+              </a:solidFill>
+            </a:endParaRPr>
+          </a:p>
+        </p:txBody>
+      </p:sp>
+      <p:sp>
+        <p:nvSpPr>
+          <p:cNvPr id="6" name="Rectangle 5">
+            <a:extLst>
+              <a:ext uri="{FF2B5EF4-FFF2-40B4-BE49-F238E27FC236}">
+                <a16:creationId xmlns:a16="http://schemas.microsoft.com/office/drawing/2014/main" id="{0CE5A421-B7A6-442C-8BED-889F3C7FF022}"/>
+              </a:ext>
+            </a:extLst>
+          </p:cNvPr>
+          <p:cNvSpPr/>
+          <p:nvPr/>
+        </p:nvSpPr>
+        <p:spPr>
+          <a:xfrm>
+            <a:off x="1249920" y="3411629"/>
+            <a:ext cx="3960813" cy="431800"/>
+          </a:xfrm>
+          <a:prstGeom prst="rect">
+            <a:avLst/>
+          </a:prstGeom>
+          <a:noFill/>
+          <a:ln w="76200">
+            <a:solidFill>
+              <a:schemeClr val="accent2"/>
+            </a:solidFill>
+          </a:ln>
+        </p:spPr>
+        <p:style>
+          <a:lnRef idx="2">
+            <a:schemeClr val="accent1"/>
+          </a:lnRef>
+          <a:fillRef idx="1">
+            <a:schemeClr val="lt1"/>
+          </a:fillRef>
+          <a:effectRef idx="0">
+            <a:schemeClr val="accent1"/>
+          </a:effectRef>
+          <a:fontRef idx="minor">
+            <a:schemeClr val="dk1"/>
+          </a:fontRef>
+        </p:style>
+        <p:txBody>
+          <a:bodyPr anchor="ctr"/>
+          <a:lstStyle/>
+          <a:p>
+            <a:pPr algn="ctr">
+              <a:defRPr/>
+            </a:pPr>
+            <a:endParaRPr lang="en-US">
+              <a:solidFill>
+                <a:srgbClr val="000000"/>
+              </a:solidFill>
+            </a:endParaRPr>
+          </a:p>
+        </p:txBody>
+      </p:sp>
+      <p:sp>
+        <p:nvSpPr>
+          <p:cNvPr id="7" name="Rectangle 6">
+            <a:extLst>
+              <a:ext uri="{FF2B5EF4-FFF2-40B4-BE49-F238E27FC236}">
+                <a16:creationId xmlns:a16="http://schemas.microsoft.com/office/drawing/2014/main" id="{B112D3FD-C94B-4B6A-BE9D-C007C263B22B}"/>
+              </a:ext>
+            </a:extLst>
+          </p:cNvPr>
+          <p:cNvSpPr/>
+          <p:nvPr/>
+        </p:nvSpPr>
+        <p:spPr>
+          <a:xfrm>
+            <a:off x="1580235" y="4445811"/>
+            <a:ext cx="2096219" cy="431800"/>
+          </a:xfrm>
+          <a:prstGeom prst="rect">
+            <a:avLst/>
+          </a:prstGeom>
+          <a:noFill/>
+          <a:ln w="76200">
+            <a:solidFill>
+              <a:schemeClr val="accent6"/>
+            </a:solidFill>
+          </a:ln>
+        </p:spPr>
+        <p:style>
+          <a:lnRef idx="2">
+            <a:schemeClr val="accent1"/>
+          </a:lnRef>
+          <a:fillRef idx="1">
+            <a:schemeClr val="lt1"/>
+          </a:fillRef>
+          <a:effectRef idx="0">
+            <a:schemeClr val="accent1"/>
+          </a:effectRef>
+          <a:fontRef idx="minor">
+            <a:schemeClr val="dk1"/>
+          </a:fontRef>
+        </p:style>
+        <p:txBody>
+          <a:bodyPr anchor="ctr"/>
+          <a:lstStyle/>
+          <a:p>
+            <a:pPr algn="ctr">
+              <a:defRPr/>
+            </a:pPr>
+            <a:endParaRPr lang="en-US">
+              <a:solidFill>
+                <a:srgbClr val="000000"/>
+              </a:solidFill>
+            </a:endParaRPr>
+          </a:p>
+        </p:txBody>
+      </p:sp>
+      <p:sp>
+        <p:nvSpPr>
+          <p:cNvPr id="3" name="TextBox 2">
+            <a:extLst>
+              <a:ext uri="{FF2B5EF4-FFF2-40B4-BE49-F238E27FC236}">
+                <a16:creationId xmlns:a16="http://schemas.microsoft.com/office/drawing/2014/main" id="{8EE42D4D-B8EB-4DCD-966B-BD4B28D62E63}"/>
+              </a:ext>
+            </a:extLst>
+          </p:cNvPr>
+          <p:cNvSpPr txBox="1">
+            <a:spLocks noChangeArrowheads="1"/>
+          </p:cNvSpPr>
+          <p:nvPr/>
+        </p:nvSpPr>
+        <p:spPr bwMode="auto">
+          <a:xfrm>
+            <a:off x="4376967" y="2390866"/>
+            <a:ext cx="2171700" cy="584200"/>
+          </a:xfrm>
+          <a:prstGeom prst="rect">
+            <a:avLst/>
+          </a:prstGeom>
+          <a:noFill/>
+          <a:ln>
+            <a:noFill/>
+          </a:ln>
+          <a:extLst>
+            <a:ext uri="{909E8E84-426E-40DD-AFC4-6F175D3DCCD1}">
+              <a14:hiddenFill xmlns:a14="http://schemas.microsoft.com/office/drawing/2010/main">
+                <a:solidFill>
+                  <a:srgbClr val="FFFFFF"/>
+                </a:solidFill>
+              </a14:hiddenFill>
+            </a:ext>
+            <a:ext uri="{91240B29-F687-4F45-9708-019B960494DF}">
+              <a14:hiddenLine xmlns:a14="http://schemas.microsoft.com/office/drawing/2010/main" w="9525">
+                <a:solidFill>
+                  <a:srgbClr val="000000"/>
+                </a:solidFill>
+                <a:miter lim="800000"/>
+                <a:headEnd/>
+                <a:tailEnd/>
+              </a14:hiddenLine>
+            </a:ext>
+          </a:extLst>
+        </p:spPr>
+        <p:txBody>
+          <a:bodyPr>
+            <a:spAutoFit/>
+          </a:bodyPr>
+          <a:lstStyle>
+            <a:lvl1pPr eaLnBrk="0" hangingPunct="0">
+              <a:defRPr>
+                <a:solidFill>
+                  <a:schemeClr val="tx1"/>
+                </a:solidFill>
+                <a:latin typeface="Calibri" panose="020F0502020204030204" pitchFamily="34" charset="0"/>
+              </a:defRPr>
+            </a:lvl1pPr>
+            <a:lvl2pPr marL="742950" indent="-285750" eaLnBrk="0" hangingPunct="0">
+              <a:defRPr>
+                <a:solidFill>
+                  <a:schemeClr val="tx1"/>
+                </a:solidFill>
+                <a:latin typeface="Calibri" panose="020F0502020204030204" pitchFamily="34" charset="0"/>
+              </a:defRPr>
+            </a:lvl2pPr>
+            <a:lvl3pPr marL="1143000" indent="-228600" eaLnBrk="0" hangingPunct="0">
+              <a:defRPr>
+                <a:solidFill>
+                  <a:schemeClr val="tx1"/>
+                </a:solidFill>
+                <a:latin typeface="Calibri" panose="020F0502020204030204" pitchFamily="34" charset="0"/>
+              </a:defRPr>
+            </a:lvl3pPr>
+            <a:lvl4pPr marL="1600200" indent="-228600" eaLnBrk="0" hangingPunct="0">
+              <a:defRPr>
+                <a:solidFill>
+                  <a:schemeClr val="tx1"/>
+                </a:solidFill>
+                <a:latin typeface="Calibri" panose="020F0502020204030204" pitchFamily="34" charset="0"/>
+              </a:defRPr>
+            </a:lvl4pPr>
+            <a:lvl5pPr marL="2057400" indent="-228600" eaLnBrk="0" hangingPunct="0">
+              <a:defRPr>
+                <a:solidFill>
+                  <a:schemeClr val="tx1"/>
+                </a:solidFill>
+                <a:latin typeface="Calibri" panose="020F0502020204030204" pitchFamily="34" charset="0"/>
+              </a:defRPr>
+            </a:lvl5pPr>
+            <a:lvl6pPr marL="2514600" indent="-228600" eaLnBrk="0" fontAlgn="base" hangingPunct="0">
+              <a:spcBef>
+                <a:spcPct val="0"/>
+              </a:spcBef>
+              <a:spcAft>
+                <a:spcPct val="0"/>
+              </a:spcAft>
+              <a:defRPr>
+                <a:solidFill>
+                  <a:schemeClr val="tx1"/>
+                </a:solidFill>
+                <a:latin typeface="Calibri" panose="020F0502020204030204" pitchFamily="34" charset="0"/>
+              </a:defRPr>
+            </a:lvl6pPr>
+            <a:lvl7pPr marL="2971800" indent="-228600" eaLnBrk="0" fontAlgn="base" hangingPunct="0">
+              <a:spcBef>
+                <a:spcPct val="0"/>
+              </a:spcBef>
+              <a:spcAft>
+                <a:spcPct val="0"/>
+              </a:spcAft>
+              <a:defRPr>
+                <a:solidFill>
+                  <a:schemeClr val="tx1"/>
+                </a:solidFill>
+                <a:latin typeface="Calibri" panose="020F0502020204030204" pitchFamily="34" charset="0"/>
+              </a:defRPr>
+            </a:lvl7pPr>
+            <a:lvl8pPr marL="3429000" indent="-228600" eaLnBrk="0" fontAlgn="base" hangingPunct="0">
+              <a:spcBef>
+                <a:spcPct val="0"/>
+              </a:spcBef>
+              <a:spcAft>
+                <a:spcPct val="0"/>
+              </a:spcAft>
+              <a:defRPr>
+                <a:solidFill>
+                  <a:schemeClr val="tx1"/>
+                </a:solidFill>
+                <a:latin typeface="Calibri" panose="020F0502020204030204" pitchFamily="34" charset="0"/>
+              </a:defRPr>
+            </a:lvl8pPr>
+            <a:lvl9pPr marL="3886200" indent="-228600" eaLnBrk="0" fontAlgn="base" hangingPunct="0">
+              <a:spcBef>
+                <a:spcPct val="0"/>
+              </a:spcBef>
+              <a:spcAft>
+                <a:spcPct val="0"/>
+              </a:spcAft>
+              <a:defRPr>
+                <a:solidFill>
+                  <a:schemeClr val="tx1"/>
+                </a:solidFill>
+                <a:latin typeface="Calibri" panose="020F0502020204030204" pitchFamily="34" charset="0"/>
+              </a:defRPr>
+            </a:lvl9pPr>
+          </a:lstStyle>
+          <a:p>
+            <a:pPr eaLnBrk="1" hangingPunct="1"/>
+            <a:r>
+              <a:rPr lang="en-US" altLang="en-US" sz="3200" b="1">
+                <a:solidFill>
+                  <a:schemeClr val="accent1"/>
+                </a:solidFill>
+              </a:rPr>
+              <a:t>Individuals</a:t>
+            </a:r>
+          </a:p>
+        </p:txBody>
+      </p:sp>
+      <p:sp>
+        <p:nvSpPr>
+          <p:cNvPr id="9" name="TextBox 8">
+            <a:extLst>
+              <a:ext uri="{FF2B5EF4-FFF2-40B4-BE49-F238E27FC236}">
+                <a16:creationId xmlns:a16="http://schemas.microsoft.com/office/drawing/2014/main" id="{62844B86-7AC5-4046-AAD3-0FF7E57437BA}"/>
+              </a:ext>
+            </a:extLst>
+          </p:cNvPr>
+          <p:cNvSpPr txBox="1"/>
+          <p:nvPr/>
+        </p:nvSpPr>
+        <p:spPr>
+          <a:xfrm>
+            <a:off x="5210732" y="3330666"/>
+            <a:ext cx="2170112" cy="584200"/>
+          </a:xfrm>
+          <a:prstGeom prst="rect">
+            <a:avLst/>
+          </a:prstGeom>
+          <a:noFill/>
+        </p:spPr>
+        <p:txBody>
+          <a:bodyPr>
+            <a:spAutoFit/>
+          </a:bodyPr>
+          <a:lstStyle/>
+          <a:p>
+            <a:pPr>
+              <a:defRPr/>
+            </a:pPr>
+            <a:r>
+              <a:rPr lang="en-US" sz="3200" b="1" dirty="0">
+                <a:solidFill>
+                  <a:schemeClr val="accent2"/>
+                </a:solidFill>
+              </a:rPr>
+              <a:t>Population</a:t>
+            </a:r>
+          </a:p>
+        </p:txBody>
+      </p:sp>
+      <p:sp>
+        <p:nvSpPr>
+          <p:cNvPr id="10" name="TextBox 9">
+            <a:extLst>
+              <a:ext uri="{FF2B5EF4-FFF2-40B4-BE49-F238E27FC236}">
+                <a16:creationId xmlns:a16="http://schemas.microsoft.com/office/drawing/2014/main" id="{80EDD1D0-822B-4354-AA8D-D738605A792F}"/>
+              </a:ext>
+            </a:extLst>
+          </p:cNvPr>
+          <p:cNvSpPr txBox="1"/>
+          <p:nvPr/>
+        </p:nvSpPr>
+        <p:spPr>
+          <a:xfrm>
+            <a:off x="-109389" y="4356192"/>
+            <a:ext cx="2170113" cy="584200"/>
+          </a:xfrm>
+          <a:prstGeom prst="rect">
+            <a:avLst/>
+          </a:prstGeom>
+          <a:noFill/>
+        </p:spPr>
+        <p:txBody>
+          <a:bodyPr>
+            <a:spAutoFit/>
+          </a:bodyPr>
+          <a:lstStyle/>
+          <a:p>
+            <a:pPr>
+              <a:defRPr/>
+            </a:pPr>
+            <a:r>
+              <a:rPr lang="en-US" sz="3200" b="1" dirty="0">
+                <a:solidFill>
+                  <a:schemeClr val="accent6"/>
+                </a:solidFill>
+              </a:rPr>
+              <a:t>Offspring</a:t>
+            </a:r>
+          </a:p>
+        </p:txBody>
+      </p:sp>
+      <p:sp>
+        <p:nvSpPr>
+          <p:cNvPr id="11" name="Rectangle 10">
+            <a:extLst>
+              <a:ext uri="{FF2B5EF4-FFF2-40B4-BE49-F238E27FC236}">
+                <a16:creationId xmlns:a16="http://schemas.microsoft.com/office/drawing/2014/main" id="{447536C5-8FA3-403D-9FF7-A4FA578EB844}"/>
+              </a:ext>
+            </a:extLst>
+          </p:cNvPr>
+          <p:cNvSpPr/>
+          <p:nvPr/>
+        </p:nvSpPr>
+        <p:spPr>
+          <a:xfrm>
+            <a:off x="2773233" y="4980069"/>
+            <a:ext cx="3411537" cy="431800"/>
+          </a:xfrm>
+          <a:prstGeom prst="rect">
+            <a:avLst/>
+          </a:prstGeom>
+          <a:noFill/>
+          <a:ln w="76200">
+            <a:solidFill>
+              <a:srgbClr val="FF0000"/>
+            </a:solidFill>
+          </a:ln>
+        </p:spPr>
+        <p:style>
+          <a:lnRef idx="2">
+            <a:schemeClr val="accent1"/>
+          </a:lnRef>
+          <a:fillRef idx="1">
+            <a:schemeClr val="lt1"/>
+          </a:fillRef>
+          <a:effectRef idx="0">
+            <a:schemeClr val="accent1"/>
+          </a:effectRef>
+          <a:fontRef idx="minor">
+            <a:schemeClr val="dk1"/>
+          </a:fontRef>
+        </p:style>
+        <p:txBody>
+          <a:bodyPr anchor="ctr"/>
+          <a:lstStyle/>
+          <a:p>
+            <a:pPr algn="ctr">
+              <a:defRPr/>
+            </a:pPr>
+            <a:endParaRPr lang="en-US">
+              <a:solidFill>
+                <a:srgbClr val="000000"/>
+              </a:solidFill>
+            </a:endParaRPr>
+          </a:p>
+        </p:txBody>
+      </p:sp>
+      <p:sp>
+        <p:nvSpPr>
+          <p:cNvPr id="12" name="TextBox 11">
+            <a:extLst>
+              <a:ext uri="{FF2B5EF4-FFF2-40B4-BE49-F238E27FC236}">
+                <a16:creationId xmlns:a16="http://schemas.microsoft.com/office/drawing/2014/main" id="{CC0B40D3-DE68-4104-9869-C8B8D7A5994D}"/>
+              </a:ext>
+            </a:extLst>
+          </p:cNvPr>
+          <p:cNvSpPr txBox="1">
+            <a:spLocks noChangeArrowheads="1"/>
+          </p:cNvSpPr>
+          <p:nvPr/>
+        </p:nvSpPr>
+        <p:spPr bwMode="auto">
+          <a:xfrm>
+            <a:off x="6184769" y="4891169"/>
+            <a:ext cx="2171700" cy="584200"/>
+          </a:xfrm>
+          <a:prstGeom prst="rect">
+            <a:avLst/>
+          </a:prstGeom>
+          <a:noFill/>
+          <a:ln>
+            <a:noFill/>
+          </a:ln>
+          <a:extLst>
+            <a:ext uri="{909E8E84-426E-40DD-AFC4-6F175D3DCCD1}">
+              <a14:hiddenFill xmlns:a14="http://schemas.microsoft.com/office/drawing/2010/main">
+                <a:solidFill>
+                  <a:srgbClr val="FFFFFF"/>
+                </a:solidFill>
+              </a14:hiddenFill>
+            </a:ext>
+            <a:ext uri="{91240B29-F687-4F45-9708-019B960494DF}">
+              <a14:hiddenLine xmlns:a14="http://schemas.microsoft.com/office/drawing/2010/main" w="9525">
+                <a:solidFill>
+                  <a:srgbClr val="000000"/>
+                </a:solidFill>
+                <a:miter lim="800000"/>
+                <a:headEnd/>
+                <a:tailEnd/>
+              </a14:hiddenLine>
+            </a:ext>
+          </a:extLst>
+        </p:spPr>
+        <p:txBody>
+          <a:bodyPr>
+            <a:spAutoFit/>
+          </a:bodyPr>
+          <a:lstStyle>
+            <a:lvl1pPr eaLnBrk="0" hangingPunct="0">
+              <a:defRPr>
+                <a:solidFill>
+                  <a:schemeClr val="tx1"/>
+                </a:solidFill>
+                <a:latin typeface="Calibri" panose="020F0502020204030204" pitchFamily="34" charset="0"/>
+              </a:defRPr>
+            </a:lvl1pPr>
+            <a:lvl2pPr marL="742950" indent="-285750" eaLnBrk="0" hangingPunct="0">
+              <a:defRPr>
+                <a:solidFill>
+                  <a:schemeClr val="tx1"/>
+                </a:solidFill>
+                <a:latin typeface="Calibri" panose="020F0502020204030204" pitchFamily="34" charset="0"/>
+              </a:defRPr>
+            </a:lvl2pPr>
+            <a:lvl3pPr marL="1143000" indent="-228600" eaLnBrk="0" hangingPunct="0">
+              <a:defRPr>
+                <a:solidFill>
+                  <a:schemeClr val="tx1"/>
+                </a:solidFill>
+                <a:latin typeface="Calibri" panose="020F0502020204030204" pitchFamily="34" charset="0"/>
+              </a:defRPr>
+            </a:lvl3pPr>
+            <a:lvl4pPr marL="1600200" indent="-228600" eaLnBrk="0" hangingPunct="0">
+              <a:defRPr>
+                <a:solidFill>
+                  <a:schemeClr val="tx1"/>
+                </a:solidFill>
+                <a:latin typeface="Calibri" panose="020F0502020204030204" pitchFamily="34" charset="0"/>
+              </a:defRPr>
+            </a:lvl4pPr>
+            <a:lvl5pPr marL="2057400" indent="-228600" eaLnBrk="0" hangingPunct="0">
+              <a:defRPr>
+                <a:solidFill>
+                  <a:schemeClr val="tx1"/>
+                </a:solidFill>
+                <a:latin typeface="Calibri" panose="020F0502020204030204" pitchFamily="34" charset="0"/>
+              </a:defRPr>
+            </a:lvl5pPr>
+            <a:lvl6pPr marL="2514600" indent="-228600" eaLnBrk="0" fontAlgn="base" hangingPunct="0">
+              <a:spcBef>
+                <a:spcPct val="0"/>
+              </a:spcBef>
+              <a:spcAft>
+                <a:spcPct val="0"/>
+              </a:spcAft>
+              <a:defRPr>
+                <a:solidFill>
+                  <a:schemeClr val="tx1"/>
+                </a:solidFill>
+                <a:latin typeface="Calibri" panose="020F0502020204030204" pitchFamily="34" charset="0"/>
+              </a:defRPr>
+            </a:lvl6pPr>
+            <a:lvl7pPr marL="2971800" indent="-228600" eaLnBrk="0" fontAlgn="base" hangingPunct="0">
+              <a:spcBef>
+                <a:spcPct val="0"/>
+              </a:spcBef>
+              <a:spcAft>
+                <a:spcPct val="0"/>
+              </a:spcAft>
+              <a:defRPr>
+                <a:solidFill>
+                  <a:schemeClr val="tx1"/>
+                </a:solidFill>
+                <a:latin typeface="Calibri" panose="020F0502020204030204" pitchFamily="34" charset="0"/>
+              </a:defRPr>
+            </a:lvl7pPr>
+            <a:lvl8pPr marL="3429000" indent="-228600" eaLnBrk="0" fontAlgn="base" hangingPunct="0">
+              <a:spcBef>
+                <a:spcPct val="0"/>
+              </a:spcBef>
+              <a:spcAft>
+                <a:spcPct val="0"/>
+              </a:spcAft>
+              <a:defRPr>
+                <a:solidFill>
+                  <a:schemeClr val="tx1"/>
+                </a:solidFill>
+                <a:latin typeface="Calibri" panose="020F0502020204030204" pitchFamily="34" charset="0"/>
+              </a:defRPr>
+            </a:lvl8pPr>
+            <a:lvl9pPr marL="3886200" indent="-228600" eaLnBrk="0" fontAlgn="base" hangingPunct="0">
+              <a:spcBef>
+                <a:spcPct val="0"/>
+              </a:spcBef>
+              <a:spcAft>
+                <a:spcPct val="0"/>
+              </a:spcAft>
+              <a:defRPr>
+                <a:solidFill>
+                  <a:schemeClr val="tx1"/>
+                </a:solidFill>
+                <a:latin typeface="Calibri" panose="020F0502020204030204" pitchFamily="34" charset="0"/>
+              </a:defRPr>
+            </a:lvl9pPr>
+          </a:lstStyle>
+          <a:p>
+            <a:pPr eaLnBrk="1" hangingPunct="1"/>
+            <a:r>
+              <a:rPr lang="en-US" altLang="en-US" sz="3200" b="1" dirty="0">
+                <a:solidFill>
+                  <a:srgbClr val="FF0000"/>
+                </a:solidFill>
+              </a:rPr>
+              <a:t>Fitness</a:t>
+            </a:r>
+          </a:p>
+        </p:txBody>
+      </p:sp>
+    </p:spTree>
+  </p:cSld>
+  <p:clrMapOvr>
+    <a:masterClrMapping/>
+  </p:clrMapOvr>
+  <p:timing>
+    <p:tnLst>
+      <p:par>
+        <p:cTn id="1" dur="indefinite" restart="never" nodeType="tmRoot">
+          <p:childTnLst>
+            <p:seq concurrent="1" nextAc="seek">
+              <p:cTn id="2" dur="indefinite" nodeType="mainSeq">
+                <p:childTnLst>
+                  <p:par>
+                    <p:cTn id="3" fill="hold" nodeType="clickPar">
+                      <p:stCondLst>
+                        <p:cond delay="indefinite"/>
+                      </p:stCondLst>
+                      <p:childTnLst>
+                        <p:par>
+                          <p:cTn id="4" fill="hold" nodeType="withGroup">
+                            <p:stCondLst>
+                              <p:cond delay="0"/>
+                            </p:stCondLst>
+                            <p:childTnLst>
+                              <p:par>
+                                <p:cTn id="5" presetID="10" presetClass="entr" presetSubtype="0" fill="hold" grpId="0" nodeType="clickEffect">
+                                  <p:stCondLst>
+                                    <p:cond delay="0"/>
+                                  </p:stCondLst>
+                                  <p:childTnLst>
+                                    <p:set>
+                                      <p:cBhvr>
+                                        <p:cTn id="6" dur="1" fill="hold">
+                                          <p:stCondLst>
+                                            <p:cond delay="0"/>
+                                          </p:stCondLst>
+                                        </p:cTn>
+                                        <p:tgtEl>
+                                          <p:spTgt spid="2"/>
+                                        </p:tgtEl>
+                                        <p:attrNameLst>
+                                          <p:attrName>style.visibility</p:attrName>
+                                        </p:attrNameLst>
+                                      </p:cBhvr>
+                                      <p:to>
+                                        <p:strVal val="visible"/>
+                                      </p:to>
+                                    </p:set>
+                                    <p:animEffect transition="in" filter="fade">
+                                      <p:cBhvr>
+                                        <p:cTn id="7" dur="500"/>
+                                        <p:tgtEl>
+                                          <p:spTgt spid="2"/>
+                                        </p:tgtEl>
+                                      </p:cBhvr>
+                                    </p:animEffect>
+                                  </p:childTnLst>
+                                </p:cTn>
+                              </p:par>
+                              <p:par>
+                                <p:cTn id="8" presetID="10" presetClass="entr" presetSubtype="0" fill="hold" grpId="0" nodeType="withEffect">
+                                  <p:stCondLst>
+                                    <p:cond delay="0"/>
+                                  </p:stCondLst>
+                                  <p:childTnLst>
+                                    <p:set>
+                                      <p:cBhvr>
+                                        <p:cTn id="9" dur="1" fill="hold">
+                                          <p:stCondLst>
+                                            <p:cond delay="0"/>
+                                          </p:stCondLst>
+                                        </p:cTn>
+                                        <p:tgtEl>
+                                          <p:spTgt spid="3"/>
+                                        </p:tgtEl>
+                                        <p:attrNameLst>
+                                          <p:attrName>style.visibility</p:attrName>
+                                        </p:attrNameLst>
+                                      </p:cBhvr>
+                                      <p:to>
+                                        <p:strVal val="visible"/>
+                                      </p:to>
+                                    </p:set>
+                                    <p:animEffect transition="in" filter="fade">
+                                      <p:cBhvr>
+                                        <p:cTn id="10" dur="500"/>
+                                        <p:tgtEl>
+                                          <p:spTgt spid="3"/>
+                                        </p:tgtEl>
+                                      </p:cBhvr>
+                                    </p:animEffect>
+                                  </p:childTnLst>
+                                </p:cTn>
+                              </p:par>
+                            </p:childTnLst>
+                          </p:cTn>
+                        </p:par>
+                      </p:childTnLst>
+                    </p:cTn>
+                  </p:par>
+                  <p:par>
+                    <p:cTn id="11" fill="hold" nodeType="clickPar">
+                      <p:stCondLst>
+                        <p:cond delay="indefinite"/>
+                      </p:stCondLst>
+                      <p:childTnLst>
+                        <p:par>
+                          <p:cTn id="12" fill="hold" nodeType="withGroup">
+                            <p:stCondLst>
+                              <p:cond delay="0"/>
+                            </p:stCondLst>
+                            <p:childTnLst>
+                              <p:par>
+                                <p:cTn id="13" presetID="10" presetClass="entr" presetSubtype="0" fill="hold" grpId="0" nodeType="clickEffect">
+                                  <p:stCondLst>
+                                    <p:cond delay="0"/>
+                                  </p:stCondLst>
+                                  <p:childTnLst>
+                                    <p:set>
+                                      <p:cBhvr>
+                                        <p:cTn id="14" dur="1" fill="hold">
+                                          <p:stCondLst>
+                                            <p:cond delay="0"/>
+                                          </p:stCondLst>
+                                        </p:cTn>
+                                        <p:tgtEl>
+                                          <p:spTgt spid="6"/>
+                                        </p:tgtEl>
+                                        <p:attrNameLst>
+                                          <p:attrName>style.visibility</p:attrName>
+                                        </p:attrNameLst>
+                                      </p:cBhvr>
+                                      <p:to>
+                                        <p:strVal val="visible"/>
+                                      </p:to>
+                                    </p:set>
+                                    <p:animEffect transition="in" filter="fade">
+                                      <p:cBhvr>
+                                        <p:cTn id="15" dur="500"/>
+                                        <p:tgtEl>
+                                          <p:spTgt spid="6"/>
+                                        </p:tgtEl>
+                                      </p:cBhvr>
+                                    </p:animEffect>
+                                  </p:childTnLst>
+                                </p:cTn>
+                              </p:par>
+                              <p:par>
+                                <p:cTn id="16" presetID="10" presetClass="entr" presetSubtype="0" fill="hold" grpId="0" nodeType="withEffect">
+                                  <p:stCondLst>
+                                    <p:cond delay="0"/>
+                                  </p:stCondLst>
+                                  <p:childTnLst>
+                                    <p:set>
+                                      <p:cBhvr>
+                                        <p:cTn id="17" dur="1" fill="hold">
+                                          <p:stCondLst>
+                                            <p:cond delay="0"/>
+                                          </p:stCondLst>
+                                        </p:cTn>
+                                        <p:tgtEl>
+                                          <p:spTgt spid="9"/>
+                                        </p:tgtEl>
+                                        <p:attrNameLst>
+                                          <p:attrName>style.visibility</p:attrName>
+                                        </p:attrNameLst>
+                                      </p:cBhvr>
+                                      <p:to>
+                                        <p:strVal val="visible"/>
+                                      </p:to>
+                                    </p:set>
+                                    <p:animEffect transition="in" filter="fade">
+                                      <p:cBhvr>
+                                        <p:cTn id="18" dur="500"/>
+                                        <p:tgtEl>
+                                          <p:spTgt spid="9"/>
+                                        </p:tgtEl>
+                                      </p:cBhvr>
+                                    </p:animEffect>
+                                  </p:childTnLst>
+                                </p:cTn>
+                              </p:par>
+                            </p:childTnLst>
+                          </p:cTn>
+                        </p:par>
+                      </p:childTnLst>
+                    </p:cTn>
+                  </p:par>
+                  <p:par>
+                    <p:cTn id="19" fill="hold" nodeType="clickPar">
+                      <p:stCondLst>
+                        <p:cond delay="indefinite"/>
+                      </p:stCondLst>
+                      <p:childTnLst>
+                        <p:par>
+                          <p:cTn id="20" fill="hold" nodeType="withGroup">
+                            <p:stCondLst>
+                              <p:cond delay="0"/>
+                            </p:stCondLst>
+                            <p:childTnLst>
+                              <p:par>
+                                <p:cTn id="21" presetID="10" presetClass="entr" presetSubtype="0" fill="hold" grpId="0" nodeType="clickEffect">
+                                  <p:stCondLst>
+                                    <p:cond delay="0"/>
+                                  </p:stCondLst>
+                                  <p:childTnLst>
+                                    <p:set>
+                                      <p:cBhvr>
+                                        <p:cTn id="22" dur="1" fill="hold">
+                                          <p:stCondLst>
+                                            <p:cond delay="0"/>
+                                          </p:stCondLst>
+                                        </p:cTn>
+                                        <p:tgtEl>
+                                          <p:spTgt spid="7"/>
+                                        </p:tgtEl>
+                                        <p:attrNameLst>
+                                          <p:attrName>style.visibility</p:attrName>
+                                        </p:attrNameLst>
+                                      </p:cBhvr>
+                                      <p:to>
+                                        <p:strVal val="visible"/>
+                                      </p:to>
+                                    </p:set>
+                                    <p:animEffect transition="in" filter="fade">
+                                      <p:cBhvr>
+                                        <p:cTn id="23" dur="500"/>
+                                        <p:tgtEl>
+                                          <p:spTgt spid="7"/>
+                                        </p:tgtEl>
+                                      </p:cBhvr>
+                                    </p:animEffect>
+                                  </p:childTnLst>
+                                </p:cTn>
+                              </p:par>
+                              <p:par>
+                                <p:cTn id="24" presetID="10" presetClass="entr" presetSubtype="0" fill="hold" grpId="0" nodeType="withEffect">
+                                  <p:stCondLst>
+                                    <p:cond delay="0"/>
+                                  </p:stCondLst>
+                                  <p:childTnLst>
+                                    <p:set>
+                                      <p:cBhvr>
+                                        <p:cTn id="25" dur="1" fill="hold">
+                                          <p:stCondLst>
+                                            <p:cond delay="0"/>
+                                          </p:stCondLst>
+                                        </p:cTn>
+                                        <p:tgtEl>
+                                          <p:spTgt spid="10"/>
+                                        </p:tgtEl>
+                                        <p:attrNameLst>
+                                          <p:attrName>style.visibility</p:attrName>
+                                        </p:attrNameLst>
+                                      </p:cBhvr>
+                                      <p:to>
+                                        <p:strVal val="visible"/>
+                                      </p:to>
+                                    </p:set>
+                                    <p:animEffect transition="in" filter="fade">
+                                      <p:cBhvr>
+                                        <p:cTn id="26" dur="500"/>
+                                        <p:tgtEl>
+                                          <p:spTgt spid="10"/>
+                                        </p:tgtEl>
+                                      </p:cBhvr>
+                                    </p:animEffect>
+                                  </p:childTnLst>
+                                </p:cTn>
+                              </p:par>
+                            </p:childTnLst>
+                          </p:cTn>
+                        </p:par>
+                      </p:childTnLst>
+                    </p:cTn>
+                  </p:par>
+                  <p:par>
+                    <p:cTn id="27" fill="hold" nodeType="clickPar">
+                      <p:stCondLst>
+                        <p:cond delay="indefinite"/>
+                      </p:stCondLst>
+                      <p:childTnLst>
+                        <p:par>
+                          <p:cTn id="28" fill="hold" nodeType="withGroup">
+                            <p:stCondLst>
+                              <p:cond delay="0"/>
+                            </p:stCondLst>
+                            <p:childTnLst>
+                              <p:par>
+                                <p:cTn id="29" presetID="10" presetClass="entr" presetSubtype="0" fill="hold" grpId="0" nodeType="clickEffect">
+                                  <p:stCondLst>
+                                    <p:cond delay="0"/>
+                                  </p:stCondLst>
+                                  <p:childTnLst>
+                                    <p:set>
+                                      <p:cBhvr>
+                                        <p:cTn id="30" dur="1" fill="hold">
+                                          <p:stCondLst>
+                                            <p:cond delay="0"/>
+                                          </p:stCondLst>
+                                        </p:cTn>
+                                        <p:tgtEl>
+                                          <p:spTgt spid="11"/>
+                                        </p:tgtEl>
+                                        <p:attrNameLst>
+                                          <p:attrName>style.visibility</p:attrName>
+                                        </p:attrNameLst>
+                                      </p:cBhvr>
+                                      <p:to>
+                                        <p:strVal val="visible"/>
+                                      </p:to>
+                                    </p:set>
+                                    <p:animEffect transition="in" filter="fade">
+                                      <p:cBhvr>
+                                        <p:cTn id="31" dur="500"/>
+                                        <p:tgtEl>
+                                          <p:spTgt spid="11"/>
+                                        </p:tgtEl>
+                                      </p:cBhvr>
+                                    </p:animEffect>
+                                  </p:childTnLst>
+                                </p:cTn>
+                              </p:par>
+                              <p:par>
+                                <p:cTn id="32" presetID="10" presetClass="entr" presetSubtype="0" fill="hold" grpId="0" nodeType="withEffect">
+                                  <p:stCondLst>
+                                    <p:cond delay="0"/>
+                                  </p:stCondLst>
+                                  <p:childTnLst>
+                                    <p:set>
+                                      <p:cBhvr>
+                                        <p:cTn id="33" dur="1" fill="hold">
+                                          <p:stCondLst>
+                                            <p:cond delay="0"/>
+                                          </p:stCondLst>
+                                        </p:cTn>
+                                        <p:tgtEl>
+                                          <p:spTgt spid="12"/>
+                                        </p:tgtEl>
+                                        <p:attrNameLst>
+                                          <p:attrName>style.visibility</p:attrName>
+                                        </p:attrNameLst>
+                                      </p:cBhvr>
+                                      <p:to>
+                                        <p:strVal val="visible"/>
+                                      </p:to>
+                                    </p:set>
+                                    <p:animEffect transition="in" filter="fade">
+                                      <p:cBhvr>
+                                        <p:cTn id="34" dur="500"/>
+                                        <p:tgtEl>
+                                          <p:spTgt spid="12"/>
+                                        </p:tgtEl>
+                                      </p:cBhvr>
+                                    </p:animEffect>
+                                  </p:childTnLst>
+                                </p:cTn>
+                              </p:par>
+                            </p:childTnLst>
+                          </p:cTn>
+                        </p:par>
+                      </p:childTnLst>
+                    </p:cTn>
+                  </p:par>
+                </p:childTnLst>
+              </p:cTn>
+              <p:prevCondLst>
+                <p:cond evt="onPrev" delay="0">
+                  <p:tgtEl>
+                    <p:sldTgt/>
+                  </p:tgtEl>
+                </p:cond>
+              </p:prevCondLst>
+              <p:nextCondLst>
+                <p:cond evt="onNext" delay="0">
+                  <p:tgtEl>
+                    <p:sldTgt/>
+                  </p:tgtEl>
+                </p:cond>
+              </p:nextCondLst>
+            </p:seq>
+          </p:childTnLst>
+        </p:cTn>
+      </p:par>
+    </p:tnLst>
+    <p:bldLst>
+      <p:bldP spid="2" grpId="0" animBg="1"/>
+      <p:bldP spid="6" grpId="0" animBg="1"/>
+      <p:bldP spid="7" grpId="0" animBg="1"/>
+      <p:bldP spid="3" grpId="0"/>
+      <p:bldP spid="9" grpId="0"/>
+      <p:bldP spid="10" grpId="0"/>
+      <p:bldP spid="11" grpId="0" animBg="1"/>
+      <p:bldP spid="12" grpId="0"/>
+    </p:bldLst>
+  </p:timing>
+</p:sld>
+</file>
+
+<file path=ppt/slides/slide17.xml><?xml version="1.0" encoding="utf-8"?>
+<p:sld xmlns:a="http://schemas.openxmlformats.org/drawingml/2006/main" xmlns:r="http://schemas.openxmlformats.org/officeDocument/2006/relationships" xmlns:p="http://schemas.openxmlformats.org/presentationml/2006/main">
+  <p:cSld>
+    <p:spTree>
+      <p:nvGrpSpPr>
+        <p:cNvPr id="1" name=""/>
+        <p:cNvGrpSpPr/>
+        <p:nvPr/>
+      </p:nvGrpSpPr>
+      <p:grpSpPr>
+        <a:xfrm>
+          <a:off x="0" y="0"/>
+          <a:ext cx="0" cy="0"/>
+          <a:chOff x="0" y="0"/>
+          <a:chExt cx="0" cy="0"/>
+        </a:xfrm>
+      </p:grpSpPr>
+      <p:sp>
+        <p:nvSpPr>
+          <p:cNvPr id="2" name="Titre 1">
+            <a:extLst>
+              <a:ext uri="{FF2B5EF4-FFF2-40B4-BE49-F238E27FC236}">
+                <a16:creationId xmlns:a16="http://schemas.microsoft.com/office/drawing/2014/main" id="{A04BF7C0-D2BB-42CA-8CFE-736839870EF7}"/>
+              </a:ext>
+            </a:extLst>
+          </p:cNvPr>
+          <p:cNvSpPr>
+            <a:spLocks noGrp="1"/>
+          </p:cNvSpPr>
+          <p:nvPr>
+            <p:ph type="title"/>
+          </p:nvPr>
+        </p:nvSpPr>
+        <p:spPr/>
+        <p:txBody>
+          <a:bodyPr/>
+          <a:lstStyle/>
+          <a:p>
+            <a:r>
+              <a:rPr lang="en-US" dirty="0"/>
+              <a:t>Evolutionary algorithms</a:t>
+            </a:r>
+          </a:p>
+        </p:txBody>
+      </p:sp>
+      <p:sp>
+        <p:nvSpPr>
+          <p:cNvPr id="3" name="Espace réservé du texte 2">
+            <a:extLst>
+              <a:ext uri="{FF2B5EF4-FFF2-40B4-BE49-F238E27FC236}">
+                <a16:creationId xmlns:a16="http://schemas.microsoft.com/office/drawing/2014/main" id="{119B440A-4932-40A6-B798-C3ADB6CF9CBD}"/>
+              </a:ext>
+            </a:extLst>
+          </p:cNvPr>
+          <p:cNvSpPr>
+            <a:spLocks noGrp="1"/>
+          </p:cNvSpPr>
+          <p:nvPr>
+            <p:ph type="body" sz="quarter" idx="10"/>
+          </p:nvPr>
+        </p:nvSpPr>
+        <p:spPr/>
+        <p:txBody>
+          <a:bodyPr/>
+          <a:lstStyle/>
+          <a:p>
+            <a:endParaRPr lang="en-US"/>
+          </a:p>
+        </p:txBody>
+      </p:sp>
+      <p:grpSp>
+        <p:nvGrpSpPr>
+          <p:cNvPr id="18" name="Groupe 17">
+            <a:extLst>
+              <a:ext uri="{FF2B5EF4-FFF2-40B4-BE49-F238E27FC236}">
+                <a16:creationId xmlns:a16="http://schemas.microsoft.com/office/drawing/2014/main" id="{FE289997-4271-418D-8A93-06CD76439A83}"/>
+              </a:ext>
+            </a:extLst>
+          </p:cNvPr>
+          <p:cNvGrpSpPr/>
+          <p:nvPr/>
+        </p:nvGrpSpPr>
+        <p:grpSpPr>
+          <a:xfrm>
+            <a:off x="1733684" y="3429000"/>
+            <a:ext cx="8724632" cy="2229721"/>
+            <a:chOff x="179512" y="479198"/>
+            <a:chExt cx="8724632" cy="2229721"/>
+          </a:xfrm>
+        </p:grpSpPr>
+        <p:sp>
+          <p:nvSpPr>
+            <p:cNvPr id="4" name="Flowchart: Process 4">
+              <a:extLst>
+                <a:ext uri="{FF2B5EF4-FFF2-40B4-BE49-F238E27FC236}">
+                  <a16:creationId xmlns:a16="http://schemas.microsoft.com/office/drawing/2014/main" id="{AB4E3075-12DE-4D76-828B-FBC0D8DD24EF}"/>
+                </a:ext>
+              </a:extLst>
+            </p:cNvPr>
+            <p:cNvSpPr/>
+            <p:nvPr/>
+          </p:nvSpPr>
+          <p:spPr>
+            <a:xfrm>
+              <a:off x="179512" y="1726532"/>
+              <a:ext cx="1512000" cy="792088"/>
+            </a:xfrm>
+            <a:prstGeom prst="flowChartProcess">
+              <a:avLst/>
+            </a:prstGeom>
+          </p:spPr>
+          <p:style>
+            <a:lnRef idx="2">
+              <a:schemeClr val="dk1"/>
+            </a:lnRef>
+            <a:fillRef idx="1">
+              <a:schemeClr val="lt1"/>
+            </a:fillRef>
+            <a:effectRef idx="0">
+              <a:schemeClr val="dk1"/>
+            </a:effectRef>
+            <a:fontRef idx="minor">
+              <a:schemeClr val="dk1"/>
+            </a:fontRef>
+          </p:style>
+          <p:txBody>
+            <a:bodyPr rtlCol="0" anchor="ctr"/>
+            <a:lstStyle/>
+            <a:p>
+              <a:pPr algn="ctr"/>
+              <a:r>
+                <a:rPr lang="en-US" sz="1400" dirty="0"/>
+                <a:t>Generate and evaluate </a:t>
+              </a:r>
+            </a:p>
+            <a:p>
+              <a:pPr algn="ctr"/>
+              <a:r>
+                <a:rPr lang="en-US" sz="1400" dirty="0"/>
+                <a:t>initial population</a:t>
+              </a:r>
+            </a:p>
+          </p:txBody>
+        </p:sp>
+        <p:sp>
+          <p:nvSpPr>
+            <p:cNvPr id="5" name="Flowchart: Process 5">
+              <a:extLst>
+                <a:ext uri="{FF2B5EF4-FFF2-40B4-BE49-F238E27FC236}">
+                  <a16:creationId xmlns:a16="http://schemas.microsoft.com/office/drawing/2014/main" id="{126BE91C-9ED5-4F3A-B159-2BFABE156093}"/>
+                </a:ext>
+              </a:extLst>
+            </p:cNvPr>
+            <p:cNvSpPr/>
+            <p:nvPr/>
+          </p:nvSpPr>
+          <p:spPr>
+            <a:xfrm>
+              <a:off x="5663952" y="1726532"/>
+              <a:ext cx="1512000" cy="792088"/>
+            </a:xfrm>
+            <a:prstGeom prst="flowChartProcess">
+              <a:avLst/>
+            </a:prstGeom>
+          </p:spPr>
+          <p:style>
+            <a:lnRef idx="2">
+              <a:schemeClr val="dk1"/>
+            </a:lnRef>
+            <a:fillRef idx="1">
+              <a:schemeClr val="lt1"/>
+            </a:fillRef>
+            <a:effectRef idx="0">
+              <a:schemeClr val="dk1"/>
+            </a:effectRef>
+            <a:fontRef idx="minor">
+              <a:schemeClr val="dk1"/>
+            </a:fontRef>
+          </p:style>
+          <p:txBody>
+            <a:bodyPr rtlCol="0" anchor="ctr"/>
+            <a:lstStyle/>
+            <a:p>
+              <a:pPr algn="ctr"/>
+              <a:r>
+                <a:rPr lang="en-US" sz="1400" dirty="0"/>
+                <a:t>Evaluate new solutions</a:t>
+              </a:r>
+            </a:p>
+          </p:txBody>
+        </p:sp>
+        <p:sp>
+          <p:nvSpPr>
+            <p:cNvPr id="6" name="Flowchart: Decision 7">
+              <a:extLst>
+                <a:ext uri="{FF2B5EF4-FFF2-40B4-BE49-F238E27FC236}">
+                  <a16:creationId xmlns:a16="http://schemas.microsoft.com/office/drawing/2014/main" id="{DC5ACA95-6A43-41F6-B6AF-F0AD9439671B}"/>
+                </a:ext>
+              </a:extLst>
+            </p:cNvPr>
+            <p:cNvSpPr/>
+            <p:nvPr/>
+          </p:nvSpPr>
+          <p:spPr>
+            <a:xfrm>
+              <a:off x="1919536" y="1536232"/>
+              <a:ext cx="1800200" cy="1172687"/>
+            </a:xfrm>
+            <a:prstGeom prst="flowChartDecision">
+              <a:avLst/>
+            </a:prstGeom>
+          </p:spPr>
+          <p:style>
+            <a:lnRef idx="2">
+              <a:schemeClr val="dk1"/>
+            </a:lnRef>
+            <a:fillRef idx="1">
+              <a:schemeClr val="lt1"/>
+            </a:fillRef>
+            <a:effectRef idx="0">
+              <a:schemeClr val="dk1"/>
+            </a:effectRef>
+            <a:fontRef idx="minor">
+              <a:schemeClr val="dk1"/>
+            </a:fontRef>
+          </p:style>
+          <p:txBody>
+            <a:bodyPr rtlCol="0" anchor="ctr"/>
+            <a:lstStyle/>
+            <a:p>
+              <a:pPr algn="ctr"/>
+              <a:r>
+                <a:rPr lang="en-US" sz="1400" dirty="0"/>
+                <a:t>Stop condition reached?</a:t>
+              </a:r>
+            </a:p>
+          </p:txBody>
+        </p:sp>
+        <p:sp>
+          <p:nvSpPr>
+            <p:cNvPr id="7" name="Flowchart: Process 9">
+              <a:extLst>
+                <a:ext uri="{FF2B5EF4-FFF2-40B4-BE49-F238E27FC236}">
+                  <a16:creationId xmlns:a16="http://schemas.microsoft.com/office/drawing/2014/main" id="{AA376A62-BF58-467F-A726-8430A9445307}"/>
+                </a:ext>
+              </a:extLst>
+            </p:cNvPr>
+            <p:cNvSpPr/>
+            <p:nvPr/>
+          </p:nvSpPr>
+          <p:spPr>
+            <a:xfrm>
+              <a:off x="3935760" y="1726532"/>
+              <a:ext cx="1512168" cy="792088"/>
+            </a:xfrm>
+            <a:prstGeom prst="flowChartProcess">
+              <a:avLst/>
+            </a:prstGeom>
+          </p:spPr>
+          <p:style>
+            <a:lnRef idx="2">
+              <a:schemeClr val="dk1"/>
+            </a:lnRef>
+            <a:fillRef idx="1">
+              <a:schemeClr val="lt1"/>
+            </a:fillRef>
+            <a:effectRef idx="0">
+              <a:schemeClr val="dk1"/>
+            </a:effectRef>
+            <a:fontRef idx="minor">
+              <a:schemeClr val="dk1"/>
+            </a:fontRef>
+          </p:style>
+          <p:txBody>
+            <a:bodyPr rtlCol="0" anchor="ctr"/>
+            <a:lstStyle/>
+            <a:p>
+              <a:pPr algn="ctr"/>
+              <a:r>
+                <a:rPr lang="en-US" sz="1400" dirty="0"/>
+                <a:t>Select parents and create offspring</a:t>
+              </a:r>
+            </a:p>
+          </p:txBody>
+        </p:sp>
+        <p:sp>
+          <p:nvSpPr>
+            <p:cNvPr id="8" name="Flowchart: Process 10">
+              <a:extLst>
+                <a:ext uri="{FF2B5EF4-FFF2-40B4-BE49-F238E27FC236}">
+                  <a16:creationId xmlns:a16="http://schemas.microsoft.com/office/drawing/2014/main" id="{BA72CCD5-961B-4F7B-AC01-5953F7E01697}"/>
+                </a:ext>
+              </a:extLst>
+            </p:cNvPr>
+            <p:cNvSpPr/>
+            <p:nvPr/>
+          </p:nvSpPr>
+          <p:spPr>
+            <a:xfrm>
+              <a:off x="7392144" y="1726532"/>
+              <a:ext cx="1512000" cy="792088"/>
+            </a:xfrm>
+            <a:prstGeom prst="flowChartProcess">
+              <a:avLst/>
+            </a:prstGeom>
+          </p:spPr>
+          <p:style>
+            <a:lnRef idx="2">
+              <a:schemeClr val="dk1"/>
+            </a:lnRef>
+            <a:fillRef idx="1">
+              <a:schemeClr val="lt1"/>
+            </a:fillRef>
+            <a:effectRef idx="0">
+              <a:schemeClr val="dk1"/>
+            </a:effectRef>
+            <a:fontRef idx="minor">
+              <a:schemeClr val="dk1"/>
+            </a:fontRef>
+          </p:style>
+          <p:txBody>
+            <a:bodyPr rtlCol="0" anchor="ctr"/>
+            <a:lstStyle/>
+            <a:p>
+              <a:pPr algn="ctr"/>
+              <a:r>
+                <a:rPr lang="en-US" sz="1400" dirty="0"/>
+                <a:t>Remove worst solutions</a:t>
+              </a:r>
+            </a:p>
+          </p:txBody>
+        </p:sp>
+        <p:sp>
+          <p:nvSpPr>
+            <p:cNvPr id="9" name="Flowchart: Process 40">
+              <a:extLst>
+                <a:ext uri="{FF2B5EF4-FFF2-40B4-BE49-F238E27FC236}">
+                  <a16:creationId xmlns:a16="http://schemas.microsoft.com/office/drawing/2014/main" id="{9451E8D8-3BE8-435C-8A29-849AA22552D1}"/>
+                </a:ext>
+              </a:extLst>
+            </p:cNvPr>
+            <p:cNvSpPr/>
+            <p:nvPr/>
+          </p:nvSpPr>
+          <p:spPr>
+            <a:xfrm>
+              <a:off x="2063636" y="479198"/>
+              <a:ext cx="1512000" cy="792088"/>
+            </a:xfrm>
+            <a:prstGeom prst="flowChartProcess">
+              <a:avLst/>
+            </a:prstGeom>
+          </p:spPr>
+          <p:style>
+            <a:lnRef idx="2">
+              <a:schemeClr val="dk1"/>
+            </a:lnRef>
+            <a:fillRef idx="1">
+              <a:schemeClr val="lt1"/>
+            </a:fillRef>
+            <a:effectRef idx="0">
+              <a:schemeClr val="dk1"/>
+            </a:effectRef>
+            <a:fontRef idx="minor">
+              <a:schemeClr val="dk1"/>
+            </a:fontRef>
+          </p:style>
+          <p:txBody>
+            <a:bodyPr rtlCol="0" anchor="ctr"/>
+            <a:lstStyle/>
+            <a:p>
+              <a:pPr algn="ctr"/>
+              <a:r>
+                <a:rPr lang="en-US" sz="1400" dirty="0"/>
+                <a:t>Return best solution(s)</a:t>
+              </a:r>
+            </a:p>
+          </p:txBody>
+        </p:sp>
+        <p:cxnSp>
+          <p:nvCxnSpPr>
+            <p:cNvPr id="10" name="Straight Arrow Connector 2">
+              <a:extLst>
+                <a:ext uri="{FF2B5EF4-FFF2-40B4-BE49-F238E27FC236}">
+                  <a16:creationId xmlns:a16="http://schemas.microsoft.com/office/drawing/2014/main" id="{DB9B3DB9-3E57-40EA-84B1-4C389F5B85CB}"/>
+                </a:ext>
+              </a:extLst>
+            </p:cNvPr>
+            <p:cNvCxnSpPr>
+              <a:stCxn id="4" idx="3"/>
+              <a:endCxn id="6" idx="1"/>
+            </p:cNvCxnSpPr>
+            <p:nvPr/>
+          </p:nvCxnSpPr>
+          <p:spPr>
+            <a:xfrm>
+              <a:off x="1691512" y="2122576"/>
+              <a:ext cx="228024" cy="0"/>
+            </a:xfrm>
+            <a:prstGeom prst="straightConnector1">
+              <a:avLst/>
+            </a:prstGeom>
+            <a:ln w="28575">
+              <a:solidFill>
+                <a:schemeClr val="tx1"/>
+              </a:solidFill>
+              <a:tailEnd type="arrow"/>
+            </a:ln>
+          </p:spPr>
+          <p:style>
+            <a:lnRef idx="1">
+              <a:schemeClr val="accent1"/>
+            </a:lnRef>
+            <a:fillRef idx="0">
+              <a:schemeClr val="accent1"/>
+            </a:fillRef>
+            <a:effectRef idx="0">
+              <a:schemeClr val="accent1"/>
+            </a:effectRef>
+            <a:fontRef idx="minor">
+              <a:schemeClr val="tx1"/>
+            </a:fontRef>
+          </p:style>
+        </p:cxnSp>
+        <p:cxnSp>
+          <p:nvCxnSpPr>
+            <p:cNvPr id="11" name="Straight Arrow Connector 6">
+              <a:extLst>
+                <a:ext uri="{FF2B5EF4-FFF2-40B4-BE49-F238E27FC236}">
+                  <a16:creationId xmlns:a16="http://schemas.microsoft.com/office/drawing/2014/main" id="{3EBAAD80-6EB6-42AB-9073-4B05BC42573C}"/>
+                </a:ext>
+              </a:extLst>
+            </p:cNvPr>
+            <p:cNvCxnSpPr>
+              <a:stCxn id="6" idx="3"/>
+              <a:endCxn id="7" idx="1"/>
+            </p:cNvCxnSpPr>
+            <p:nvPr/>
+          </p:nvCxnSpPr>
+          <p:spPr>
+            <a:xfrm>
+              <a:off x="3719736" y="2122576"/>
+              <a:ext cx="216024" cy="0"/>
+            </a:xfrm>
+            <a:prstGeom prst="straightConnector1">
+              <a:avLst/>
+            </a:prstGeom>
+            <a:ln w="28575">
+              <a:solidFill>
+                <a:schemeClr val="tx1"/>
+              </a:solidFill>
+              <a:tailEnd type="arrow"/>
+            </a:ln>
+          </p:spPr>
+          <p:style>
+            <a:lnRef idx="1">
+              <a:schemeClr val="accent1"/>
+            </a:lnRef>
+            <a:fillRef idx="0">
+              <a:schemeClr val="accent1"/>
+            </a:fillRef>
+            <a:effectRef idx="0">
+              <a:schemeClr val="accent1"/>
+            </a:effectRef>
+            <a:fontRef idx="minor">
+              <a:schemeClr val="tx1"/>
+            </a:fontRef>
+          </p:style>
+        </p:cxnSp>
+        <p:cxnSp>
+          <p:nvCxnSpPr>
+            <p:cNvPr id="12" name="Straight Arrow Connector 11">
+              <a:extLst>
+                <a:ext uri="{FF2B5EF4-FFF2-40B4-BE49-F238E27FC236}">
+                  <a16:creationId xmlns:a16="http://schemas.microsoft.com/office/drawing/2014/main" id="{9D96748B-B743-4012-B163-DD82BC253C3B}"/>
+                </a:ext>
+              </a:extLst>
+            </p:cNvPr>
+            <p:cNvCxnSpPr>
+              <a:stCxn id="6" idx="0"/>
+              <a:endCxn id="9" idx="2"/>
+            </p:cNvCxnSpPr>
+            <p:nvPr/>
+          </p:nvCxnSpPr>
+          <p:spPr>
+            <a:xfrm flipV="1">
+              <a:off x="2819636" y="1271286"/>
+              <a:ext cx="0" cy="264946"/>
+            </a:xfrm>
+            <a:prstGeom prst="straightConnector1">
+              <a:avLst/>
+            </a:prstGeom>
+            <a:ln w="28575">
+              <a:solidFill>
+                <a:schemeClr val="tx1"/>
+              </a:solidFill>
+              <a:tailEnd type="arrow"/>
+            </a:ln>
+          </p:spPr>
+          <p:style>
+            <a:lnRef idx="1">
+              <a:schemeClr val="accent1"/>
+            </a:lnRef>
+            <a:fillRef idx="0">
+              <a:schemeClr val="accent1"/>
+            </a:fillRef>
+            <a:effectRef idx="0">
+              <a:schemeClr val="accent1"/>
+            </a:effectRef>
+            <a:fontRef idx="minor">
+              <a:schemeClr val="tx1"/>
+            </a:fontRef>
+          </p:style>
+        </p:cxnSp>
+        <p:cxnSp>
+          <p:nvCxnSpPr>
+            <p:cNvPr id="13" name="Straight Arrow Connector 15">
+              <a:extLst>
+                <a:ext uri="{FF2B5EF4-FFF2-40B4-BE49-F238E27FC236}">
+                  <a16:creationId xmlns:a16="http://schemas.microsoft.com/office/drawing/2014/main" id="{4FBA9219-051D-45A4-8550-C3B1B445C58E}"/>
+                </a:ext>
+              </a:extLst>
+            </p:cNvPr>
+            <p:cNvCxnSpPr>
+              <a:stCxn id="7" idx="3"/>
+              <a:endCxn id="5" idx="1"/>
+            </p:cNvCxnSpPr>
+            <p:nvPr/>
+          </p:nvCxnSpPr>
+          <p:spPr>
+            <a:xfrm>
+              <a:off x="5447928" y="2122576"/>
+              <a:ext cx="216024" cy="0"/>
+            </a:xfrm>
+            <a:prstGeom prst="straightConnector1">
+              <a:avLst/>
+            </a:prstGeom>
+            <a:ln w="28575">
+              <a:solidFill>
+                <a:schemeClr val="tx1"/>
+              </a:solidFill>
+              <a:tailEnd type="arrow"/>
+            </a:ln>
+          </p:spPr>
+          <p:style>
+            <a:lnRef idx="1">
+              <a:schemeClr val="accent1"/>
+            </a:lnRef>
+            <a:fillRef idx="0">
+              <a:schemeClr val="accent1"/>
+            </a:fillRef>
+            <a:effectRef idx="0">
+              <a:schemeClr val="accent1"/>
+            </a:effectRef>
+            <a:fontRef idx="minor">
+              <a:schemeClr val="tx1"/>
+            </a:fontRef>
+          </p:style>
+        </p:cxnSp>
+        <p:cxnSp>
+          <p:nvCxnSpPr>
+            <p:cNvPr id="14" name="Straight Arrow Connector 20">
+              <a:extLst>
+                <a:ext uri="{FF2B5EF4-FFF2-40B4-BE49-F238E27FC236}">
+                  <a16:creationId xmlns:a16="http://schemas.microsoft.com/office/drawing/2014/main" id="{19B75CBC-C359-4230-BF56-0BAD84EC4E53}"/>
+                </a:ext>
+              </a:extLst>
+            </p:cNvPr>
+            <p:cNvCxnSpPr>
+              <a:stCxn id="5" idx="3"/>
+              <a:endCxn id="8" idx="1"/>
+            </p:cNvCxnSpPr>
+            <p:nvPr/>
+          </p:nvCxnSpPr>
+          <p:spPr>
+            <a:xfrm>
+              <a:off x="7175952" y="2122576"/>
+              <a:ext cx="216192" cy="0"/>
+            </a:xfrm>
+            <a:prstGeom prst="straightConnector1">
+              <a:avLst/>
+            </a:prstGeom>
+            <a:ln w="28575">
+              <a:solidFill>
+                <a:schemeClr val="tx1"/>
+              </a:solidFill>
+              <a:tailEnd type="arrow"/>
+            </a:ln>
+          </p:spPr>
+          <p:style>
+            <a:lnRef idx="1">
+              <a:schemeClr val="accent1"/>
+            </a:lnRef>
+            <a:fillRef idx="0">
+              <a:schemeClr val="accent1"/>
+            </a:fillRef>
+            <a:effectRef idx="0">
+              <a:schemeClr val="accent1"/>
+            </a:effectRef>
+            <a:fontRef idx="minor">
+              <a:schemeClr val="tx1"/>
+            </a:fontRef>
+          </p:style>
+        </p:cxnSp>
+        <p:cxnSp>
+          <p:nvCxnSpPr>
+            <p:cNvPr id="15" name="Elbow Connector 27">
+              <a:extLst>
+                <a:ext uri="{FF2B5EF4-FFF2-40B4-BE49-F238E27FC236}">
+                  <a16:creationId xmlns:a16="http://schemas.microsoft.com/office/drawing/2014/main" id="{9C7D982C-893E-4F69-AE43-636C9286BB5B}"/>
+                </a:ext>
+              </a:extLst>
+            </p:cNvPr>
+            <p:cNvCxnSpPr>
+              <a:stCxn id="8" idx="2"/>
+              <a:endCxn id="6" idx="2"/>
+            </p:cNvCxnSpPr>
+            <p:nvPr/>
+          </p:nvCxnSpPr>
+          <p:spPr>
+            <a:xfrm rot="5400000">
+              <a:off x="5388741" y="-50485"/>
+              <a:ext cx="190299" cy="5328508"/>
+            </a:xfrm>
+            <a:prstGeom prst="bentConnector3">
+              <a:avLst>
+                <a:gd name="adj1" fmla="val 220127"/>
+              </a:avLst>
+            </a:prstGeom>
+            <a:ln w="28575">
+              <a:solidFill>
+                <a:schemeClr val="tx1"/>
+              </a:solidFill>
+              <a:tailEnd type="arrow"/>
+            </a:ln>
+          </p:spPr>
+          <p:style>
+            <a:lnRef idx="1">
+              <a:schemeClr val="accent1"/>
+            </a:lnRef>
+            <a:fillRef idx="0">
+              <a:schemeClr val="accent1"/>
+            </a:fillRef>
+            <a:effectRef idx="0">
+              <a:schemeClr val="accent1"/>
+            </a:effectRef>
+            <a:fontRef idx="minor">
+              <a:schemeClr val="tx1"/>
+            </a:fontRef>
+          </p:style>
+        </p:cxnSp>
+        <p:sp>
+          <p:nvSpPr>
+            <p:cNvPr id="16" name="TextBox 29">
+              <a:extLst>
+                <a:ext uri="{FF2B5EF4-FFF2-40B4-BE49-F238E27FC236}">
+                  <a16:creationId xmlns:a16="http://schemas.microsoft.com/office/drawing/2014/main" id="{A3527896-5332-4254-99A9-92B1ACC56151}"/>
+                </a:ext>
+              </a:extLst>
+            </p:cNvPr>
+            <p:cNvSpPr txBox="1"/>
+            <p:nvPr/>
+          </p:nvSpPr>
+          <p:spPr>
+            <a:xfrm>
+              <a:off x="2843808" y="1268760"/>
+              <a:ext cx="504056" cy="369332"/>
+            </a:xfrm>
+            <a:prstGeom prst="rect">
+              <a:avLst/>
+            </a:prstGeom>
+            <a:noFill/>
+          </p:spPr>
+          <p:txBody>
+            <a:bodyPr wrap="square" rtlCol="0">
+              <a:spAutoFit/>
+            </a:bodyPr>
+            <a:lstStyle/>
+            <a:p>
+              <a:r>
+                <a:rPr lang="en-US" b="1" dirty="0"/>
+                <a:t>Yes</a:t>
+              </a:r>
+            </a:p>
+          </p:txBody>
+        </p:sp>
+        <p:sp>
+          <p:nvSpPr>
+            <p:cNvPr id="17" name="TextBox 32">
+              <a:extLst>
+                <a:ext uri="{FF2B5EF4-FFF2-40B4-BE49-F238E27FC236}">
+                  <a16:creationId xmlns:a16="http://schemas.microsoft.com/office/drawing/2014/main" id="{F28FE012-68A4-4156-ABB3-3F524C0FC10A}"/>
+                </a:ext>
+              </a:extLst>
+            </p:cNvPr>
+            <p:cNvSpPr txBox="1"/>
+            <p:nvPr/>
+          </p:nvSpPr>
+          <p:spPr>
+            <a:xfrm>
+              <a:off x="3491880" y="2195572"/>
+              <a:ext cx="504056" cy="369332"/>
+            </a:xfrm>
+            <a:prstGeom prst="rect">
+              <a:avLst/>
+            </a:prstGeom>
+            <a:noFill/>
+          </p:spPr>
+          <p:txBody>
+            <a:bodyPr wrap="square" rtlCol="0">
+              <a:spAutoFit/>
+            </a:bodyPr>
+            <a:lstStyle/>
+            <a:p>
+              <a:r>
+                <a:rPr lang="en-US" b="1" dirty="0"/>
+                <a:t>No</a:t>
+              </a:r>
+            </a:p>
+          </p:txBody>
+        </p:sp>
+      </p:grpSp>
+    </p:spTree>
+    <p:extLst>
+      <p:ext uri="{BB962C8B-B14F-4D97-AF65-F5344CB8AC3E}">
+        <p14:creationId xmlns:p14="http://schemas.microsoft.com/office/powerpoint/2010/main" val="2071250284"/>
+      </p:ext>
+    </p:extLst>
+  </p:cSld>
+  <p:clrMapOvr>
+    <a:masterClrMapping/>
+  </p:clrMapOvr>
+</p:sld>
+</file>
+
+<file path=ppt/slides/slide18.xml><?xml version="1.0" encoding="utf-8"?>
+<p:sld xmlns:a="http://schemas.openxmlformats.org/drawingml/2006/main" xmlns:r="http://schemas.openxmlformats.org/officeDocument/2006/relationships" xmlns:p="http://schemas.openxmlformats.org/presentationml/2006/main">
+  <p:cSld>
+    <p:spTree>
+      <p:nvGrpSpPr>
+        <p:cNvPr id="1" name=""/>
+        <p:cNvGrpSpPr/>
+        <p:nvPr/>
+      </p:nvGrpSpPr>
+      <p:grpSpPr>
+        <a:xfrm>
+          <a:off x="0" y="0"/>
+          <a:ext cx="0" cy="0"/>
+          <a:chOff x="0" y="0"/>
+          <a:chExt cx="0" cy="0"/>
+        </a:xfrm>
+      </p:grpSpPr>
+      <p:sp>
+        <p:nvSpPr>
+          <p:cNvPr id="2" name="Titre 1">
+            <a:extLst>
+              <a:ext uri="{FF2B5EF4-FFF2-40B4-BE49-F238E27FC236}">
+                <a16:creationId xmlns:a16="http://schemas.microsoft.com/office/drawing/2014/main" id="{DEFA8838-2B44-42FF-879A-564D9CE6EB3B}"/>
+              </a:ext>
+            </a:extLst>
+          </p:cNvPr>
+          <p:cNvSpPr>
+            <a:spLocks noGrp="1"/>
+          </p:cNvSpPr>
+          <p:nvPr>
+            <p:ph type="title"/>
+          </p:nvPr>
+        </p:nvSpPr>
+        <p:spPr/>
+        <p:txBody>
+          <a:bodyPr/>
+          <a:lstStyle/>
+          <a:p>
+            <a:r>
+              <a:rPr lang="en-US" dirty="0"/>
+              <a:t>Issues with stochastic techniques</a:t>
+            </a:r>
+          </a:p>
+        </p:txBody>
+      </p:sp>
+      <p:sp>
+        <p:nvSpPr>
+          <p:cNvPr id="3" name="Espace réservé du texte 2">
+            <a:extLst>
+              <a:ext uri="{FF2B5EF4-FFF2-40B4-BE49-F238E27FC236}">
+                <a16:creationId xmlns:a16="http://schemas.microsoft.com/office/drawing/2014/main" id="{7DECF792-18E0-4F92-9EC1-FC812CA66C19}"/>
+              </a:ext>
+            </a:extLst>
+          </p:cNvPr>
+          <p:cNvSpPr>
+            <a:spLocks noGrp="1"/>
+          </p:cNvSpPr>
+          <p:nvPr>
+            <p:ph type="body" sz="quarter" idx="10"/>
+          </p:nvPr>
+        </p:nvSpPr>
+        <p:spPr/>
+        <p:txBody>
+          <a:bodyPr/>
+          <a:lstStyle/>
+          <a:p>
+            <a:r>
+              <a:rPr lang="en-US" dirty="0"/>
+              <a:t>Large number of evaluations required</a:t>
+            </a:r>
+          </a:p>
+          <a:p>
+            <a:r>
+              <a:rPr lang="en-US" dirty="0"/>
+              <a:t>Exploration vs exploitation / step size</a:t>
+            </a:r>
+          </a:p>
+          <a:p>
+            <a:endParaRPr lang="en-US" dirty="0"/>
+          </a:p>
+        </p:txBody>
+      </p:sp>
+      <p:pic>
+        <p:nvPicPr>
+          <p:cNvPr id="1026" name="Picture 2" descr="Issues: Korn: Amazon.it: CD e Vinili}">
+            <a:extLst>
+              <a:ext uri="{FF2B5EF4-FFF2-40B4-BE49-F238E27FC236}">
+                <a16:creationId xmlns:a16="http://schemas.microsoft.com/office/drawing/2014/main" id="{45E5BC94-0957-4E3B-AA92-C17461573484}"/>
+              </a:ext>
+            </a:extLst>
+          </p:cNvPr>
+          <p:cNvPicPr>
+            <a:picLocks noChangeAspect="1" noChangeArrowheads="1"/>
+          </p:cNvPicPr>
+          <p:nvPr/>
+        </p:nvPicPr>
+        <p:blipFill>
+          <a:blip r:embed="rId2" cstate="print">
+            <a:extLst>
+              <a:ext uri="{28A0092B-C50C-407E-A947-70E740481C1C}">
+                <a14:useLocalDpi xmlns:a14="http://schemas.microsoft.com/office/drawing/2010/main" val="0"/>
+              </a:ext>
+            </a:extLst>
+          </a:blip>
+          <a:srcRect/>
+          <a:stretch>
+            <a:fillRect/>
+          </a:stretch>
+        </p:blipFill>
+        <p:spPr bwMode="auto">
+          <a:xfrm>
+            <a:off x="8101520" y="2846895"/>
+            <a:ext cx="3252280" cy="3252280"/>
+          </a:xfrm>
+          <a:prstGeom prst="rect">
+            <a:avLst/>
+          </a:prstGeom>
+          <a:noFill/>
+          <a:extLst>
+            <a:ext uri="{909E8E84-426E-40DD-AFC4-6F175D3DCCD1}">
+              <a14:hiddenFill xmlns:a14="http://schemas.microsoft.com/office/drawing/2010/main">
+                <a:solidFill>
+                  <a:srgbClr val="FFFFFF"/>
+                </a:solidFill>
+              </a14:hiddenFill>
+            </a:ext>
+          </a:extLst>
+        </p:spPr>
+      </p:pic>
+    </p:spTree>
+    <p:extLst>
+      <p:ext uri="{BB962C8B-B14F-4D97-AF65-F5344CB8AC3E}">
+        <p14:creationId xmlns:p14="http://schemas.microsoft.com/office/powerpoint/2010/main" val="603848495"/>
+      </p:ext>
+    </p:extLst>
+  </p:cSld>
+  <p:clrMapOvr>
+    <a:masterClrMapping/>
+  </p:clrMapOvr>
+</p:sld>
+</file>
+
+<file path=ppt/slides/slide19.xml><?xml version="1.0" encoding="utf-8"?>
+<p:sld xmlns:a="http://schemas.openxmlformats.org/drawingml/2006/main" xmlns:r="http://schemas.openxmlformats.org/officeDocument/2006/relationships" xmlns:p="http://schemas.openxmlformats.org/presentationml/2006/main">
+  <p:cSld>
+    <p:spTree>
+      <p:nvGrpSpPr>
+        <p:cNvPr id="1" name=""/>
+        <p:cNvGrpSpPr/>
+        <p:nvPr/>
+      </p:nvGrpSpPr>
+      <p:grpSpPr>
+        <a:xfrm>
+          <a:off x="0" y="0"/>
+          <a:ext cx="0" cy="0"/>
+          <a:chOff x="0" y="0"/>
+          <a:chExt cx="0" cy="0"/>
+        </a:xfrm>
+      </p:grpSpPr>
+      <p:sp>
+        <p:nvSpPr>
+          <p:cNvPr id="4" name="Titre 3">
+            <a:extLst>
+              <a:ext uri="{FF2B5EF4-FFF2-40B4-BE49-F238E27FC236}">
+                <a16:creationId xmlns:a16="http://schemas.microsoft.com/office/drawing/2014/main" id="{B53E8A05-42BD-489E-BF5F-958C213739DF}"/>
+              </a:ext>
+            </a:extLst>
+          </p:cNvPr>
+          <p:cNvSpPr>
+            <a:spLocks noGrp="1"/>
+          </p:cNvSpPr>
+          <p:nvPr>
+            <p:ph type="ctrTitle"/>
+          </p:nvPr>
+        </p:nvSpPr>
+        <p:spPr/>
+        <p:txBody>
+          <a:bodyPr/>
+          <a:lstStyle/>
+          <a:p>
+            <a:r>
+              <a:rPr lang="en-US" dirty="0"/>
+              <a:t>Questions?</a:t>
+            </a:r>
+          </a:p>
+        </p:txBody>
+      </p:sp>
+      <p:sp>
+        <p:nvSpPr>
+          <p:cNvPr id="5" name="Sous-titre 4">
+            <a:extLst>
+              <a:ext uri="{FF2B5EF4-FFF2-40B4-BE49-F238E27FC236}">
+                <a16:creationId xmlns:a16="http://schemas.microsoft.com/office/drawing/2014/main" id="{CEB63DBD-0FC0-4057-AC92-1717C1D0ED55}"/>
+              </a:ext>
+            </a:extLst>
+          </p:cNvPr>
+          <p:cNvSpPr>
+            <a:spLocks noGrp="1"/>
+          </p:cNvSpPr>
+          <p:nvPr>
+            <p:ph type="subTitle" idx="1"/>
+          </p:nvPr>
+        </p:nvSpPr>
+        <p:spPr/>
+        <p:txBody>
+          <a:bodyPr>
+            <a:noAutofit/>
+          </a:bodyPr>
+          <a:lstStyle/>
+          <a:p>
+            <a:r>
+              <a:rPr lang="en-US" dirty="0"/>
+              <a:t>Bibliography</a:t>
+            </a:r>
+            <a:br>
+              <a:rPr lang="en-US" dirty="0"/>
+            </a:br>
+            <a:r>
+              <a:rPr lang="en-US" dirty="0"/>
+              <a:t>- </a:t>
+            </a:r>
+            <a:r>
+              <a:rPr lang="en-US" dirty="0" err="1"/>
+              <a:t>Kochenderfer</a:t>
+            </a:r>
+            <a:r>
+              <a:rPr lang="en-US" dirty="0"/>
+              <a:t> &amp; Wheeler, </a:t>
+            </a:r>
+            <a:r>
+              <a:rPr lang="en-US" i="1" dirty="0"/>
+              <a:t>Algorithms for Optimization</a:t>
+            </a:r>
+            <a:r>
+              <a:rPr lang="en-US" dirty="0"/>
+              <a:t>, MIT Press, 2019</a:t>
+            </a:r>
+            <a:br>
+              <a:rPr lang="en-US" dirty="0"/>
+            </a:br>
+            <a:r>
+              <a:rPr lang="en-US" dirty="0"/>
+              <a:t>- De Jong, </a:t>
+            </a:r>
+            <a:r>
+              <a:rPr lang="en-US" i="1" dirty="0"/>
+              <a:t>Evolutionary Computation: A Unified Approach</a:t>
+            </a:r>
+            <a:r>
+              <a:rPr lang="en-US" dirty="0"/>
+              <a:t>, 2016</a:t>
+            </a:r>
+          </a:p>
+          <a:p>
+            <a:r>
+              <a:rPr lang="en-US" dirty="0"/>
+              <a:t>Images: unless otherwise stated, I stole them from the Internet. I hope they are not copyrighted, or that their use falls under the Fair Use clause, and if not, I am sorry. Please don’t sue me.</a:t>
+            </a:r>
+          </a:p>
+        </p:txBody>
+      </p:sp>
+      <p:pic>
+        <p:nvPicPr>
+          <p:cNvPr id="6" name="Picture 2">
+            <a:extLst>
+              <a:ext uri="{FF2B5EF4-FFF2-40B4-BE49-F238E27FC236}">
+                <a16:creationId xmlns:a16="http://schemas.microsoft.com/office/drawing/2014/main" id="{6E214693-AB7E-4C54-8D7C-0391735F7C4F}"/>
+              </a:ext>
+            </a:extLst>
+          </p:cNvPr>
+          <p:cNvPicPr>
+            <a:picLocks noChangeAspect="1" noChangeArrowheads="1"/>
+          </p:cNvPicPr>
+          <p:nvPr/>
+        </p:nvPicPr>
+        <p:blipFill rotWithShape="1">
+          <a:blip r:embed="rId2">
+            <a:extLst>
+              <a:ext uri="{BEBA8EAE-BF5A-486C-A8C5-ECC9F3942E4B}">
+                <a14:imgProps xmlns:a14="http://schemas.microsoft.com/office/drawing/2010/main">
+                  <a14:imgLayer r:embed="rId3">
+                    <a14:imgEffect>
+                      <a14:backgroundRemoval t="22283" b="75673" l="54554" r="90983"/>
+                    </a14:imgEffect>
+                  </a14:imgLayer>
+                </a14:imgProps>
+              </a:ext>
+              <a:ext uri="{28A0092B-C50C-407E-A947-70E740481C1C}">
+                <a14:useLocalDpi xmlns:a14="http://schemas.microsoft.com/office/drawing/2010/main" val="0"/>
+              </a:ext>
+            </a:extLst>
+          </a:blip>
+          <a:srcRect l="50000" t="15610" r="4463" b="17653"/>
+          <a:stretch/>
+        </p:blipFill>
+        <p:spPr bwMode="auto">
+          <a:xfrm>
+            <a:off x="4938382" y="1037974"/>
+            <a:ext cx="1295445" cy="884352"/>
+          </a:xfrm>
+          <a:prstGeom prst="rect">
+            <a:avLst/>
+          </a:prstGeom>
+          <a:noFill/>
+          <a:extLst>
+            <a:ext uri="{909E8E84-426E-40DD-AFC4-6F175D3DCCD1}">
+              <a14:hiddenFill xmlns:a14="http://schemas.microsoft.com/office/drawing/2010/main">
+                <a:solidFill>
+                  <a:srgbClr val="FFFFFF"/>
+                </a:solidFill>
+              </a14:hiddenFill>
+            </a:ext>
+          </a:extLst>
+        </p:spPr>
+      </p:pic>
+      <p:pic>
+        <p:nvPicPr>
+          <p:cNvPr id="7" name="Image 6">
+            <a:extLst>
+              <a:ext uri="{FF2B5EF4-FFF2-40B4-BE49-F238E27FC236}">
+                <a16:creationId xmlns:a16="http://schemas.microsoft.com/office/drawing/2014/main" id="{414D43F9-35B6-46FA-B5D4-8F2F1AA72ED1}"/>
+              </a:ext>
+            </a:extLst>
+          </p:cNvPr>
+          <p:cNvPicPr>
+            <a:picLocks noChangeAspect="1"/>
+          </p:cNvPicPr>
+          <p:nvPr/>
+        </p:nvPicPr>
+        <p:blipFill>
+          <a:blip r:embed="rId4"/>
+          <a:stretch>
+            <a:fillRect/>
+          </a:stretch>
+        </p:blipFill>
+        <p:spPr>
+          <a:xfrm>
+            <a:off x="6383826" y="1073027"/>
+            <a:ext cx="1642424" cy="574848"/>
+          </a:xfrm>
+          <a:prstGeom prst="rect">
+            <a:avLst/>
+          </a:prstGeom>
+        </p:spPr>
+      </p:pic>
+    </p:spTree>
+    <p:extLst>
+      <p:ext uri="{BB962C8B-B14F-4D97-AF65-F5344CB8AC3E}">
+        <p14:creationId xmlns:p14="http://schemas.microsoft.com/office/powerpoint/2010/main" val="938009228"/>
       </p:ext>
     </p:extLst>
   </p:cSld>
@@ -1825,7 +5743,7 @@
             <a:pPr lvl="1"/>
             <a:r>
               <a:rPr lang="it-IT" dirty="0"/>
-              <a:t>Simulated annealing</a:t>
+              <a:t>Basin hopping</a:t>
             </a:r>
           </a:p>
           <a:p>
@@ -2002,7 +5920,7 @@
           <p:cNvPr id="2" name="Titre 1">
             <a:extLst>
               <a:ext uri="{FF2B5EF4-FFF2-40B4-BE49-F238E27FC236}">
-                <a16:creationId xmlns:a16="http://schemas.microsoft.com/office/drawing/2014/main" id="{5DD07DCC-0363-4688-8874-1DED3D81EA72}"/>
+                <a16:creationId xmlns:a16="http://schemas.microsoft.com/office/drawing/2014/main" id="{4EEA8FF5-9E9F-4C09-BA1C-91DD130DD54B}"/>
               </a:ext>
             </a:extLst>
           </p:cNvPr>
@@ -2025,35 +5943,200 @@
           </a:p>
         </p:txBody>
       </p:sp>
-      <p:sp>
-        <p:nvSpPr>
-          <p:cNvPr id="3" name="Espace réservé du texte 2">
-            <a:extLst>
-              <a:ext uri="{FF2B5EF4-FFF2-40B4-BE49-F238E27FC236}">
-                <a16:creationId xmlns:a16="http://schemas.microsoft.com/office/drawing/2014/main" id="{5186B706-7875-4D7F-B5D9-4771BCFE8AF1}"/>
-              </a:ext>
-            </a:extLst>
-          </p:cNvPr>
-          <p:cNvSpPr>
-            <a:spLocks noGrp="1"/>
-          </p:cNvSpPr>
-          <p:nvPr>
-            <p:ph type="body" sz="quarter" idx="10"/>
-          </p:nvPr>
-        </p:nvSpPr>
-        <p:spPr/>
-        <p:txBody>
-          <a:bodyPr/>
-          <a:lstStyle/>
-          <a:p>
-            <a:endParaRPr lang="en-US"/>
-          </a:p>
-        </p:txBody>
-      </p:sp>
+      <mc:AlternateContent xmlns:mc="http://schemas.openxmlformats.org/markup-compatibility/2006" xmlns:a14="http://schemas.microsoft.com/office/drawing/2010/main">
+        <mc:Choice Requires="a14">
+          <p:sp>
+            <p:nvSpPr>
+              <p:cNvPr id="3" name="Espace réservé du texte 2">
+                <a:extLst>
+                  <a:ext uri="{FF2B5EF4-FFF2-40B4-BE49-F238E27FC236}">
+                    <a16:creationId xmlns:a16="http://schemas.microsoft.com/office/drawing/2014/main" id="{AFA941F9-C91F-4CE8-ADDD-9CA19268F90A}"/>
+                  </a:ext>
+                </a:extLst>
+              </p:cNvPr>
+              <p:cNvSpPr>
+                <a:spLocks noGrp="1"/>
+              </p:cNvSpPr>
+              <p:nvPr>
+                <p:ph type="body" sz="quarter" idx="10"/>
+              </p:nvPr>
+            </p:nvSpPr>
+            <p:spPr/>
+            <p:txBody>
+              <a:bodyPr/>
+              <a:lstStyle/>
+              <a:p>
+                <a:r>
+                  <a:rPr lang="en-US" dirty="0"/>
+                  <a:t>Derivative </a:t>
+                </a:r>
+                <a14:m>
+                  <m:oMath xmlns:m="http://schemas.openxmlformats.org/officeDocument/2006/math">
+                    <m:r>
+                      <a:rPr lang="it-IT" b="0" i="1" smtClean="0">
+                        <a:latin typeface="Cambria Math" panose="02040503050406030204" pitchFamily="18" charset="0"/>
+                      </a:rPr>
+                      <m:t>𝑓</m:t>
+                    </m:r>
+                    <m:r>
+                      <a:rPr lang="it-IT" b="0" i="1" smtClean="0">
+                        <a:latin typeface="Cambria Math" panose="02040503050406030204" pitchFamily="18" charset="0"/>
+                      </a:rPr>
+                      <m:t>′(</m:t>
+                    </m:r>
+                    <m:r>
+                      <a:rPr lang="it-IT" b="0" i="1" smtClean="0">
+                        <a:latin typeface="Cambria Math" panose="02040503050406030204" pitchFamily="18" charset="0"/>
+                      </a:rPr>
+                      <m:t>𝑥</m:t>
+                    </m:r>
+                    <m:r>
+                      <a:rPr lang="it-IT" b="0" i="1" smtClean="0">
+                        <a:latin typeface="Cambria Math" panose="02040503050406030204" pitchFamily="18" charset="0"/>
+                      </a:rPr>
+                      <m:t>)</m:t>
+                    </m:r>
+                  </m:oMath>
+                </a14:m>
+                <a:r>
+                  <a:rPr lang="en-US" dirty="0"/>
+                  <a:t> of a function </a:t>
+                </a:r>
+                <a14:m>
+                  <m:oMath xmlns:m="http://schemas.openxmlformats.org/officeDocument/2006/math">
+                    <m:r>
+                      <a:rPr lang="it-IT" b="0" i="1" smtClean="0">
+                        <a:latin typeface="Cambria Math" panose="02040503050406030204" pitchFamily="18" charset="0"/>
+                      </a:rPr>
+                      <m:t>𝑓</m:t>
+                    </m:r>
+                    <m:d>
+                      <m:dPr>
+                        <m:ctrlPr>
+                          <a:rPr lang="it-IT" b="0" i="1" smtClean="0">
+                            <a:latin typeface="Cambria Math" panose="02040503050406030204" pitchFamily="18" charset="0"/>
+                          </a:rPr>
+                        </m:ctrlPr>
+                      </m:dPr>
+                      <m:e>
+                        <m:r>
+                          <a:rPr lang="it-IT" b="0" i="1" smtClean="0">
+                            <a:latin typeface="Cambria Math" panose="02040503050406030204" pitchFamily="18" charset="0"/>
+                          </a:rPr>
+                          <m:t>𝑥</m:t>
+                        </m:r>
+                      </m:e>
+                    </m:d>
+                  </m:oMath>
+                </a14:m>
+                <a:r>
+                  <a:rPr lang="en-US" dirty="0"/>
+                  <a:t> in a single point</a:t>
+                </a:r>
+              </a:p>
+              <a:p>
+                <a:pPr lvl="1"/>
+                <a:r>
+                  <a:rPr lang="en-US" dirty="0"/>
+                  <a:t>Rate at which the value of </a:t>
+                </a:r>
+                <a:r>
+                  <a:rPr lang="en-US" i="1" dirty="0"/>
+                  <a:t>f</a:t>
+                </a:r>
+                <a:r>
+                  <a:rPr lang="en-US" dirty="0"/>
+                  <a:t> changes at </a:t>
+                </a:r>
+                <a:r>
+                  <a:rPr lang="en-US" i="1" dirty="0"/>
+                  <a:t>x</a:t>
+                </a:r>
+              </a:p>
+              <a:p>
+                <a:pPr lvl="1"/>
+                <a:r>
+                  <a:rPr lang="en-US" dirty="0"/>
+                  <a:t>Can be visualized as a tangent line, derivative is the slope</a:t>
+                </a:r>
+              </a:p>
+            </p:txBody>
+          </p:sp>
+        </mc:Choice>
+        <mc:Fallback xmlns="">
+          <p:sp>
+            <p:nvSpPr>
+              <p:cNvPr id="3" name="Espace réservé du texte 2">
+                <a:extLst>
+                  <a:ext uri="{FF2B5EF4-FFF2-40B4-BE49-F238E27FC236}">
+                    <a16:creationId xmlns:a16="http://schemas.microsoft.com/office/drawing/2014/main" id="{AFA941F9-C91F-4CE8-ADDD-9CA19268F90A}"/>
+                  </a:ext>
+                </a:extLst>
+              </p:cNvPr>
+              <p:cNvSpPr>
+                <a:spLocks noGrp="1" noRot="1" noChangeAspect="1" noMove="1" noResize="1" noEditPoints="1" noAdjustHandles="1" noChangeArrowheads="1" noChangeShapeType="1" noTextEdit="1"/>
+              </p:cNvSpPr>
+              <p:nvPr>
+                <p:ph type="body" sz="quarter" idx="10"/>
+              </p:nvPr>
+            </p:nvSpPr>
+            <p:spPr>
+              <a:blipFill>
+                <a:blip r:embed="rId2"/>
+                <a:stretch>
+                  <a:fillRect l="-1333" t="-2604"/>
+                </a:stretch>
+              </a:blipFill>
+            </p:spPr>
+            <p:txBody>
+              <a:bodyPr/>
+              <a:lstStyle/>
+              <a:p>
+                <a:r>
+                  <a:rPr lang="en-US">
+                    <a:noFill/>
+                  </a:rPr>
+                  <a:t> </a:t>
+                </a:r>
+              </a:p>
+            </p:txBody>
+          </p:sp>
+        </mc:Fallback>
+      </mc:AlternateContent>
+      <p:pic>
+        <p:nvPicPr>
+          <p:cNvPr id="5" name="Image 4">
+            <a:extLst>
+              <a:ext uri="{FF2B5EF4-FFF2-40B4-BE49-F238E27FC236}">
+                <a16:creationId xmlns:a16="http://schemas.microsoft.com/office/drawing/2014/main" id="{B747DAA4-1E16-48F3-9D3F-10F1FA01B497}"/>
+              </a:ext>
+            </a:extLst>
+          </p:cNvPr>
+          <p:cNvPicPr>
+            <a:picLocks noChangeAspect="1"/>
+          </p:cNvPicPr>
+          <p:nvPr/>
+        </p:nvPicPr>
+        <p:blipFill>
+          <a:blip r:embed="rId3"/>
+          <a:stretch>
+            <a:fillRect/>
+          </a:stretch>
+        </p:blipFill>
+        <p:spPr>
+          <a:xfrm>
+            <a:off x="3497345" y="3075829"/>
+            <a:ext cx="3987790" cy="2797070"/>
+          </a:xfrm>
+          <a:prstGeom prst="rect">
+            <a:avLst/>
+          </a:prstGeom>
+        </p:spPr>
+      </p:pic>
     </p:spTree>
     <p:extLst>
       <p:ext uri="{BB962C8B-B14F-4D97-AF65-F5344CB8AC3E}">
-        <p14:creationId xmlns:p14="http://schemas.microsoft.com/office/powerpoint/2010/main" val="1225886703"/>
+        <p14:creationId xmlns:p14="http://schemas.microsoft.com/office/powerpoint/2010/main" val="2965159244"/>
       </p:ext>
     </p:extLst>
   </p:cSld>
@@ -2085,7 +6168,7 @@
           <p:cNvPr id="2" name="Titre 1">
             <a:extLst>
               <a:ext uri="{FF2B5EF4-FFF2-40B4-BE49-F238E27FC236}">
-                <a16:creationId xmlns:a16="http://schemas.microsoft.com/office/drawing/2014/main" id="{64CD972C-FA2A-4DAA-8A10-5B6F6F31AEB1}"/>
+                <a16:creationId xmlns:a16="http://schemas.microsoft.com/office/drawing/2014/main" id="{B09F24D7-3C29-464F-AA18-34F466A4E0A2}"/>
               </a:ext>
             </a:extLst>
           </p:cNvPr>
@@ -2103,7 +6186,7 @@
           <a:p>
             <a:r>
               <a:rPr lang="en-US" dirty="0"/>
-              <a:t>Issues with gradient-based techniques</a:t>
+              <a:t>Gradient-based techniques</a:t>
             </a:r>
           </a:p>
         </p:txBody>
@@ -2113,7 +6196,7 @@
           <p:cNvPr id="3" name="Espace réservé du texte 2">
             <a:extLst>
               <a:ext uri="{FF2B5EF4-FFF2-40B4-BE49-F238E27FC236}">
-                <a16:creationId xmlns:a16="http://schemas.microsoft.com/office/drawing/2014/main" id="{D5241D11-0957-4068-BBEE-9817CC712F27}"/>
+                <a16:creationId xmlns:a16="http://schemas.microsoft.com/office/drawing/2014/main" id="{F93405B9-D5C7-4C02-A039-D84E4FF6A4BC}"/>
               </a:ext>
             </a:extLst>
           </p:cNvPr>
@@ -2131,15 +6214,130 @@
           <a:p>
             <a:r>
               <a:rPr lang="en-US" dirty="0"/>
-              <a:t>Brainstorming!</a:t>
-            </a:r>
+              <a:t>Different interchangeable notations</a:t>
+            </a:r>
+          </a:p>
+          <a:p>
+            <a:endParaRPr lang="en-US" dirty="0"/>
+          </a:p>
+          <a:p>
+            <a:endParaRPr lang="en-US" dirty="0"/>
+          </a:p>
+          <a:p>
+            <a:r>
+              <a:rPr lang="en-US" dirty="0"/>
+              <a:t>Derivative in multiple dimensions is the </a:t>
+            </a:r>
+            <a:r>
+              <a:rPr lang="en-US" b="1" dirty="0"/>
+              <a:t>gradient (Jacobian)</a:t>
+            </a:r>
+          </a:p>
+          <a:p>
+            <a:endParaRPr lang="en-US" b="1" dirty="0"/>
+          </a:p>
+          <a:p>
+            <a:endParaRPr lang="en-US" b="1" dirty="0"/>
+          </a:p>
+          <a:p>
+            <a:endParaRPr lang="en-US" dirty="0"/>
           </a:p>
         </p:txBody>
       </p:sp>
+      <p:pic>
+        <p:nvPicPr>
+          <p:cNvPr id="5" name="Image 4">
+            <a:extLst>
+              <a:ext uri="{FF2B5EF4-FFF2-40B4-BE49-F238E27FC236}">
+                <a16:creationId xmlns:a16="http://schemas.microsoft.com/office/drawing/2014/main" id="{9B74AD0E-8651-48F0-B40E-8F9CCBD15FC2}"/>
+              </a:ext>
+            </a:extLst>
+          </p:cNvPr>
+          <p:cNvPicPr>
+            <a:picLocks noChangeAspect="1"/>
+          </p:cNvPicPr>
+          <p:nvPr/>
+        </p:nvPicPr>
+        <p:blipFill>
+          <a:blip r:embed="rId2"/>
+          <a:stretch>
+            <a:fillRect/>
+          </a:stretch>
+        </p:blipFill>
+        <p:spPr>
+          <a:xfrm>
+            <a:off x="4509183" y="1853913"/>
+            <a:ext cx="2400635" cy="1057423"/>
+          </a:xfrm>
+          <a:prstGeom prst="rect">
+            <a:avLst/>
+          </a:prstGeom>
+        </p:spPr>
+      </p:pic>
+      <p:pic>
+        <p:nvPicPr>
+          <p:cNvPr id="7" name="Image 6">
+            <a:extLst>
+              <a:ext uri="{FF2B5EF4-FFF2-40B4-BE49-F238E27FC236}">
+                <a16:creationId xmlns:a16="http://schemas.microsoft.com/office/drawing/2014/main" id="{257783C1-2360-48A1-9745-F78D7B8A8C90}"/>
+              </a:ext>
+            </a:extLst>
+          </p:cNvPr>
+          <p:cNvPicPr>
+            <a:picLocks noChangeAspect="1"/>
+          </p:cNvPicPr>
+          <p:nvPr/>
+        </p:nvPicPr>
+        <p:blipFill>
+          <a:blip r:embed="rId3"/>
+          <a:stretch>
+            <a:fillRect/>
+          </a:stretch>
+        </p:blipFill>
+        <p:spPr>
+          <a:xfrm>
+            <a:off x="1194773" y="3638359"/>
+            <a:ext cx="5277587" cy="866896"/>
+          </a:xfrm>
+          <a:prstGeom prst="rect">
+            <a:avLst/>
+          </a:prstGeom>
+        </p:spPr>
+      </p:pic>
+      <p:pic>
+        <p:nvPicPr>
+          <p:cNvPr id="9" name="Image 8">
+            <a:extLst>
+              <a:ext uri="{FF2B5EF4-FFF2-40B4-BE49-F238E27FC236}">
+                <a16:creationId xmlns:a16="http://schemas.microsoft.com/office/drawing/2014/main" id="{52F3DC91-E8FA-4D77-A28F-5B2B2E9FC7DB}"/>
+              </a:ext>
+            </a:extLst>
+          </p:cNvPr>
+          <p:cNvPicPr>
+            <a:picLocks noChangeAspect="1"/>
+          </p:cNvPicPr>
+          <p:nvPr/>
+        </p:nvPicPr>
+        <p:blipFill>
+          <a:blip r:embed="rId4"/>
+          <a:stretch>
+            <a:fillRect/>
+          </a:stretch>
+        </p:blipFill>
+        <p:spPr>
+          <a:xfrm>
+            <a:off x="6909818" y="3591224"/>
+            <a:ext cx="4423730" cy="2357767"/>
+          </a:xfrm>
+          <a:prstGeom prst="rect">
+            <a:avLst/>
+          </a:prstGeom>
+        </p:spPr>
+      </p:pic>
     </p:spTree>
     <p:extLst>
       <p:ext uri="{BB962C8B-B14F-4D97-AF65-F5344CB8AC3E}">
-        <p14:creationId xmlns:p14="http://schemas.microsoft.com/office/powerpoint/2010/main" val="282497166"/>
+        <p14:creationId xmlns:p14="http://schemas.microsoft.com/office/powerpoint/2010/main" val="1375165977"/>
       </p:ext>
     </p:extLst>
   </p:cSld>
@@ -2171,7 +6369,7 @@
           <p:cNvPr id="2" name="Titre 1">
             <a:extLst>
               <a:ext uri="{FF2B5EF4-FFF2-40B4-BE49-F238E27FC236}">
-                <a16:creationId xmlns:a16="http://schemas.microsoft.com/office/drawing/2014/main" id="{6E8B27F1-2098-465F-B83F-3123A3370907}"/>
+                <a16:creationId xmlns:a16="http://schemas.microsoft.com/office/drawing/2014/main" id="{5DD07DCC-0363-4688-8874-1DED3D81EA72}"/>
               </a:ext>
             </a:extLst>
           </p:cNvPr>
@@ -2189,7 +6387,7 @@
           <a:p>
             <a:r>
               <a:rPr lang="en-US" dirty="0"/>
-              <a:t>Issues with gradient-based techniques</a:t>
+              <a:t>Gradient-based techniques</a:t>
             </a:r>
           </a:p>
         </p:txBody>
@@ -2199,7 +6397,7 @@
           <p:cNvPr id="3" name="Espace réservé du texte 2">
             <a:extLst>
               <a:ext uri="{FF2B5EF4-FFF2-40B4-BE49-F238E27FC236}">
-                <a16:creationId xmlns:a16="http://schemas.microsoft.com/office/drawing/2014/main" id="{AE148438-185B-435D-9D83-E60BEDDB88B4}"/>
+                <a16:creationId xmlns:a16="http://schemas.microsoft.com/office/drawing/2014/main" id="{5186B706-7875-4D7F-B5D9-4771BCFE8AF1}"/>
               </a:ext>
             </a:extLst>
           </p:cNvPr>
@@ -2217,25 +6415,71 @@
           <a:p>
             <a:r>
               <a:rPr lang="en-US" dirty="0"/>
-              <a:t>Starting point </a:t>
-            </a:r>
-            <a:r>
-              <a:rPr lang="en-US"/>
-              <a:t>of exploration matters</a:t>
+              <a:t>Simple intuition: always follow steepest descent/ascent</a:t>
             </a:r>
           </a:p>
           <a:p>
             <a:r>
               <a:rPr lang="en-US" dirty="0"/>
-              <a:t>Hard to get out of local optima</a:t>
+              <a:t>Assumptions</a:t>
+            </a:r>
+          </a:p>
+          <a:p>
+            <a:pPr lvl="1"/>
+            <a:r>
+              <a:rPr lang="en-US" dirty="0"/>
+              <a:t>Gradient can be computed</a:t>
+            </a:r>
+          </a:p>
+          <a:p>
+            <a:pPr lvl="1"/>
+            <a:r>
+              <a:rPr lang="en-US" dirty="0"/>
+              <a:t>Function is convex (guarantees</a:t>
+            </a:r>
+            <a:br>
+              <a:rPr lang="en-US" dirty="0"/>
+            </a:br>
+            <a:r>
+              <a:rPr lang="en-US" dirty="0"/>
+              <a:t>global optimum)</a:t>
             </a:r>
           </a:p>
         </p:txBody>
       </p:sp>
+      <p:pic>
+        <p:nvPicPr>
+          <p:cNvPr id="5" name="Image 4">
+            <a:extLst>
+              <a:ext uri="{FF2B5EF4-FFF2-40B4-BE49-F238E27FC236}">
+                <a16:creationId xmlns:a16="http://schemas.microsoft.com/office/drawing/2014/main" id="{08C572C9-3010-48CF-99A1-648794050FF1}"/>
+              </a:ext>
+            </a:extLst>
+          </p:cNvPr>
+          <p:cNvPicPr>
+            <a:picLocks noChangeAspect="1"/>
+          </p:cNvPicPr>
+          <p:nvPr/>
+        </p:nvPicPr>
+        <p:blipFill rotWithShape="1">
+          <a:blip r:embed="rId2"/>
+          <a:srcRect l="16401" r="14109"/>
+          <a:stretch/>
+        </p:blipFill>
+        <p:spPr>
+          <a:xfrm>
+            <a:off x="6272757" y="3193645"/>
+            <a:ext cx="5335572" cy="2905530"/>
+          </a:xfrm>
+          <a:prstGeom prst="rect">
+            <a:avLst/>
+          </a:prstGeom>
+        </p:spPr>
+      </p:pic>
     </p:spTree>
     <p:extLst>
       <p:ext uri="{BB962C8B-B14F-4D97-AF65-F5344CB8AC3E}">
-        <p14:creationId xmlns:p14="http://schemas.microsoft.com/office/powerpoint/2010/main" val="2352854005"/>
+        <p14:creationId xmlns:p14="http://schemas.microsoft.com/office/powerpoint/2010/main" val="1225886703"/>
       </p:ext>
     </p:extLst>
   </p:cSld>
@@ -2264,10 +6508,10 @@
       </p:grpSpPr>
       <p:sp>
         <p:nvSpPr>
-          <p:cNvPr id="4" name="Titre 3">
-            <a:extLst>
-              <a:ext uri="{FF2B5EF4-FFF2-40B4-BE49-F238E27FC236}">
-                <a16:creationId xmlns:a16="http://schemas.microsoft.com/office/drawing/2014/main" id="{B53E8A05-42BD-489E-BF5F-958C213739DF}"/>
+          <p:cNvPr id="2" name="Titre 1">
+            <a:extLst>
+              <a:ext uri="{FF2B5EF4-FFF2-40B4-BE49-F238E27FC236}">
+                <a16:creationId xmlns:a16="http://schemas.microsoft.com/office/drawing/2014/main" id="{5DD07DCC-0363-4688-8874-1DED3D81EA72}"/>
               </a:ext>
             </a:extLst>
           </p:cNvPr>
@@ -2275,7 +6519,7 @@
             <a:spLocks noGrp="1"/>
           </p:cNvSpPr>
           <p:nvPr>
-            <p:ph type="ctrTitle"/>
+            <p:ph type="title"/>
           </p:nvPr>
         </p:nvSpPr>
         <p:spPr/>
@@ -2285,17 +6529,17 @@
           <a:p>
             <a:r>
               <a:rPr lang="en-US" dirty="0"/>
-              <a:t>Questions?</a:t>
+              <a:t>Gradient-based techniques</a:t>
             </a:r>
           </a:p>
         </p:txBody>
       </p:sp>
       <p:sp>
         <p:nvSpPr>
-          <p:cNvPr id="5" name="Sous-titre 4">
-            <a:extLst>
-              <a:ext uri="{FF2B5EF4-FFF2-40B4-BE49-F238E27FC236}">
-                <a16:creationId xmlns:a16="http://schemas.microsoft.com/office/drawing/2014/main" id="{CEB63DBD-0FC0-4057-AC92-1717C1D0ED55}"/>
+          <p:cNvPr id="3" name="Espace réservé du texte 2">
+            <a:extLst>
+              <a:ext uri="{FF2B5EF4-FFF2-40B4-BE49-F238E27FC236}">
+                <a16:creationId xmlns:a16="http://schemas.microsoft.com/office/drawing/2014/main" id="{5186B706-7875-4D7F-B5D9-4771BCFE8AF1}"/>
               </a:ext>
             </a:extLst>
           </p:cNvPr>
@@ -2303,73 +6547,54 @@
             <a:spLocks noGrp="1"/>
           </p:cNvSpPr>
           <p:nvPr>
-            <p:ph type="subTitle" idx="1"/>
+            <p:ph type="body" sz="quarter" idx="10"/>
           </p:nvPr>
         </p:nvSpPr>
         <p:spPr/>
         <p:txBody>
-          <a:bodyPr>
-            <a:noAutofit/>
-          </a:bodyPr>
+          <a:bodyPr/>
           <a:lstStyle/>
           <a:p>
             <a:r>
               <a:rPr lang="en-US" dirty="0"/>
-              <a:t>Bibliography</a:t>
+              <a:t>Simple intuition: always follow steepest descent/ascent</a:t>
+            </a:r>
+          </a:p>
+          <a:p>
+            <a:r>
+              <a:rPr lang="en-US" dirty="0"/>
+              <a:t>Assumptions</a:t>
+            </a:r>
+          </a:p>
+          <a:p>
+            <a:pPr lvl="1"/>
+            <a:r>
+              <a:rPr lang="en-US" dirty="0"/>
+              <a:t>Gradient can be computed</a:t>
+            </a:r>
+          </a:p>
+          <a:p>
+            <a:pPr lvl="1"/>
+            <a:r>
+              <a:rPr lang="en-US" dirty="0"/>
+              <a:t>Function is convex (guarantees</a:t>
             </a:r>
             <a:br>
               <a:rPr lang="en-US" dirty="0"/>
             </a:br>
             <a:r>
               <a:rPr lang="en-US" dirty="0"/>
-              <a:t>- </a:t>
-            </a:r>
-            <a:r>
-              <a:rPr lang="en-US" dirty="0" err="1"/>
-              <a:t>Kochenderfer</a:t>
-            </a:r>
-            <a:r>
-              <a:rPr lang="en-US" dirty="0"/>
-              <a:t> &amp; Wheeler, </a:t>
-            </a:r>
-            <a:r>
-              <a:rPr lang="en-US" i="1" dirty="0"/>
-              <a:t>Algorithms for Optimization</a:t>
-            </a:r>
-            <a:r>
-              <a:rPr lang="en-US" dirty="0"/>
-              <a:t>, MIT Press, 2019</a:t>
-            </a:r>
-            <a:br>
-              <a:rPr lang="en-US" dirty="0"/>
-            </a:br>
-            <a:r>
-              <a:rPr lang="en-US" dirty="0"/>
-              <a:t>- De Jong, </a:t>
-            </a:r>
-            <a:r>
-              <a:rPr lang="en-US" i="1" dirty="0"/>
-              <a:t>Evolutionary Computation: A Unified Approach</a:t>
-            </a:r>
-            <a:r>
-              <a:rPr lang="en-US" dirty="0"/>
-              <a:t>, 2016</a:t>
-            </a:r>
-          </a:p>
-          <a:p>
-            <a:r>
-              <a:rPr lang="en-US" dirty="0"/>
-              <a:t>Images: unless otherwise stated, I stole them from the Internet. I hope they are not copyrighted, or that their use falls under the Fair Use clause, and if not, I am sorry. Please don’t sue me.</a:t>
+              <a:t>global optimum)</a:t>
             </a:r>
           </a:p>
         </p:txBody>
       </p:sp>
       <p:pic>
         <p:nvPicPr>
-          <p:cNvPr id="6" name="Picture 2">
-            <a:extLst>
-              <a:ext uri="{FF2B5EF4-FFF2-40B4-BE49-F238E27FC236}">
-                <a16:creationId xmlns:a16="http://schemas.microsoft.com/office/drawing/2014/main" id="{6E214693-AB7E-4C54-8D7C-0391735F7C4F}"/>
+          <p:cNvPr id="3074" name="Picture 2" descr="Stochastic gradient descent | sciencesprings">
+            <a:extLst>
+              <a:ext uri="{FF2B5EF4-FFF2-40B4-BE49-F238E27FC236}">
+                <a16:creationId xmlns:a16="http://schemas.microsoft.com/office/drawing/2014/main" id="{E56F96CC-6252-41A0-BE04-E0AB920D3640}"/>
               </a:ext>
             </a:extLst>
           </p:cNvPr>
@@ -2378,30 +6603,23 @@
           </p:cNvPicPr>
           <p:nvPr/>
         </p:nvPicPr>
-        <p:blipFill rotWithShape="1">
+        <p:blipFill>
           <a:blip r:embed="rId2">
             <a:extLst>
-              <a:ext uri="{BEBA8EAE-BF5A-486C-A8C5-ECC9F3942E4B}">
-                <a14:imgProps xmlns:a14="http://schemas.microsoft.com/office/drawing/2010/main">
-                  <a14:imgLayer r:embed="rId3">
-                    <a14:imgEffect>
-                      <a14:backgroundRemoval t="22283" b="75673" l="54554" r="90983"/>
-                    </a14:imgEffect>
-                  </a14:imgLayer>
-                </a14:imgProps>
-              </a:ext>
               <a:ext uri="{28A0092B-C50C-407E-A947-70E740481C1C}">
                 <a14:useLocalDpi xmlns:a14="http://schemas.microsoft.com/office/drawing/2010/main" val="0"/>
               </a:ext>
             </a:extLst>
           </a:blip>
-          <a:srcRect l="50000" t="15610" r="4463" b="17653"/>
-          <a:stretch/>
+          <a:srcRect/>
+          <a:stretch>
+            <a:fillRect/>
+          </a:stretch>
         </p:blipFill>
         <p:spPr bwMode="auto">
           <a:xfrm>
-            <a:off x="4938382" y="1037974"/>
-            <a:ext cx="1295445" cy="884352"/>
+            <a:off x="6409519" y="2007910"/>
+            <a:ext cx="4739640" cy="4397604"/>
           </a:xfrm>
           <a:prstGeom prst="rect">
             <a:avLst/>
@@ -2418,12 +6636,196 @@
           </a:extLst>
         </p:spPr>
       </p:pic>
+    </p:spTree>
+    <p:extLst>
+      <p:ext uri="{BB962C8B-B14F-4D97-AF65-F5344CB8AC3E}">
+        <p14:creationId xmlns:p14="http://schemas.microsoft.com/office/powerpoint/2010/main" val="487492403"/>
+      </p:ext>
+    </p:extLst>
+  </p:cSld>
+  <p:clrMapOvr>
+    <a:masterClrMapping/>
+  </p:clrMapOvr>
+</p:sld>
+</file>
+
+<file path=ppt/slides/slide8.xml><?xml version="1.0" encoding="utf-8"?>
+<p:sld xmlns:a="http://schemas.openxmlformats.org/drawingml/2006/main" xmlns:r="http://schemas.openxmlformats.org/officeDocument/2006/relationships" xmlns:p="http://schemas.openxmlformats.org/presentationml/2006/main">
+  <p:cSld>
+    <p:spTree>
+      <p:nvGrpSpPr>
+        <p:cNvPr id="1" name=""/>
+        <p:cNvGrpSpPr/>
+        <p:nvPr/>
+      </p:nvGrpSpPr>
+      <p:grpSpPr>
+        <a:xfrm>
+          <a:off x="0" y="0"/>
+          <a:ext cx="0" cy="0"/>
+          <a:chOff x="0" y="0"/>
+          <a:chExt cx="0" cy="0"/>
+        </a:xfrm>
+      </p:grpSpPr>
+      <p:sp>
+        <p:nvSpPr>
+          <p:cNvPr id="2" name="Titre 1">
+            <a:extLst>
+              <a:ext uri="{FF2B5EF4-FFF2-40B4-BE49-F238E27FC236}">
+                <a16:creationId xmlns:a16="http://schemas.microsoft.com/office/drawing/2014/main" id="{64CD972C-FA2A-4DAA-8A10-5B6F6F31AEB1}"/>
+              </a:ext>
+            </a:extLst>
+          </p:cNvPr>
+          <p:cNvSpPr>
+            <a:spLocks noGrp="1"/>
+          </p:cNvSpPr>
+          <p:nvPr>
+            <p:ph type="title"/>
+          </p:nvPr>
+        </p:nvSpPr>
+        <p:spPr/>
+        <p:txBody>
+          <a:bodyPr/>
+          <a:lstStyle/>
+          <a:p>
+            <a:r>
+              <a:rPr lang="en-US" dirty="0"/>
+              <a:t>Issues with gradient-based techniques</a:t>
+            </a:r>
+          </a:p>
+        </p:txBody>
+      </p:sp>
+      <p:sp>
+        <p:nvSpPr>
+          <p:cNvPr id="3" name="Espace réservé du texte 2">
+            <a:extLst>
+              <a:ext uri="{FF2B5EF4-FFF2-40B4-BE49-F238E27FC236}">
+                <a16:creationId xmlns:a16="http://schemas.microsoft.com/office/drawing/2014/main" id="{D5241D11-0957-4068-BBEE-9817CC712F27}"/>
+              </a:ext>
+            </a:extLst>
+          </p:cNvPr>
+          <p:cNvSpPr>
+            <a:spLocks noGrp="1"/>
+          </p:cNvSpPr>
+          <p:nvPr>
+            <p:ph type="body" sz="quarter" idx="10"/>
+          </p:nvPr>
+        </p:nvSpPr>
+        <p:spPr/>
+        <p:txBody>
+          <a:bodyPr/>
+          <a:lstStyle/>
+          <a:p>
+            <a:r>
+              <a:rPr lang="en-US" dirty="0"/>
+              <a:t>Brainstorming!</a:t>
+            </a:r>
+          </a:p>
+        </p:txBody>
+      </p:sp>
+    </p:spTree>
+    <p:extLst>
+      <p:ext uri="{BB962C8B-B14F-4D97-AF65-F5344CB8AC3E}">
+        <p14:creationId xmlns:p14="http://schemas.microsoft.com/office/powerpoint/2010/main" val="282497166"/>
+      </p:ext>
+    </p:extLst>
+  </p:cSld>
+  <p:clrMapOvr>
+    <a:masterClrMapping/>
+  </p:clrMapOvr>
+</p:sld>
+</file>
+
+<file path=ppt/slides/slide9.xml><?xml version="1.0" encoding="utf-8"?>
+<p:sld xmlns:a="http://schemas.openxmlformats.org/drawingml/2006/main" xmlns:r="http://schemas.openxmlformats.org/officeDocument/2006/relationships" xmlns:p="http://schemas.openxmlformats.org/presentationml/2006/main">
+  <p:cSld>
+    <p:spTree>
+      <p:nvGrpSpPr>
+        <p:cNvPr id="1" name=""/>
+        <p:cNvGrpSpPr/>
+        <p:nvPr/>
+      </p:nvGrpSpPr>
+      <p:grpSpPr>
+        <a:xfrm>
+          <a:off x="0" y="0"/>
+          <a:ext cx="0" cy="0"/>
+          <a:chOff x="0" y="0"/>
+          <a:chExt cx="0" cy="0"/>
+        </a:xfrm>
+      </p:grpSpPr>
+      <p:sp>
+        <p:nvSpPr>
+          <p:cNvPr id="2" name="Titre 1">
+            <a:extLst>
+              <a:ext uri="{FF2B5EF4-FFF2-40B4-BE49-F238E27FC236}">
+                <a16:creationId xmlns:a16="http://schemas.microsoft.com/office/drawing/2014/main" id="{6E8B27F1-2098-465F-B83F-3123A3370907}"/>
+              </a:ext>
+            </a:extLst>
+          </p:cNvPr>
+          <p:cNvSpPr>
+            <a:spLocks noGrp="1"/>
+          </p:cNvSpPr>
+          <p:nvPr>
+            <p:ph type="title"/>
+          </p:nvPr>
+        </p:nvSpPr>
+        <p:spPr/>
+        <p:txBody>
+          <a:bodyPr/>
+          <a:lstStyle/>
+          <a:p>
+            <a:r>
+              <a:rPr lang="en-US" dirty="0"/>
+              <a:t>Issues with gradient-based techniques</a:t>
+            </a:r>
+          </a:p>
+        </p:txBody>
+      </p:sp>
+      <p:sp>
+        <p:nvSpPr>
+          <p:cNvPr id="3" name="Espace réservé du texte 2">
+            <a:extLst>
+              <a:ext uri="{FF2B5EF4-FFF2-40B4-BE49-F238E27FC236}">
+                <a16:creationId xmlns:a16="http://schemas.microsoft.com/office/drawing/2014/main" id="{AE148438-185B-435D-9D83-E60BEDDB88B4}"/>
+              </a:ext>
+            </a:extLst>
+          </p:cNvPr>
+          <p:cNvSpPr>
+            <a:spLocks noGrp="1"/>
+          </p:cNvSpPr>
+          <p:nvPr>
+            <p:ph type="body" sz="quarter" idx="10"/>
+          </p:nvPr>
+        </p:nvSpPr>
+        <p:spPr/>
+        <p:txBody>
+          <a:bodyPr/>
+          <a:lstStyle/>
+          <a:p>
+            <a:r>
+              <a:rPr lang="en-US" dirty="0"/>
+              <a:t>Starting point of exploration matters</a:t>
+            </a:r>
+          </a:p>
+          <a:p>
+            <a:r>
+              <a:rPr lang="en-US" dirty="0"/>
+              <a:t>Hard to get out of local optima</a:t>
+            </a:r>
+          </a:p>
+          <a:p>
+            <a:r>
+              <a:rPr lang="en-US" dirty="0"/>
+              <a:t>Step size? Too small / too large lead to convergence issues</a:t>
+            </a:r>
+          </a:p>
+        </p:txBody>
+      </p:sp>
       <p:pic>
         <p:nvPicPr>
           <p:cNvPr id="7" name="Image 6">
             <a:extLst>
               <a:ext uri="{FF2B5EF4-FFF2-40B4-BE49-F238E27FC236}">
-                <a16:creationId xmlns:a16="http://schemas.microsoft.com/office/drawing/2014/main" id="{414D43F9-35B6-46FA-B5D4-8F2F1AA72ED1}"/>
+                <a16:creationId xmlns:a16="http://schemas.microsoft.com/office/drawing/2014/main" id="{31E1585B-BD0A-45BC-A9B5-33B75E9FF1F8}"/>
               </a:ext>
             </a:extLst>
           </p:cNvPr>
@@ -2433,15 +6835,15 @@
           <p:nvPr/>
         </p:nvPicPr>
         <p:blipFill>
-          <a:blip r:embed="rId4"/>
+          <a:blip r:embed="rId2"/>
           <a:stretch>
             <a:fillRect/>
           </a:stretch>
         </p:blipFill>
         <p:spPr>
           <a:xfrm>
-            <a:off x="6383826" y="1073027"/>
-            <a:ext cx="1642424" cy="574848"/>
+            <a:off x="8411360" y="3429000"/>
+            <a:ext cx="2942440" cy="2942440"/>
           </a:xfrm>
           <a:prstGeom prst="rect">
             <a:avLst/>
@@ -2451,7 +6853,7 @@
     </p:spTree>
     <p:extLst>
       <p:ext uri="{BB962C8B-B14F-4D97-AF65-F5344CB8AC3E}">
-        <p14:creationId xmlns:p14="http://schemas.microsoft.com/office/powerpoint/2010/main" val="938009228"/>
+        <p14:creationId xmlns:p14="http://schemas.microsoft.com/office/powerpoint/2010/main" val="2352854005"/>
       </p:ext>
     </p:extLst>
   </p:cSld>
@@ -2720,4 +7122,299 @@
     </a:ext>
   </a:extLst>
 </a:theme>
+</file>
+
+<file path=ppt/theme/theme2.xml><?xml version="1.0" encoding="utf-8"?>
+<a:theme xmlns:a="http://schemas.openxmlformats.org/drawingml/2006/main" name="Thème Office">
+  <a:themeElements>
+    <a:clrScheme name="Office">
+      <a:dk1>
+        <a:sysClr val="windowText" lastClr="000000"/>
+      </a:dk1>
+      <a:lt1>
+        <a:sysClr val="window" lastClr="FFFFFF"/>
+      </a:lt1>
+      <a:dk2>
+        <a:srgbClr val="44546A"/>
+      </a:dk2>
+      <a:lt2>
+        <a:srgbClr val="E7E6E6"/>
+      </a:lt2>
+      <a:accent1>
+        <a:srgbClr val="4472C4"/>
+      </a:accent1>
+      <a:accent2>
+        <a:srgbClr val="ED7D31"/>
+      </a:accent2>
+      <a:accent3>
+        <a:srgbClr val="A5A5A5"/>
+      </a:accent3>
+      <a:accent4>
+        <a:srgbClr val="FFC000"/>
+      </a:accent4>
+      <a:accent5>
+        <a:srgbClr val="5B9BD5"/>
+      </a:accent5>
+      <a:accent6>
+        <a:srgbClr val="70AD47"/>
+      </a:accent6>
+      <a:hlink>
+        <a:srgbClr val="0563C1"/>
+      </a:hlink>
+      <a:folHlink>
+        <a:srgbClr val="954F72"/>
+      </a:folHlink>
+    </a:clrScheme>
+    <a:fontScheme name="Office">
+      <a:majorFont>
+        <a:latin typeface="Calibri Light" panose="020F0302020204030204"/>
+        <a:ea typeface=""/>
+        <a:cs typeface=""/>
+        <a:font script="Jpan" typeface="游ゴシック Light"/>
+        <a:font script="Hang" typeface="맑은 고딕"/>
+        <a:font script="Hans" typeface="等线 Light"/>
+        <a:font script="Hant" typeface="新細明體"/>
+        <a:font script="Arab" typeface="Times New Roman"/>
+        <a:font script="Hebr" typeface="Times New Roman"/>
+        <a:font script="Thai" typeface="Angsana New"/>
+        <a:font script="Ethi" typeface="Nyala"/>
+        <a:font script="Beng" typeface="Vrinda"/>
+        <a:font script="Gujr" typeface="Shruti"/>
+        <a:font script="Khmr" typeface="MoolBoran"/>
+        <a:font script="Knda" typeface="Tunga"/>
+        <a:font script="Guru" typeface="Raavi"/>
+        <a:font script="Cans" typeface="Euphemia"/>
+        <a:font script="Cher" typeface="Plantagenet Cherokee"/>
+        <a:font script="Yiii" typeface="Microsoft Yi Baiti"/>
+        <a:font script="Tibt" typeface="Microsoft Himalaya"/>
+        <a:font script="Thaa" typeface="MV Boli"/>
+        <a:font script="Deva" typeface="Mangal"/>
+        <a:font script="Telu" typeface="Gautami"/>
+        <a:font script="Taml" typeface="Latha"/>
+        <a:font script="Syrc" typeface="Estrangelo Edessa"/>
+        <a:font script="Orya" typeface="Kalinga"/>
+        <a:font script="Mlym" typeface="Kartika"/>
+        <a:font script="Laoo" typeface="DokChampa"/>
+        <a:font script="Sinh" typeface="Iskoola Pota"/>
+        <a:font script="Mong" typeface="Mongolian Baiti"/>
+        <a:font script="Viet" typeface="Times New Roman"/>
+        <a:font script="Uigh" typeface="Microsoft Uighur"/>
+        <a:font script="Geor" typeface="Sylfaen"/>
+        <a:font script="Armn" typeface="Arial"/>
+        <a:font script="Bugi" typeface="Leelawadee UI"/>
+        <a:font script="Bopo" typeface="Microsoft JhengHei"/>
+        <a:font script="Java" typeface="Javanese Text"/>
+        <a:font script="Lisu" typeface="Segoe UI"/>
+        <a:font script="Mymr" typeface="Myanmar Text"/>
+        <a:font script="Nkoo" typeface="Ebrima"/>
+        <a:font script="Olck" typeface="Nirmala UI"/>
+        <a:font script="Osma" typeface="Ebrima"/>
+        <a:font script="Phag" typeface="Phagspa"/>
+        <a:font script="Syrn" typeface="Estrangelo Edessa"/>
+        <a:font script="Syrj" typeface="Estrangelo Edessa"/>
+        <a:font script="Syre" typeface="Estrangelo Edessa"/>
+        <a:font script="Sora" typeface="Nirmala UI"/>
+        <a:font script="Tale" typeface="Microsoft Tai Le"/>
+        <a:font script="Talu" typeface="Microsoft New Tai Lue"/>
+        <a:font script="Tfng" typeface="Ebrima"/>
+      </a:majorFont>
+      <a:minorFont>
+        <a:latin typeface="Calibri" panose="020F0502020204030204"/>
+        <a:ea typeface=""/>
+        <a:cs typeface=""/>
+        <a:font script="Jpan" typeface="游ゴシック"/>
+        <a:font script="Hang" typeface="맑은 고딕"/>
+        <a:font script="Hans" typeface="等线"/>
+        <a:font script="Hant" typeface="新細明體"/>
+        <a:font script="Arab" typeface="Arial"/>
+        <a:font script="Hebr" typeface="Arial"/>
+        <a:font script="Thai" typeface="Cordia New"/>
+        <a:font script="Ethi" typeface="Nyala"/>
+        <a:font script="Beng" typeface="Vrinda"/>
+        <a:font script="Gujr" typeface="Shruti"/>
+        <a:font script="Khmr" typeface="DaunPenh"/>
+        <a:font script="Knda" typeface="Tunga"/>
+        <a:font script="Guru" typeface="Raavi"/>
+        <a:font script="Cans" typeface="Euphemia"/>
+        <a:font script="Cher" typeface="Plantagenet Cherokee"/>
+        <a:font script="Yiii" typeface="Microsoft Yi Baiti"/>
+        <a:font script="Tibt" typeface="Microsoft Himalaya"/>
+        <a:font script="Thaa" typeface="MV Boli"/>
+        <a:font script="Deva" typeface="Mangal"/>
+        <a:font script="Telu" typeface="Gautami"/>
+        <a:font script="Taml" typeface="Latha"/>
+        <a:font script="Syrc" typeface="Estrangelo Edessa"/>
+        <a:font script="Orya" typeface="Kalinga"/>
+        <a:font script="Mlym" typeface="Kartika"/>
+        <a:font script="Laoo" typeface="DokChampa"/>
+        <a:font script="Sinh" typeface="Iskoola Pota"/>
+        <a:font script="Mong" typeface="Mongolian Baiti"/>
+        <a:font script="Viet" typeface="Arial"/>
+        <a:font script="Uigh" typeface="Microsoft Uighur"/>
+        <a:font script="Geor" typeface="Sylfaen"/>
+        <a:font script="Armn" typeface="Arial"/>
+        <a:font script="Bugi" typeface="Leelawadee UI"/>
+        <a:font script="Bopo" typeface="Microsoft JhengHei"/>
+        <a:font script="Java" typeface="Javanese Text"/>
+        <a:font script="Lisu" typeface="Segoe UI"/>
+        <a:font script="Mymr" typeface="Myanmar Text"/>
+        <a:font script="Nkoo" typeface="Ebrima"/>
+        <a:font script="Olck" typeface="Nirmala UI"/>
+        <a:font script="Osma" typeface="Ebrima"/>
+        <a:font script="Phag" typeface="Phagspa"/>
+        <a:font script="Syrn" typeface="Estrangelo Edessa"/>
+        <a:font script="Syrj" typeface="Estrangelo Edessa"/>
+        <a:font script="Syre" typeface="Estrangelo Edessa"/>
+        <a:font script="Sora" typeface="Nirmala UI"/>
+        <a:font script="Tale" typeface="Microsoft Tai Le"/>
+        <a:font script="Talu" typeface="Microsoft New Tai Lue"/>
+        <a:font script="Tfng" typeface="Ebrima"/>
+      </a:minorFont>
+    </a:fontScheme>
+    <a:fmtScheme name="Office">
+      <a:fillStyleLst>
+        <a:solidFill>
+          <a:schemeClr val="phClr"/>
+        </a:solidFill>
+        <a:gradFill rotWithShape="1">
+          <a:gsLst>
+            <a:gs pos="0">
+              <a:schemeClr val="phClr">
+                <a:lumMod val="110000"/>
+                <a:satMod val="105000"/>
+                <a:tint val="67000"/>
+              </a:schemeClr>
+            </a:gs>
+            <a:gs pos="50000">
+              <a:schemeClr val="phClr">
+                <a:lumMod val="105000"/>
+                <a:satMod val="103000"/>
+                <a:tint val="73000"/>
+              </a:schemeClr>
+            </a:gs>
+            <a:gs pos="100000">
+              <a:schemeClr val="phClr">
+                <a:lumMod val="105000"/>
+                <a:satMod val="109000"/>
+                <a:tint val="81000"/>
+              </a:schemeClr>
+            </a:gs>
+          </a:gsLst>
+          <a:lin ang="5400000" scaled="0"/>
+        </a:gradFill>
+        <a:gradFill rotWithShape="1">
+          <a:gsLst>
+            <a:gs pos="0">
+              <a:schemeClr val="phClr">
+                <a:satMod val="103000"/>
+                <a:lumMod val="102000"/>
+                <a:tint val="94000"/>
+              </a:schemeClr>
+            </a:gs>
+            <a:gs pos="50000">
+              <a:schemeClr val="phClr">
+                <a:satMod val="110000"/>
+                <a:lumMod val="100000"/>
+                <a:shade val="100000"/>
+              </a:schemeClr>
+            </a:gs>
+            <a:gs pos="100000">
+              <a:schemeClr val="phClr">
+                <a:lumMod val="99000"/>
+                <a:satMod val="120000"/>
+                <a:shade val="78000"/>
+              </a:schemeClr>
+            </a:gs>
+          </a:gsLst>
+          <a:lin ang="5400000" scaled="0"/>
+        </a:gradFill>
+      </a:fillStyleLst>
+      <a:lnStyleLst>
+        <a:ln w="6350" cap="flat" cmpd="sng" algn="ctr">
+          <a:solidFill>
+            <a:schemeClr val="phClr"/>
+          </a:solidFill>
+          <a:prstDash val="solid"/>
+          <a:miter lim="800000"/>
+        </a:ln>
+        <a:ln w="12700" cap="flat" cmpd="sng" algn="ctr">
+          <a:solidFill>
+            <a:schemeClr val="phClr"/>
+          </a:solidFill>
+          <a:prstDash val="solid"/>
+          <a:miter lim="800000"/>
+        </a:ln>
+        <a:ln w="19050" cap="flat" cmpd="sng" algn="ctr">
+          <a:solidFill>
+            <a:schemeClr val="phClr"/>
+          </a:solidFill>
+          <a:prstDash val="solid"/>
+          <a:miter lim="800000"/>
+        </a:ln>
+      </a:lnStyleLst>
+      <a:effectStyleLst>
+        <a:effectStyle>
+          <a:effectLst/>
+        </a:effectStyle>
+        <a:effectStyle>
+          <a:effectLst/>
+        </a:effectStyle>
+        <a:effectStyle>
+          <a:effectLst>
+            <a:outerShdw blurRad="57150" dist="19050" dir="5400000" algn="ctr" rotWithShape="0">
+              <a:srgbClr val="000000">
+                <a:alpha val="63000"/>
+              </a:srgbClr>
+            </a:outerShdw>
+          </a:effectLst>
+        </a:effectStyle>
+      </a:effectStyleLst>
+      <a:bgFillStyleLst>
+        <a:solidFill>
+          <a:schemeClr val="phClr"/>
+        </a:solidFill>
+        <a:solidFill>
+          <a:schemeClr val="phClr">
+            <a:tint val="95000"/>
+            <a:satMod val="170000"/>
+          </a:schemeClr>
+        </a:solidFill>
+        <a:gradFill rotWithShape="1">
+          <a:gsLst>
+            <a:gs pos="0">
+              <a:schemeClr val="phClr">
+                <a:tint val="93000"/>
+                <a:satMod val="150000"/>
+                <a:shade val="98000"/>
+                <a:lumMod val="102000"/>
+              </a:schemeClr>
+            </a:gs>
+            <a:gs pos="50000">
+              <a:schemeClr val="phClr">
+                <a:tint val="98000"/>
+                <a:satMod val="130000"/>
+                <a:shade val="90000"/>
+                <a:lumMod val="103000"/>
+              </a:schemeClr>
+            </a:gs>
+            <a:gs pos="100000">
+              <a:schemeClr val="phClr">
+                <a:shade val="63000"/>
+                <a:satMod val="120000"/>
+              </a:schemeClr>
+            </a:gs>
+          </a:gsLst>
+          <a:lin ang="5400000" scaled="0"/>
+        </a:gradFill>
+      </a:bgFillStyleLst>
+    </a:fmtScheme>
+  </a:themeElements>
+  <a:objectDefaults/>
+  <a:extraClrSchemeLst/>
+  <a:extLst>
+    <a:ext uri="{05A4C25C-085E-4340-85A3-A5531E510DB2}">
+      <thm15:themeFamily xmlns:thm15="http://schemas.microsoft.com/office/thememl/2012/main" name="Office Theme" id="{62F939B6-93AF-4DB8-9C6B-D6C7DFDC589F}" vid="{4A3C46E8-61CC-4603-A589-7422A47A8E4A}"/>
+    </a:ext>
+  </a:extLst>
+</a:theme>
 </file>
--- a/optimization-methods-for-artificial-intelligence/optimization-continuous.pptx
+++ b/optimization-methods-for-artificial-intelligence/optimization-continuous.pptx
@@ -5,7 +5,7 @@
     <p:sldMasterId id="2147483648" r:id="rId1"/>
   </p:sldMasterIdLst>
   <p:notesMasterIdLst>
-    <p:notesMasterId r:id="rId21"/>
+    <p:notesMasterId r:id="rId28"/>
   </p:notesMasterIdLst>
   <p:sldIdLst>
     <p:sldId id="257" r:id="rId2"/>
@@ -20,13 +20,20 @@
     <p:sldId id="276" r:id="rId11"/>
     <p:sldId id="275" r:id="rId12"/>
     <p:sldId id="274" r:id="rId13"/>
-    <p:sldId id="281" r:id="rId14"/>
-    <p:sldId id="282" r:id="rId15"/>
-    <p:sldId id="283" r:id="rId16"/>
-    <p:sldId id="312" r:id="rId17"/>
-    <p:sldId id="284" r:id="rId18"/>
-    <p:sldId id="277" r:id="rId19"/>
-    <p:sldId id="269" r:id="rId20"/>
+    <p:sldId id="315" r:id="rId14"/>
+    <p:sldId id="281" r:id="rId15"/>
+    <p:sldId id="313" r:id="rId16"/>
+    <p:sldId id="314" r:id="rId17"/>
+    <p:sldId id="282" r:id="rId18"/>
+    <p:sldId id="283" r:id="rId19"/>
+    <p:sldId id="318" r:id="rId20"/>
+    <p:sldId id="319" r:id="rId21"/>
+    <p:sldId id="312" r:id="rId22"/>
+    <p:sldId id="284" r:id="rId23"/>
+    <p:sldId id="277" r:id="rId24"/>
+    <p:sldId id="317" r:id="rId25"/>
+    <p:sldId id="269" r:id="rId26"/>
+    <p:sldId id="316" r:id="rId27"/>
   </p:sldIdLst>
   <p:sldSz cx="12192000" cy="6858000"/>
   <p:notesSz cx="6858000" cy="9144000"/>
@@ -215,7 +222,7 @@
           <a:p>
             <a:fld id="{B0FF2D3E-277F-4CAD-AED5-28CC84676CEB}" type="datetimeFigureOut">
               <a:rPr lang="en-US" smtClean="0"/>
-              <a:t>7/3/2023</a:t>
+              <a:t>7/5/2023</a:t>
             </a:fld>
             <a:endParaRPr lang="en-US"/>
           </a:p>
@@ -751,7 +758,7 @@
             <a:fld id="{680B1606-0EFF-436D-86CC-2E5701B5F772}" type="slidenum">
               <a:rPr lang="fr-FR" altLang="en-US"/>
               <a:pPr eaLnBrk="1" hangingPunct="1"/>
-              <a:t>16</a:t>
+              <a:t>21</a:t>
             </a:fld>
             <a:endParaRPr lang="fr-FR" altLang="en-US"/>
           </a:p>
@@ -1708,7 +1715,7 @@
               <a:pPr>
                 <a:defRPr/>
               </a:pPr>
-              <a:t>03/07/2023</a:t>
+              <a:t>05/07/2023</a:t>
             </a:fld>
             <a:endParaRPr lang="fr-FR"/>
           </a:p>
@@ -2951,6 +2958,7 @@
             </a:r>
           </a:p>
           <a:p>
+            <a:pPr lvl="1"/>
             <a:r>
               <a:rPr lang="en-US" dirty="0"/>
               <a:t>Actually, </a:t>
@@ -2965,36 +2973,31 @@
             </a:r>
           </a:p>
           <a:p>
+            <a:pPr lvl="1"/>
             <a:r>
               <a:rPr lang="en-US" dirty="0"/>
               <a:t>Techniques made popular by (deep) neural networks</a:t>
             </a:r>
           </a:p>
           <a:p>
+            <a:pPr lvl="1"/>
             <a:r>
               <a:rPr lang="en-US" dirty="0"/>
               <a:t>Can escape local optima!</a:t>
             </a:r>
           </a:p>
           <a:p>
-            <a:r>
-              <a:rPr lang="en-US" dirty="0"/>
-              <a:t>Self-adapting step</a:t>
-            </a:r>
-          </a:p>
-          <a:p>
-            <a:endParaRPr lang="en-US" dirty="0"/>
-          </a:p>
-          <a:p>
+            <a:pPr lvl="1"/>
+            <a:r>
+              <a:rPr lang="en-US" dirty="0"/>
+              <a:t>Self-adapting step size</a:t>
+            </a:r>
+          </a:p>
+          <a:p>
+            <a:pPr lvl="1"/>
             <a:r>
               <a:rPr lang="en-US" dirty="0"/>
               <a:t>State-of-the-art for NNs, not very used elsewhere</a:t>
-            </a:r>
-          </a:p>
-          <a:p>
-            <a:r>
-              <a:rPr lang="en-US" dirty="0"/>
-              <a:t>Will go into more detail in machine learning part</a:t>
             </a:r>
           </a:p>
         </p:txBody>
@@ -3034,7 +3037,7 @@
           <p:cNvPr id="2" name="Titre 1">
             <a:extLst>
               <a:ext uri="{FF2B5EF4-FFF2-40B4-BE49-F238E27FC236}">
-                <a16:creationId xmlns:a16="http://schemas.microsoft.com/office/drawing/2014/main" id="{F2B8D46E-34D9-48AF-BCA6-C5ABD7312876}"/>
+                <a16:creationId xmlns:a16="http://schemas.microsoft.com/office/drawing/2014/main" id="{74D47F70-6651-4222-B872-94F7A2DC9191}"/>
               </a:ext>
             </a:extLst>
           </p:cNvPr>
@@ -3052,7 +3055,7 @@
           <a:p>
             <a:r>
               <a:rPr lang="en-US" dirty="0"/>
-              <a:t>Stochastic techniques</a:t>
+              <a:t>Modern gradient-based techniques</a:t>
             </a:r>
           </a:p>
         </p:txBody>
@@ -3062,7 +3065,7 @@
           <p:cNvPr id="3" name="Espace réservé du texte 2">
             <a:extLst>
               <a:ext uri="{FF2B5EF4-FFF2-40B4-BE49-F238E27FC236}">
-                <a16:creationId xmlns:a16="http://schemas.microsoft.com/office/drawing/2014/main" id="{421E8A6B-A098-4A8C-8252-8E50062BFC98}"/>
+                <a16:creationId xmlns:a16="http://schemas.microsoft.com/office/drawing/2014/main" id="{21932826-8677-4023-A8C9-835A7CBF0EE2}"/>
               </a:ext>
             </a:extLst>
           </p:cNvPr>
@@ -3078,35 +3081,14 @@
           <a:bodyPr/>
           <a:lstStyle/>
           <a:p>
-            <a:r>
-              <a:rPr lang="en-US" dirty="0"/>
-              <a:t>Limitations of gradient-based techniques were evident</a:t>
-            </a:r>
-          </a:p>
-          <a:p>
-            <a:r>
-              <a:rPr lang="en-US" dirty="0"/>
-              <a:t>Practical problems had objective functions with local optima</a:t>
-            </a:r>
-          </a:p>
-          <a:p>
-            <a:r>
-              <a:rPr lang="en-US" dirty="0"/>
-              <a:t>You can randomly sample the search space…</a:t>
-            </a:r>
-          </a:p>
-          <a:p>
-            <a:r>
-              <a:rPr lang="en-US" dirty="0"/>
-              <a:t>…but exploiting feedback/function characteristics is better!</a:t>
-            </a:r>
+            <a:endParaRPr lang="en-US"/>
           </a:p>
         </p:txBody>
       </p:sp>
     </p:spTree>
     <p:extLst>
       <p:ext uri="{BB962C8B-B14F-4D97-AF65-F5344CB8AC3E}">
-        <p14:creationId xmlns:p14="http://schemas.microsoft.com/office/powerpoint/2010/main" val="2253135495"/>
+        <p14:creationId xmlns:p14="http://schemas.microsoft.com/office/powerpoint/2010/main" val="1939182975"/>
       </p:ext>
     </p:extLst>
   </p:cSld>
@@ -3138,7 +3120,7 @@
           <p:cNvPr id="2" name="Titre 1">
             <a:extLst>
               <a:ext uri="{FF2B5EF4-FFF2-40B4-BE49-F238E27FC236}">
-                <a16:creationId xmlns:a16="http://schemas.microsoft.com/office/drawing/2014/main" id="{AC5234B3-DAB5-4D19-8B9D-369964EE2F61}"/>
+                <a16:creationId xmlns:a16="http://schemas.microsoft.com/office/drawing/2014/main" id="{F2B8D46E-34D9-48AF-BCA6-C5ABD7312876}"/>
               </a:ext>
             </a:extLst>
           </p:cNvPr>
@@ -3156,7 +3138,7 @@
           <a:p>
             <a:r>
               <a:rPr lang="en-US" dirty="0"/>
-              <a:t>Brainstorming!</a:t>
+              <a:t>Stochastic techniques</a:t>
             </a:r>
           </a:p>
         </p:txBody>
@@ -3166,7 +3148,7 @@
           <p:cNvPr id="3" name="Espace réservé du texte 2">
             <a:extLst>
               <a:ext uri="{FF2B5EF4-FFF2-40B4-BE49-F238E27FC236}">
-                <a16:creationId xmlns:a16="http://schemas.microsoft.com/office/drawing/2014/main" id="{DDBC0AC3-EE77-449B-9604-B051101D398F}"/>
+                <a16:creationId xmlns:a16="http://schemas.microsoft.com/office/drawing/2014/main" id="{421E8A6B-A098-4A8C-8252-8E50062BFC98}"/>
               </a:ext>
             </a:extLst>
           </p:cNvPr>
@@ -3184,15 +3166,85 @@
           <a:p>
             <a:r>
               <a:rPr lang="en-US" dirty="0"/>
-              <a:t>How to use stochasticity to go beyond limitations of gradient-based techniques?</a:t>
+              <a:t>Limitations of gradient-based techniques were evident</a:t>
+            </a:r>
+          </a:p>
+          <a:p>
+            <a:r>
+              <a:rPr lang="en-US" dirty="0"/>
+              <a:t>Practical problems had objective functions with local optima</a:t>
+            </a:r>
+          </a:p>
+          <a:p>
+            <a:r>
+              <a:rPr lang="en-US" dirty="0"/>
+              <a:t>You can randomly sample the search space…</a:t>
+            </a:r>
+          </a:p>
+          <a:p>
+            <a:r>
+              <a:rPr lang="en-US" dirty="0"/>
+              <a:t>…but exploiting feedback/function characteristics is better!</a:t>
             </a:r>
           </a:p>
         </p:txBody>
       </p:sp>
+      <p:pic>
+        <p:nvPicPr>
+          <p:cNvPr id="1026" name="Picture 2" descr="What is randomness?">
+            <a:extLst>
+              <a:ext uri="{FF2B5EF4-FFF2-40B4-BE49-F238E27FC236}">
+                <a16:creationId xmlns:a16="http://schemas.microsoft.com/office/drawing/2014/main" id="{13FDCFC6-5C88-4249-818D-857AA2729D64}"/>
+              </a:ext>
+            </a:extLst>
+          </p:cNvPr>
+          <p:cNvPicPr>
+            <a:picLocks noChangeAspect="1" noChangeArrowheads="1"/>
+          </p:cNvPicPr>
+          <p:nvPr/>
+        </p:nvPicPr>
+        <p:blipFill>
+          <a:blip r:embed="rId2" cstate="print">
+            <a:extLst>
+              <a:ext uri="{28A0092B-C50C-407E-A947-70E740481C1C}">
+                <a14:useLocalDpi xmlns:a14="http://schemas.microsoft.com/office/drawing/2010/main" val="0"/>
+              </a:ext>
+            </a:extLst>
+          </a:blip>
+          <a:srcRect/>
+          <a:stretch>
+            <a:fillRect/>
+          </a:stretch>
+        </p:blipFill>
+        <p:spPr bwMode="auto">
+          <a:xfrm>
+            <a:off x="6608975" y="3761266"/>
+            <a:ext cx="4744825" cy="2535516"/>
+          </a:xfrm>
+          <a:prstGeom prst="rect">
+            <a:avLst/>
+          </a:prstGeom>
+          <a:ln>
+            <a:noFill/>
+          </a:ln>
+          <a:effectLst>
+            <a:softEdge rad="112500"/>
+          </a:effectLst>
+          <a:extLst>
+            <a:ext uri="{909E8E84-426E-40DD-AFC4-6F175D3DCCD1}">
+              <a14:hiddenFill xmlns:a14="http://schemas.microsoft.com/office/drawing/2010/main">
+                <a:solidFill>
+                  <a:srgbClr val="FFFFFF"/>
+                </a:solidFill>
+              </a14:hiddenFill>
+            </a:ext>
+          </a:extLst>
+        </p:spPr>
+      </p:pic>
     </p:spTree>
     <p:extLst>
       <p:ext uri="{BB962C8B-B14F-4D97-AF65-F5344CB8AC3E}">
-        <p14:creationId xmlns:p14="http://schemas.microsoft.com/office/powerpoint/2010/main" val="2440054789"/>
+        <p14:creationId xmlns:p14="http://schemas.microsoft.com/office/powerpoint/2010/main" val="2253135495"/>
       </p:ext>
     </p:extLst>
   </p:cSld>
@@ -3224,7 +3276,7 @@
           <p:cNvPr id="2" name="Titre 1">
             <a:extLst>
               <a:ext uri="{FF2B5EF4-FFF2-40B4-BE49-F238E27FC236}">
-                <a16:creationId xmlns:a16="http://schemas.microsoft.com/office/drawing/2014/main" id="{D086AF62-9CA5-49DC-9228-2C18F3356CBB}"/>
+                <a16:creationId xmlns:a16="http://schemas.microsoft.com/office/drawing/2014/main" id="{4E31F33A-EC54-4514-B23F-2A6429F14169}"/>
               </a:ext>
             </a:extLst>
           </p:cNvPr>
@@ -3242,7 +3294,7 @@
           <a:p>
             <a:r>
               <a:rPr lang="en-US" dirty="0"/>
-              <a:t>Basin hopping</a:t>
+              <a:t>PSEUDO-random number generation</a:t>
             </a:r>
           </a:p>
         </p:txBody>
@@ -3252,7 +3304,7 @@
           <p:cNvPr id="3" name="Espace réservé du texte 2">
             <a:extLst>
               <a:ext uri="{FF2B5EF4-FFF2-40B4-BE49-F238E27FC236}">
-                <a16:creationId xmlns:a16="http://schemas.microsoft.com/office/drawing/2014/main" id="{7CFB57B8-3A99-4DCA-A30E-7D24D1274F44}"/>
+                <a16:creationId xmlns:a16="http://schemas.microsoft.com/office/drawing/2014/main" id="{FAF8C821-8A41-4F03-98CA-C40B9DE70DD1}"/>
               </a:ext>
             </a:extLst>
           </p:cNvPr>
@@ -3270,11 +3322,396 @@
           <a:p>
             <a:r>
               <a:rPr lang="en-US" dirty="0"/>
-              <a:t>Developed starting from a practical application</a:t>
+              <a:t>Important caveat!</a:t>
+            </a:r>
+          </a:p>
+          <a:p>
+            <a:pPr lvl="1"/>
+            <a:r>
+              <a:rPr lang="en-US" dirty="0"/>
+              <a:t>“Random” numbers in a computer are NOT random</a:t>
+            </a:r>
+          </a:p>
+          <a:p>
+            <a:pPr lvl="1"/>
+            <a:r>
+              <a:rPr lang="en-US" dirty="0"/>
+              <a:t>Specialized algorithms can produce long sequences of numbers</a:t>
+            </a:r>
+          </a:p>
+          <a:p>
+            <a:pPr lvl="1"/>
+            <a:r>
+              <a:rPr lang="en-US" dirty="0"/>
+              <a:t>…but in the end they tend to repeat (!!), they have a period</a:t>
+            </a:r>
+          </a:p>
+          <a:p>
+            <a:pPr lvl="1"/>
+            <a:r>
+              <a:rPr lang="en-US" dirty="0"/>
+              <a:t>Details are complex and out of scope: see </a:t>
+            </a:r>
+            <a:r>
+              <a:rPr lang="en-US" b="1" dirty="0"/>
+              <a:t>Mersenne Twister</a:t>
+            </a:r>
+          </a:p>
+          <a:p>
+            <a:r>
+              <a:rPr lang="en-US" dirty="0"/>
+              <a:t>Concrete consequences</a:t>
+            </a:r>
+          </a:p>
+          <a:p>
+            <a:pPr lvl="1"/>
+            <a:r>
+              <a:rPr lang="en-US" dirty="0"/>
+              <a:t>PRNG algorithms need to be initialized with </a:t>
+            </a:r>
+            <a:r>
+              <a:rPr lang="en-US" i="1" dirty="0"/>
+              <a:t>random seed</a:t>
+            </a:r>
+          </a:p>
+          <a:p>
+            <a:pPr lvl="1"/>
+            <a:r>
+              <a:rPr lang="en-US" dirty="0"/>
+              <a:t>All sequences that start from same random seed are identical</a:t>
+            </a:r>
+          </a:p>
+          <a:p>
+            <a:pPr lvl="1"/>
+            <a:r>
+              <a:rPr lang="en-US" dirty="0"/>
+              <a:t>Storing and setting random seed ensures repeatability of experiments</a:t>
             </a:r>
           </a:p>
         </p:txBody>
       </p:sp>
+    </p:spTree>
+    <p:extLst>
+      <p:ext uri="{BB962C8B-B14F-4D97-AF65-F5344CB8AC3E}">
+        <p14:creationId xmlns:p14="http://schemas.microsoft.com/office/powerpoint/2010/main" val="1493124747"/>
+      </p:ext>
+    </p:extLst>
+  </p:cSld>
+  <p:clrMapOvr>
+    <a:masterClrMapping/>
+  </p:clrMapOvr>
+</p:sld>
+</file>
+
+<file path=ppt/slides/slide16.xml><?xml version="1.0" encoding="utf-8"?>
+<p:sld xmlns:a="http://schemas.openxmlformats.org/drawingml/2006/main" xmlns:r="http://schemas.openxmlformats.org/officeDocument/2006/relationships" xmlns:p="http://schemas.openxmlformats.org/presentationml/2006/main">
+  <p:cSld>
+    <p:spTree>
+      <p:nvGrpSpPr>
+        <p:cNvPr id="1" name=""/>
+        <p:cNvGrpSpPr/>
+        <p:nvPr/>
+      </p:nvGrpSpPr>
+      <p:grpSpPr>
+        <a:xfrm>
+          <a:off x="0" y="0"/>
+          <a:ext cx="0" cy="0"/>
+          <a:chOff x="0" y="0"/>
+          <a:chExt cx="0" cy="0"/>
+        </a:xfrm>
+      </p:grpSpPr>
+      <p:sp>
+        <p:nvSpPr>
+          <p:cNvPr id="2" name="Titre 1">
+            <a:extLst>
+              <a:ext uri="{FF2B5EF4-FFF2-40B4-BE49-F238E27FC236}">
+                <a16:creationId xmlns:a16="http://schemas.microsoft.com/office/drawing/2014/main" id="{4E31F33A-EC54-4514-B23F-2A6429F14169}"/>
+              </a:ext>
+            </a:extLst>
+          </p:cNvPr>
+          <p:cNvSpPr>
+            <a:spLocks noGrp="1"/>
+          </p:cNvSpPr>
+          <p:nvPr>
+            <p:ph type="title"/>
+          </p:nvPr>
+        </p:nvSpPr>
+        <p:spPr/>
+        <p:txBody>
+          <a:bodyPr/>
+          <a:lstStyle/>
+          <a:p>
+            <a:r>
+              <a:rPr lang="en-US" dirty="0"/>
+              <a:t>PSEUDO-random number generation</a:t>
+            </a:r>
+          </a:p>
+        </p:txBody>
+      </p:sp>
+      <p:sp>
+        <p:nvSpPr>
+          <p:cNvPr id="3" name="Espace réservé du texte 2">
+            <a:extLst>
+              <a:ext uri="{FF2B5EF4-FFF2-40B4-BE49-F238E27FC236}">
+                <a16:creationId xmlns:a16="http://schemas.microsoft.com/office/drawing/2014/main" id="{FAF8C821-8A41-4F03-98CA-C40B9DE70DD1}"/>
+              </a:ext>
+            </a:extLst>
+          </p:cNvPr>
+          <p:cNvSpPr>
+            <a:spLocks noGrp="1"/>
+          </p:cNvSpPr>
+          <p:nvPr>
+            <p:ph type="body" sz="quarter" idx="10"/>
+          </p:nvPr>
+        </p:nvSpPr>
+        <p:spPr/>
+        <p:txBody>
+          <a:bodyPr anchor="ctr">
+            <a:normAutofit/>
+          </a:bodyPr>
+          <a:lstStyle/>
+          <a:p>
+            <a:pPr marL="0" indent="0" algn="ctr">
+              <a:buNone/>
+            </a:pPr>
+            <a:r>
+              <a:rPr lang="en-US" sz="7200" dirty="0"/>
+              <a:t>STORE THE RANDOM SEED</a:t>
+            </a:r>
+          </a:p>
+        </p:txBody>
+      </p:sp>
+    </p:spTree>
+    <p:extLst>
+      <p:ext uri="{BB962C8B-B14F-4D97-AF65-F5344CB8AC3E}">
+        <p14:creationId xmlns:p14="http://schemas.microsoft.com/office/powerpoint/2010/main" val="2266433049"/>
+      </p:ext>
+    </p:extLst>
+  </p:cSld>
+  <p:clrMapOvr>
+    <a:masterClrMapping/>
+  </p:clrMapOvr>
+</p:sld>
+</file>
+
+<file path=ppt/slides/slide17.xml><?xml version="1.0" encoding="utf-8"?>
+<p:sld xmlns:a="http://schemas.openxmlformats.org/drawingml/2006/main" xmlns:r="http://schemas.openxmlformats.org/officeDocument/2006/relationships" xmlns:p="http://schemas.openxmlformats.org/presentationml/2006/main">
+  <p:cSld>
+    <p:spTree>
+      <p:nvGrpSpPr>
+        <p:cNvPr id="1" name=""/>
+        <p:cNvGrpSpPr/>
+        <p:nvPr/>
+      </p:nvGrpSpPr>
+      <p:grpSpPr>
+        <a:xfrm>
+          <a:off x="0" y="0"/>
+          <a:ext cx="0" cy="0"/>
+          <a:chOff x="0" y="0"/>
+          <a:chExt cx="0" cy="0"/>
+        </a:xfrm>
+      </p:grpSpPr>
+      <p:sp>
+        <p:nvSpPr>
+          <p:cNvPr id="2" name="Titre 1">
+            <a:extLst>
+              <a:ext uri="{FF2B5EF4-FFF2-40B4-BE49-F238E27FC236}">
+                <a16:creationId xmlns:a16="http://schemas.microsoft.com/office/drawing/2014/main" id="{AC5234B3-DAB5-4D19-8B9D-369964EE2F61}"/>
+              </a:ext>
+            </a:extLst>
+          </p:cNvPr>
+          <p:cNvSpPr>
+            <a:spLocks noGrp="1"/>
+          </p:cNvSpPr>
+          <p:nvPr>
+            <p:ph type="title"/>
+          </p:nvPr>
+        </p:nvSpPr>
+        <p:spPr/>
+        <p:txBody>
+          <a:bodyPr/>
+          <a:lstStyle/>
+          <a:p>
+            <a:r>
+              <a:rPr lang="en-US" dirty="0"/>
+              <a:t>Brainstorming!</a:t>
+            </a:r>
+          </a:p>
+        </p:txBody>
+      </p:sp>
+      <p:sp>
+        <p:nvSpPr>
+          <p:cNvPr id="3" name="Espace réservé du texte 2">
+            <a:extLst>
+              <a:ext uri="{FF2B5EF4-FFF2-40B4-BE49-F238E27FC236}">
+                <a16:creationId xmlns:a16="http://schemas.microsoft.com/office/drawing/2014/main" id="{DDBC0AC3-EE77-449B-9604-B051101D398F}"/>
+              </a:ext>
+            </a:extLst>
+          </p:cNvPr>
+          <p:cNvSpPr>
+            <a:spLocks noGrp="1"/>
+          </p:cNvSpPr>
+          <p:nvPr>
+            <p:ph type="body" sz="quarter" idx="10"/>
+          </p:nvPr>
+        </p:nvSpPr>
+        <p:spPr/>
+        <p:txBody>
+          <a:bodyPr/>
+          <a:lstStyle/>
+          <a:p>
+            <a:r>
+              <a:rPr lang="en-US" dirty="0"/>
+              <a:t>How to use stochasticity to go beyond limitations of gradient-based techniques?</a:t>
+            </a:r>
+          </a:p>
+        </p:txBody>
+      </p:sp>
+    </p:spTree>
+    <p:extLst>
+      <p:ext uri="{BB962C8B-B14F-4D97-AF65-F5344CB8AC3E}">
+        <p14:creationId xmlns:p14="http://schemas.microsoft.com/office/powerpoint/2010/main" val="2440054789"/>
+      </p:ext>
+    </p:extLst>
+  </p:cSld>
+  <p:clrMapOvr>
+    <a:masterClrMapping/>
+  </p:clrMapOvr>
+</p:sld>
+</file>
+
+<file path=ppt/slides/slide18.xml><?xml version="1.0" encoding="utf-8"?>
+<p:sld xmlns:a="http://schemas.openxmlformats.org/drawingml/2006/main" xmlns:r="http://schemas.openxmlformats.org/officeDocument/2006/relationships" xmlns:p="http://schemas.openxmlformats.org/presentationml/2006/main">
+  <p:cSld>
+    <p:spTree>
+      <p:nvGrpSpPr>
+        <p:cNvPr id="1" name=""/>
+        <p:cNvGrpSpPr/>
+        <p:nvPr/>
+      </p:nvGrpSpPr>
+      <p:grpSpPr>
+        <a:xfrm>
+          <a:off x="0" y="0"/>
+          <a:ext cx="0" cy="0"/>
+          <a:chOff x="0" y="0"/>
+          <a:chExt cx="0" cy="0"/>
+        </a:xfrm>
+      </p:grpSpPr>
+      <p:sp>
+        <p:nvSpPr>
+          <p:cNvPr id="2" name="Titre 1">
+            <a:extLst>
+              <a:ext uri="{FF2B5EF4-FFF2-40B4-BE49-F238E27FC236}">
+                <a16:creationId xmlns:a16="http://schemas.microsoft.com/office/drawing/2014/main" id="{D086AF62-9CA5-49DC-9228-2C18F3356CBB}"/>
+              </a:ext>
+            </a:extLst>
+          </p:cNvPr>
+          <p:cNvSpPr>
+            <a:spLocks noGrp="1"/>
+          </p:cNvSpPr>
+          <p:nvPr>
+            <p:ph type="title"/>
+          </p:nvPr>
+        </p:nvSpPr>
+        <p:spPr/>
+        <p:txBody>
+          <a:bodyPr/>
+          <a:lstStyle/>
+          <a:p>
+            <a:r>
+              <a:rPr lang="en-US" dirty="0"/>
+              <a:t>Basin-hopping</a:t>
+            </a:r>
+          </a:p>
+        </p:txBody>
+      </p:sp>
+      <p:sp>
+        <p:nvSpPr>
+          <p:cNvPr id="3" name="Espace réservé du texte 2">
+            <a:extLst>
+              <a:ext uri="{FF2B5EF4-FFF2-40B4-BE49-F238E27FC236}">
+                <a16:creationId xmlns:a16="http://schemas.microsoft.com/office/drawing/2014/main" id="{7CFB57B8-3A99-4DCA-A30E-7D24D1274F44}"/>
+              </a:ext>
+            </a:extLst>
+          </p:cNvPr>
+          <p:cNvSpPr>
+            <a:spLocks noGrp="1"/>
+          </p:cNvSpPr>
+          <p:nvPr>
+            <p:ph type="body" sz="quarter" idx="10"/>
+          </p:nvPr>
+        </p:nvSpPr>
+        <p:spPr/>
+        <p:txBody>
+          <a:bodyPr/>
+          <a:lstStyle/>
+          <a:p>
+            <a:r>
+              <a:rPr lang="en-US" dirty="0"/>
+              <a:t>Developed starting from a practical application</a:t>
+            </a:r>
+          </a:p>
+          <a:p>
+            <a:r>
+              <a:rPr lang="en-US" dirty="0"/>
+              <a:t>Protein folding, objective function is derivable</a:t>
+            </a:r>
+          </a:p>
+          <a:p>
+            <a:r>
+              <a:rPr lang="en-US" dirty="0"/>
+              <a:t>However, it does contain several local optima</a:t>
+            </a:r>
+          </a:p>
+        </p:txBody>
+      </p:sp>
+      <p:pic>
+        <p:nvPicPr>
+          <p:cNvPr id="1026" name="Picture 2" descr="Monotonic Basin Hopping (MBH) - Generalized — pagmo 2.19.0 documentation">
+            <a:extLst>
+              <a:ext uri="{FF2B5EF4-FFF2-40B4-BE49-F238E27FC236}">
+                <a16:creationId xmlns:a16="http://schemas.microsoft.com/office/drawing/2014/main" id="{F11EF49C-2C3C-4244-B95F-78605E55BA28}"/>
+              </a:ext>
+            </a:extLst>
+          </p:cNvPr>
+          <p:cNvPicPr>
+            <a:picLocks noChangeAspect="1" noChangeArrowheads="1"/>
+          </p:cNvPicPr>
+          <p:nvPr/>
+        </p:nvPicPr>
+        <p:blipFill>
+          <a:blip r:embed="rId2">
+            <a:extLst>
+              <a:ext uri="{28A0092B-C50C-407E-A947-70E740481C1C}">
+                <a14:useLocalDpi xmlns:a14="http://schemas.microsoft.com/office/drawing/2010/main" val="0"/>
+              </a:ext>
+            </a:extLst>
+          </a:blip>
+          <a:srcRect/>
+          <a:stretch>
+            <a:fillRect/>
+          </a:stretch>
+        </p:blipFill>
+        <p:spPr bwMode="auto">
+          <a:xfrm>
+            <a:off x="6263260" y="3553906"/>
+            <a:ext cx="5090540" cy="2545270"/>
+          </a:xfrm>
+          <a:prstGeom prst="rect">
+            <a:avLst/>
+          </a:prstGeom>
+          <a:noFill/>
+          <a:extLst>
+            <a:ext uri="{909E8E84-426E-40DD-AFC4-6F175D3DCCD1}">
+              <a14:hiddenFill xmlns:a14="http://schemas.microsoft.com/office/drawing/2010/main">
+                <a:solidFill>
+                  <a:srgbClr val="FFFFFF"/>
+                </a:solidFill>
+              </a14:hiddenFill>
+            </a:ext>
+          </a:extLst>
+        </p:spPr>
+      </p:pic>
     </p:spTree>
     <p:extLst>
       <p:ext uri="{BB962C8B-B14F-4D97-AF65-F5344CB8AC3E}">
@@ -3288,7 +3725,850 @@
 </p:sld>
 </file>
 
-<file path=ppt/slides/slide16.xml><?xml version="1.0" encoding="utf-8"?>
+<file path=ppt/slides/slide19.xml><?xml version="1.0" encoding="utf-8"?>
+<p:sld xmlns:a="http://schemas.openxmlformats.org/drawingml/2006/main" xmlns:r="http://schemas.openxmlformats.org/officeDocument/2006/relationships" xmlns:p="http://schemas.openxmlformats.org/presentationml/2006/main">
+  <p:cSld>
+    <p:spTree>
+      <p:nvGrpSpPr>
+        <p:cNvPr id="1" name=""/>
+        <p:cNvGrpSpPr/>
+        <p:nvPr/>
+      </p:nvGrpSpPr>
+      <p:grpSpPr>
+        <a:xfrm>
+          <a:off x="0" y="0"/>
+          <a:ext cx="0" cy="0"/>
+          <a:chOff x="0" y="0"/>
+          <a:chExt cx="0" cy="0"/>
+        </a:xfrm>
+      </p:grpSpPr>
+      <p:sp>
+        <p:nvSpPr>
+          <p:cNvPr id="2" name="Titre 1">
+            <a:extLst>
+              <a:ext uri="{FF2B5EF4-FFF2-40B4-BE49-F238E27FC236}">
+                <a16:creationId xmlns:a16="http://schemas.microsoft.com/office/drawing/2014/main" id="{D086AF62-9CA5-49DC-9228-2C18F3356CBB}"/>
+              </a:ext>
+            </a:extLst>
+          </p:cNvPr>
+          <p:cNvSpPr>
+            <a:spLocks noGrp="1"/>
+          </p:cNvSpPr>
+          <p:nvPr>
+            <p:ph type="title"/>
+          </p:nvPr>
+        </p:nvSpPr>
+        <p:spPr/>
+        <p:txBody>
+          <a:bodyPr/>
+          <a:lstStyle/>
+          <a:p>
+            <a:r>
+              <a:rPr lang="en-US" dirty="0"/>
+              <a:t>Basin-hopping</a:t>
+            </a:r>
+          </a:p>
+        </p:txBody>
+      </p:sp>
+      <mc:AlternateContent xmlns:mc="http://schemas.openxmlformats.org/markup-compatibility/2006">
+        <mc:Choice xmlns:a14="http://schemas.microsoft.com/office/drawing/2010/main" Requires="a14">
+          <p:sp>
+            <p:nvSpPr>
+              <p:cNvPr id="3" name="Espace réservé du texte 2">
+                <a:extLst>
+                  <a:ext uri="{FF2B5EF4-FFF2-40B4-BE49-F238E27FC236}">
+                    <a16:creationId xmlns:a16="http://schemas.microsoft.com/office/drawing/2014/main" id="{7CFB57B8-3A99-4DCA-A30E-7D24D1274F44}"/>
+                  </a:ext>
+                </a:extLst>
+              </p:cNvPr>
+              <p:cNvSpPr>
+                <a:spLocks noGrp="1"/>
+              </p:cNvSpPr>
+              <p:nvPr>
+                <p:ph type="body" sz="quarter" idx="10"/>
+              </p:nvPr>
+            </p:nvSpPr>
+            <p:spPr/>
+            <p:txBody>
+              <a:bodyPr/>
+              <a:lstStyle/>
+              <a:p>
+                <a:r>
+                  <a:rPr lang="en-US" dirty="0"/>
+                  <a:t>Start from an initial user-defined point </a:t>
+                </a:r>
+                <a14:m>
+                  <m:oMath xmlns:m="http://schemas.openxmlformats.org/officeDocument/2006/math">
+                    <m:sSub>
+                      <m:sSubPr>
+                        <m:ctrlPr>
+                          <a:rPr lang="en-US" i="1" smtClean="0">
+                            <a:latin typeface="Cambria Math" panose="02040503050406030204" pitchFamily="18" charset="0"/>
+                          </a:rPr>
+                        </m:ctrlPr>
+                      </m:sSubPr>
+                      <m:e>
+                        <m:r>
+                          <a:rPr lang="it-IT" b="0" i="1" smtClean="0">
+                            <a:latin typeface="Cambria Math" panose="02040503050406030204" pitchFamily="18" charset="0"/>
+                          </a:rPr>
+                          <m:t>𝑥</m:t>
+                        </m:r>
+                      </m:e>
+                      <m:sub>
+                        <m:r>
+                          <a:rPr lang="it-IT" b="0" i="1" smtClean="0">
+                            <a:latin typeface="Cambria Math" panose="02040503050406030204" pitchFamily="18" charset="0"/>
+                          </a:rPr>
+                          <m:t>𝑜</m:t>
+                        </m:r>
+                      </m:sub>
+                    </m:sSub>
+                  </m:oMath>
+                </a14:m>
+                <a:endParaRPr lang="it-IT" dirty="0"/>
+              </a:p>
+              <a:p>
+                <a:r>
+                  <a:rPr lang="en-US" dirty="0"/>
+                  <a:t>Apply gradient descent, end up in local optimum </a:t>
+                </a:r>
+                <a14:m>
+                  <m:oMath xmlns:m="http://schemas.openxmlformats.org/officeDocument/2006/math">
+                    <m:sSub>
+                      <m:sSubPr>
+                        <m:ctrlPr>
+                          <a:rPr lang="en-US" i="1" smtClean="0">
+                            <a:latin typeface="Cambria Math" panose="02040503050406030204" pitchFamily="18" charset="0"/>
+                          </a:rPr>
+                        </m:ctrlPr>
+                      </m:sSubPr>
+                      <m:e>
+                        <m:r>
+                          <a:rPr lang="it-IT" b="0" i="1" smtClean="0">
+                            <a:latin typeface="Cambria Math" panose="02040503050406030204" pitchFamily="18" charset="0"/>
+                          </a:rPr>
+                          <m:t>𝑥</m:t>
+                        </m:r>
+                      </m:e>
+                      <m:sub>
+                        <m:r>
+                          <a:rPr lang="it-IT" b="0" i="1" smtClean="0">
+                            <a:latin typeface="Cambria Math" panose="02040503050406030204" pitchFamily="18" charset="0"/>
+                          </a:rPr>
+                          <m:t>𝑐</m:t>
+                        </m:r>
+                      </m:sub>
+                    </m:sSub>
+                  </m:oMath>
+                </a14:m>
+                <a:endParaRPr lang="en-US" dirty="0"/>
+              </a:p>
+              <a:p>
+                <a:r>
+                  <a:rPr lang="it-IT" dirty="0"/>
+                  <a:t>For a user-defined number of iterations </a:t>
+                </a:r>
+                <a14:m>
+                  <m:oMath xmlns:m="http://schemas.openxmlformats.org/officeDocument/2006/math">
+                    <m:r>
+                      <a:rPr lang="it-IT" b="0" i="1" smtClean="0">
+                        <a:latin typeface="Cambria Math" panose="02040503050406030204" pitchFamily="18" charset="0"/>
+                      </a:rPr>
+                      <m:t>𝑇</m:t>
+                    </m:r>
+                  </m:oMath>
+                </a14:m>
+                <a:endParaRPr lang="en-US" dirty="0"/>
+              </a:p>
+              <a:p>
+                <a:pPr lvl="1"/>
+                <a:r>
+                  <a:rPr lang="en-US" dirty="0"/>
+                  <a:t>Move from </a:t>
+                </a:r>
+                <a14:m>
+                  <m:oMath xmlns:m="http://schemas.openxmlformats.org/officeDocument/2006/math">
+                    <m:sSub>
+                      <m:sSubPr>
+                        <m:ctrlPr>
+                          <a:rPr lang="en-US" i="1" smtClean="0">
+                            <a:latin typeface="Cambria Math" panose="02040503050406030204" pitchFamily="18" charset="0"/>
+                          </a:rPr>
+                        </m:ctrlPr>
+                      </m:sSubPr>
+                      <m:e>
+                        <m:r>
+                          <a:rPr lang="it-IT" b="0" i="1" smtClean="0">
+                            <a:latin typeface="Cambria Math" panose="02040503050406030204" pitchFamily="18" charset="0"/>
+                          </a:rPr>
+                          <m:t>𝑥</m:t>
+                        </m:r>
+                      </m:e>
+                      <m:sub>
+                        <m:r>
+                          <a:rPr lang="it-IT" b="0" i="1" smtClean="0">
+                            <a:latin typeface="Cambria Math" panose="02040503050406030204" pitchFamily="18" charset="0"/>
+                          </a:rPr>
+                          <m:t>𝑐</m:t>
+                        </m:r>
+                      </m:sub>
+                    </m:sSub>
+                  </m:oMath>
+                </a14:m>
+                <a:r>
+                  <a:rPr lang="en-US" dirty="0"/>
+                  <a:t> in a random direction by a random step </a:t>
+                </a:r>
+                <a14:m>
+                  <m:oMath xmlns:m="http://schemas.openxmlformats.org/officeDocument/2006/math">
+                    <m:r>
+                      <a:rPr lang="it-IT" b="0" i="1" smtClean="0">
+                        <a:latin typeface="Cambria Math" panose="02040503050406030204" pitchFamily="18" charset="0"/>
+                      </a:rPr>
+                      <m:t>𝑠</m:t>
+                    </m:r>
+                  </m:oMath>
+                </a14:m>
+                <a:r>
+                  <a:rPr lang="en-US" dirty="0"/>
+                  <a:t> in </a:t>
+                </a:r>
+                <a14:m>
+                  <m:oMath xmlns:m="http://schemas.openxmlformats.org/officeDocument/2006/math">
+                    <m:r>
+                      <a:rPr lang="it-IT" b="0" i="1" smtClean="0">
+                        <a:latin typeface="Cambria Math" panose="02040503050406030204" pitchFamily="18" charset="0"/>
+                      </a:rPr>
+                      <m:t>(0, </m:t>
+                    </m:r>
+                    <m:r>
+                      <a:rPr lang="it-IT" b="0" i="1" smtClean="0">
+                        <a:latin typeface="Cambria Math" panose="02040503050406030204" pitchFamily="18" charset="0"/>
+                      </a:rPr>
+                      <m:t>𝑆</m:t>
+                    </m:r>
+                    <m:r>
+                      <a:rPr lang="it-IT" b="0" i="1" smtClean="0">
+                        <a:latin typeface="Cambria Math" panose="02040503050406030204" pitchFamily="18" charset="0"/>
+                      </a:rPr>
+                      <m:t>)</m:t>
+                    </m:r>
+                  </m:oMath>
+                </a14:m>
+                <a:r>
+                  <a:rPr lang="en-US" dirty="0"/>
+                  <a:t> </a:t>
+                </a:r>
+              </a:p>
+              <a:p>
+                <a:pPr lvl="1"/>
+                <a:r>
+                  <a:rPr lang="en-US" dirty="0"/>
+                  <a:t>Starting from the new point </a:t>
+                </a:r>
+                <a14:m>
+                  <m:oMath xmlns:m="http://schemas.openxmlformats.org/officeDocument/2006/math">
+                    <m:sSub>
+                      <m:sSubPr>
+                        <m:ctrlPr>
+                          <a:rPr lang="en-US" i="1" smtClean="0">
+                            <a:latin typeface="Cambria Math" panose="02040503050406030204" pitchFamily="18" charset="0"/>
+                          </a:rPr>
+                        </m:ctrlPr>
+                      </m:sSubPr>
+                      <m:e>
+                        <m:r>
+                          <a:rPr lang="it-IT" b="0" i="1" smtClean="0">
+                            <a:latin typeface="Cambria Math" panose="02040503050406030204" pitchFamily="18" charset="0"/>
+                          </a:rPr>
+                          <m:t>𝑥</m:t>
+                        </m:r>
+                      </m:e>
+                      <m:sub>
+                        <m:r>
+                          <a:rPr lang="it-IT" b="0" i="1" smtClean="0">
+                            <a:latin typeface="Cambria Math" panose="02040503050406030204" pitchFamily="18" charset="0"/>
+                          </a:rPr>
+                          <m:t>𝑡</m:t>
+                        </m:r>
+                      </m:sub>
+                    </m:sSub>
+                  </m:oMath>
+                </a14:m>
+                <a:r>
+                  <a:rPr lang="en-US" dirty="0"/>
+                  <a:t> , apply gradient descent</a:t>
+                </a:r>
+              </a:p>
+              <a:p>
+                <a:pPr lvl="1"/>
+                <a:r>
+                  <a:rPr lang="en-US" dirty="0"/>
+                  <a:t>End up in (another?) local optimum </a:t>
+                </a:r>
+                <a14:m>
+                  <m:oMath xmlns:m="http://schemas.openxmlformats.org/officeDocument/2006/math">
+                    <m:sSub>
+                      <m:sSubPr>
+                        <m:ctrlPr>
+                          <a:rPr lang="en-US" i="1" smtClean="0">
+                            <a:latin typeface="Cambria Math" panose="02040503050406030204" pitchFamily="18" charset="0"/>
+                          </a:rPr>
+                        </m:ctrlPr>
+                      </m:sSubPr>
+                      <m:e>
+                        <m:r>
+                          <a:rPr lang="it-IT" b="0" i="1" smtClean="0">
+                            <a:latin typeface="Cambria Math" panose="02040503050406030204" pitchFamily="18" charset="0"/>
+                          </a:rPr>
+                          <m:t>𝑥</m:t>
+                        </m:r>
+                      </m:e>
+                      <m:sub>
+                        <m:r>
+                          <a:rPr lang="it-IT" b="0" i="1" smtClean="0">
+                            <a:latin typeface="Cambria Math" panose="02040503050406030204" pitchFamily="18" charset="0"/>
+                          </a:rPr>
+                          <m:t>𝑐</m:t>
+                        </m:r>
+                      </m:sub>
+                    </m:sSub>
+                    <m:r>
+                      <a:rPr lang="it-IT" b="0" i="1" smtClean="0">
+                        <a:latin typeface="Cambria Math" panose="02040503050406030204" pitchFamily="18" charset="0"/>
+                      </a:rPr>
+                      <m:t>′</m:t>
+                    </m:r>
+                  </m:oMath>
+                </a14:m>
+                <a:endParaRPr lang="en-US" dirty="0"/>
+              </a:p>
+              <a:p>
+                <a:pPr lvl="1"/>
+                <a:r>
+                  <a:rPr lang="en-US" dirty="0"/>
+                  <a:t>If </a:t>
+                </a:r>
+                <a14:m>
+                  <m:oMath xmlns:m="http://schemas.openxmlformats.org/officeDocument/2006/math">
+                    <m:r>
+                      <a:rPr lang="it-IT" b="0" i="1" smtClean="0">
+                        <a:latin typeface="Cambria Math" panose="02040503050406030204" pitchFamily="18" charset="0"/>
+                      </a:rPr>
+                      <m:t>𝑓</m:t>
+                    </m:r>
+                    <m:d>
+                      <m:dPr>
+                        <m:ctrlPr>
+                          <a:rPr lang="it-IT" b="0" i="1" smtClean="0">
+                            <a:latin typeface="Cambria Math" panose="02040503050406030204" pitchFamily="18" charset="0"/>
+                          </a:rPr>
+                        </m:ctrlPr>
+                      </m:dPr>
+                      <m:e>
+                        <m:sSub>
+                          <m:sSubPr>
+                            <m:ctrlPr>
+                              <a:rPr lang="it-IT" b="0" i="1" smtClean="0">
+                                <a:latin typeface="Cambria Math" panose="02040503050406030204" pitchFamily="18" charset="0"/>
+                              </a:rPr>
+                            </m:ctrlPr>
+                          </m:sSubPr>
+                          <m:e>
+                            <m:r>
+                              <a:rPr lang="it-IT" b="0" i="1" smtClean="0">
+                                <a:latin typeface="Cambria Math" panose="02040503050406030204" pitchFamily="18" charset="0"/>
+                              </a:rPr>
+                              <m:t>𝑥</m:t>
+                            </m:r>
+                          </m:e>
+                          <m:sub>
+                            <m:r>
+                              <a:rPr lang="it-IT" b="0" i="1" smtClean="0">
+                                <a:latin typeface="Cambria Math" panose="02040503050406030204" pitchFamily="18" charset="0"/>
+                              </a:rPr>
+                              <m:t>𝑐</m:t>
+                            </m:r>
+                          </m:sub>
+                        </m:sSub>
+                        <m:r>
+                          <a:rPr lang="it-IT" b="0" i="1" smtClean="0">
+                            <a:latin typeface="Cambria Math" panose="02040503050406030204" pitchFamily="18" charset="0"/>
+                          </a:rPr>
+                          <m:t>′</m:t>
+                        </m:r>
+                      </m:e>
+                    </m:d>
+                  </m:oMath>
+                </a14:m>
+                <a:r>
+                  <a:rPr lang="en-US" dirty="0"/>
+                  <a:t> has a better value than </a:t>
+                </a:r>
+                <a14:m>
+                  <m:oMath xmlns:m="http://schemas.openxmlformats.org/officeDocument/2006/math">
+                    <m:r>
+                      <a:rPr lang="it-IT" i="1">
+                        <a:latin typeface="Cambria Math" panose="02040503050406030204" pitchFamily="18" charset="0"/>
+                      </a:rPr>
+                      <m:t>𝑓</m:t>
+                    </m:r>
+                    <m:d>
+                      <m:dPr>
+                        <m:ctrlPr>
+                          <a:rPr lang="it-IT" i="1">
+                            <a:latin typeface="Cambria Math" panose="02040503050406030204" pitchFamily="18" charset="0"/>
+                          </a:rPr>
+                        </m:ctrlPr>
+                      </m:dPr>
+                      <m:e>
+                        <m:sSub>
+                          <m:sSubPr>
+                            <m:ctrlPr>
+                              <a:rPr lang="it-IT" i="1">
+                                <a:latin typeface="Cambria Math" panose="02040503050406030204" pitchFamily="18" charset="0"/>
+                              </a:rPr>
+                            </m:ctrlPr>
+                          </m:sSubPr>
+                          <m:e>
+                            <m:r>
+                              <a:rPr lang="it-IT" i="1">
+                                <a:latin typeface="Cambria Math" panose="02040503050406030204" pitchFamily="18" charset="0"/>
+                              </a:rPr>
+                              <m:t>𝑥</m:t>
+                            </m:r>
+                          </m:e>
+                          <m:sub>
+                            <m:r>
+                              <a:rPr lang="it-IT" i="1">
+                                <a:latin typeface="Cambria Math" panose="02040503050406030204" pitchFamily="18" charset="0"/>
+                              </a:rPr>
+                              <m:t>𝑐</m:t>
+                            </m:r>
+                          </m:sub>
+                        </m:sSub>
+                      </m:e>
+                    </m:d>
+                  </m:oMath>
+                </a14:m>
+                <a:r>
+                  <a:rPr lang="en-US" dirty="0"/>
+                  <a:t>, </a:t>
+                </a:r>
+                <a14:m>
+                  <m:oMath xmlns:m="http://schemas.openxmlformats.org/officeDocument/2006/math">
+                    <m:sSub>
+                      <m:sSubPr>
+                        <m:ctrlPr>
+                          <a:rPr lang="en-US" i="1" smtClean="0">
+                            <a:latin typeface="Cambria Math" panose="02040503050406030204" pitchFamily="18" charset="0"/>
+                          </a:rPr>
+                        </m:ctrlPr>
+                      </m:sSubPr>
+                      <m:e>
+                        <m:r>
+                          <a:rPr lang="it-IT" b="0" i="1" smtClean="0">
+                            <a:latin typeface="Cambria Math" panose="02040503050406030204" pitchFamily="18" charset="0"/>
+                          </a:rPr>
+                          <m:t>𝑥</m:t>
+                        </m:r>
+                      </m:e>
+                      <m:sub>
+                        <m:r>
+                          <a:rPr lang="it-IT" b="0" i="1" smtClean="0">
+                            <a:latin typeface="Cambria Math" panose="02040503050406030204" pitchFamily="18" charset="0"/>
+                          </a:rPr>
+                          <m:t>𝑐</m:t>
+                        </m:r>
+                      </m:sub>
+                    </m:sSub>
+                    <m:r>
+                      <a:rPr lang="it-IT" b="0" i="1" smtClean="0">
+                        <a:latin typeface="Cambria Math" panose="02040503050406030204" pitchFamily="18" charset="0"/>
+                      </a:rPr>
+                      <m:t>=</m:t>
+                    </m:r>
+                    <m:sSub>
+                      <m:sSubPr>
+                        <m:ctrlPr>
+                          <a:rPr lang="it-IT" b="0" i="1" smtClean="0">
+                            <a:latin typeface="Cambria Math" panose="02040503050406030204" pitchFamily="18" charset="0"/>
+                          </a:rPr>
+                        </m:ctrlPr>
+                      </m:sSubPr>
+                      <m:e>
+                        <m:r>
+                          <a:rPr lang="it-IT" b="0" i="1" smtClean="0">
+                            <a:latin typeface="Cambria Math" panose="02040503050406030204" pitchFamily="18" charset="0"/>
+                          </a:rPr>
+                          <m:t>𝑥</m:t>
+                        </m:r>
+                      </m:e>
+                      <m:sub>
+                        <m:r>
+                          <a:rPr lang="it-IT" b="0" i="1" smtClean="0">
+                            <a:latin typeface="Cambria Math" panose="02040503050406030204" pitchFamily="18" charset="0"/>
+                          </a:rPr>
+                          <m:t>𝑐</m:t>
+                        </m:r>
+                      </m:sub>
+                    </m:sSub>
+                    <m:r>
+                      <a:rPr lang="it-IT" b="0" i="1" smtClean="0">
+                        <a:latin typeface="Cambria Math" panose="02040503050406030204" pitchFamily="18" charset="0"/>
+                      </a:rPr>
+                      <m:t>′</m:t>
+                    </m:r>
+                  </m:oMath>
+                </a14:m>
+                <a:endParaRPr lang="en-US" dirty="0"/>
+              </a:p>
+            </p:txBody>
+          </p:sp>
+        </mc:Choice>
+        <mc:Fallback>
+          <p:sp>
+            <p:nvSpPr>
+              <p:cNvPr id="3" name="Espace réservé du texte 2">
+                <a:extLst>
+                  <a:ext uri="{FF2B5EF4-FFF2-40B4-BE49-F238E27FC236}">
+                    <a16:creationId xmlns:a16="http://schemas.microsoft.com/office/drawing/2014/main" id="{7CFB57B8-3A99-4DCA-A30E-7D24D1274F44}"/>
+                  </a:ext>
+                </a:extLst>
+              </p:cNvPr>
+              <p:cNvSpPr>
+                <a:spLocks noGrp="1" noRot="1" noChangeAspect="1" noMove="1" noResize="1" noEditPoints="1" noAdjustHandles="1" noChangeArrowheads="1" noChangeShapeType="1" noTextEdit="1"/>
+              </p:cNvSpPr>
+              <p:nvPr>
+                <p:ph type="body" sz="quarter" idx="10"/>
+              </p:nvPr>
+            </p:nvSpPr>
+            <p:spPr>
+              <a:blipFill>
+                <a:blip r:embed="rId2"/>
+                <a:stretch>
+                  <a:fillRect l="-1333" t="-2604"/>
+                </a:stretch>
+              </a:blipFill>
+            </p:spPr>
+            <p:txBody>
+              <a:bodyPr/>
+              <a:lstStyle/>
+              <a:p>
+                <a:r>
+                  <a:rPr lang="en-US">
+                    <a:noFill/>
+                  </a:rPr>
+                  <a:t> </a:t>
+                </a:r>
+              </a:p>
+            </p:txBody>
+          </p:sp>
+        </mc:Fallback>
+      </mc:AlternateContent>
+    </p:spTree>
+    <p:extLst>
+      <p:ext uri="{BB962C8B-B14F-4D97-AF65-F5344CB8AC3E}">
+        <p14:creationId xmlns:p14="http://schemas.microsoft.com/office/powerpoint/2010/main" val="3589204130"/>
+      </p:ext>
+    </p:extLst>
+  </p:cSld>
+  <p:clrMapOvr>
+    <a:masterClrMapping/>
+  </p:clrMapOvr>
+</p:sld>
+</file>
+
+<file path=ppt/slides/slide2.xml><?xml version="1.0" encoding="utf-8"?>
+<p:sld xmlns:a="http://schemas.openxmlformats.org/drawingml/2006/main" xmlns:r="http://schemas.openxmlformats.org/officeDocument/2006/relationships" xmlns:p="http://schemas.openxmlformats.org/presentationml/2006/main">
+  <p:cSld>
+    <p:spTree>
+      <p:nvGrpSpPr>
+        <p:cNvPr id="1" name=""/>
+        <p:cNvGrpSpPr/>
+        <p:nvPr/>
+      </p:nvGrpSpPr>
+      <p:grpSpPr>
+        <a:xfrm>
+          <a:off x="0" y="0"/>
+          <a:ext cx="0" cy="0"/>
+          <a:chOff x="0" y="0"/>
+          <a:chExt cx="0" cy="0"/>
+        </a:xfrm>
+      </p:grpSpPr>
+      <p:sp>
+        <p:nvSpPr>
+          <p:cNvPr id="4" name="Titre 3"/>
+          <p:cNvSpPr>
+            <a:spLocks noGrp="1"/>
+          </p:cNvSpPr>
+          <p:nvPr>
+            <p:ph type="title"/>
+          </p:nvPr>
+        </p:nvSpPr>
+        <p:spPr/>
+        <p:txBody>
+          <a:bodyPr/>
+          <a:lstStyle/>
+          <a:p>
+            <a:r>
+              <a:rPr lang="fr-FR" dirty="0" err="1"/>
+              <a:t>Outline</a:t>
+            </a:r>
+            <a:endParaRPr lang="fr-FR" dirty="0"/>
+          </a:p>
+        </p:txBody>
+      </p:sp>
+      <p:sp>
+        <p:nvSpPr>
+          <p:cNvPr id="5" name="Espace réservé du texte 4"/>
+          <p:cNvSpPr>
+            <a:spLocks noGrp="1"/>
+          </p:cNvSpPr>
+          <p:nvPr>
+            <p:ph type="body" sz="quarter" idx="10"/>
+          </p:nvPr>
+        </p:nvSpPr>
+        <p:spPr/>
+        <p:txBody>
+          <a:bodyPr/>
+          <a:lstStyle/>
+          <a:p>
+            <a:r>
+              <a:rPr lang="it-IT" dirty="0"/>
+              <a:t>Gradient-based techniques</a:t>
+            </a:r>
+          </a:p>
+          <a:p>
+            <a:pPr lvl="1"/>
+            <a:r>
+              <a:rPr lang="it-IT" dirty="0"/>
+              <a:t>Gradient descent</a:t>
+            </a:r>
+          </a:p>
+          <a:p>
+            <a:pPr lvl="1"/>
+            <a:r>
+              <a:rPr lang="it-IT" dirty="0"/>
+              <a:t>Stochastic gradient descent</a:t>
+            </a:r>
+          </a:p>
+          <a:p>
+            <a:r>
+              <a:rPr lang="it-IT"/>
+              <a:t>Stochastic </a:t>
+            </a:r>
+            <a:r>
+              <a:rPr lang="it-IT" dirty="0"/>
+              <a:t>techniques</a:t>
+            </a:r>
+          </a:p>
+          <a:p>
+            <a:pPr lvl="1"/>
+            <a:r>
+              <a:rPr lang="it-IT" dirty="0"/>
+              <a:t>Basin hopping</a:t>
+            </a:r>
+          </a:p>
+          <a:p>
+            <a:pPr lvl="1"/>
+            <a:r>
+              <a:rPr lang="it-IT" dirty="0"/>
+              <a:t>Evolutionary algorithms</a:t>
+            </a:r>
+          </a:p>
+        </p:txBody>
+      </p:sp>
+      <p:pic>
+        <p:nvPicPr>
+          <p:cNvPr id="1026" name="Picture 2" descr="6: An example of a fairly simple three dimensional fitness landscape,... |  Download Scientific Diagram">
+            <a:extLst>
+              <a:ext uri="{FF2B5EF4-FFF2-40B4-BE49-F238E27FC236}">
+                <a16:creationId xmlns:a16="http://schemas.microsoft.com/office/drawing/2014/main" id="{E19DCC9F-B00F-407B-AB00-133F087E285B}"/>
+              </a:ext>
+            </a:extLst>
+          </p:cNvPr>
+          <p:cNvPicPr>
+            <a:picLocks noChangeAspect="1" noChangeArrowheads="1"/>
+          </p:cNvPicPr>
+          <p:nvPr/>
+        </p:nvPicPr>
+        <p:blipFill>
+          <a:blip r:embed="rId2">
+            <a:extLst>
+              <a:ext uri="{28A0092B-C50C-407E-A947-70E740481C1C}">
+                <a14:useLocalDpi xmlns:a14="http://schemas.microsoft.com/office/drawing/2010/main" val="0"/>
+              </a:ext>
+            </a:extLst>
+          </a:blip>
+          <a:srcRect/>
+          <a:stretch>
+            <a:fillRect/>
+          </a:stretch>
+        </p:blipFill>
+        <p:spPr bwMode="auto">
+          <a:xfrm>
+            <a:off x="6096000" y="2857746"/>
+            <a:ext cx="5922081" cy="2807763"/>
+          </a:xfrm>
+          <a:prstGeom prst="rect">
+            <a:avLst/>
+          </a:prstGeom>
+          <a:noFill/>
+          <a:extLst>
+            <a:ext uri="{909E8E84-426E-40DD-AFC4-6F175D3DCCD1}">
+              <a14:hiddenFill xmlns:a14="http://schemas.microsoft.com/office/drawing/2010/main">
+                <a:solidFill>
+                  <a:srgbClr val="FFFFFF"/>
+                </a:solidFill>
+              </a14:hiddenFill>
+            </a:ext>
+          </a:extLst>
+        </p:spPr>
+      </p:pic>
+    </p:spTree>
+    <p:extLst>
+      <p:ext uri="{BB962C8B-B14F-4D97-AF65-F5344CB8AC3E}">
+        <p14:creationId xmlns:p14="http://schemas.microsoft.com/office/powerpoint/2010/main" val="454349701"/>
+      </p:ext>
+    </p:extLst>
+  </p:cSld>
+  <p:clrMapOvr>
+    <a:masterClrMapping/>
+  </p:clrMapOvr>
+</p:sld>
+</file>
+
+<file path=ppt/slides/slide20.xml><?xml version="1.0" encoding="utf-8"?>
+<p:sld xmlns:a="http://schemas.openxmlformats.org/drawingml/2006/main" xmlns:r="http://schemas.openxmlformats.org/officeDocument/2006/relationships" xmlns:p="http://schemas.openxmlformats.org/presentationml/2006/main">
+  <p:cSld>
+    <p:spTree>
+      <p:nvGrpSpPr>
+        <p:cNvPr id="1" name=""/>
+        <p:cNvGrpSpPr/>
+        <p:nvPr/>
+      </p:nvGrpSpPr>
+      <p:grpSpPr>
+        <a:xfrm>
+          <a:off x="0" y="0"/>
+          <a:ext cx="0" cy="0"/>
+          <a:chOff x="0" y="0"/>
+          <a:chExt cx="0" cy="0"/>
+        </a:xfrm>
+      </p:grpSpPr>
+      <p:sp>
+        <p:nvSpPr>
+          <p:cNvPr id="2" name="Titre 1">
+            <a:extLst>
+              <a:ext uri="{FF2B5EF4-FFF2-40B4-BE49-F238E27FC236}">
+                <a16:creationId xmlns:a16="http://schemas.microsoft.com/office/drawing/2014/main" id="{D086AF62-9CA5-49DC-9228-2C18F3356CBB}"/>
+              </a:ext>
+            </a:extLst>
+          </p:cNvPr>
+          <p:cNvSpPr>
+            <a:spLocks noGrp="1"/>
+          </p:cNvSpPr>
+          <p:nvPr>
+            <p:ph type="title"/>
+          </p:nvPr>
+        </p:nvSpPr>
+        <p:spPr/>
+        <p:txBody>
+          <a:bodyPr/>
+          <a:lstStyle/>
+          <a:p>
+            <a:r>
+              <a:rPr lang="en-US" dirty="0"/>
+              <a:t>Basin-hopping</a:t>
+            </a:r>
+          </a:p>
+        </p:txBody>
+      </p:sp>
+      <p:sp>
+        <p:nvSpPr>
+          <p:cNvPr id="3" name="Espace réservé du texte 2">
+            <a:extLst>
+              <a:ext uri="{FF2B5EF4-FFF2-40B4-BE49-F238E27FC236}">
+                <a16:creationId xmlns:a16="http://schemas.microsoft.com/office/drawing/2014/main" id="{7CFB57B8-3A99-4DCA-A30E-7D24D1274F44}"/>
+              </a:ext>
+            </a:extLst>
+          </p:cNvPr>
+          <p:cNvSpPr>
+            <a:spLocks noGrp="1"/>
+          </p:cNvSpPr>
+          <p:nvPr>
+            <p:ph type="body" sz="quarter" idx="10"/>
+          </p:nvPr>
+        </p:nvSpPr>
+        <p:spPr/>
+        <p:txBody>
+          <a:bodyPr/>
+          <a:lstStyle/>
+          <a:p>
+            <a:endParaRPr lang="en-US" dirty="0"/>
+          </a:p>
+        </p:txBody>
+      </p:sp>
+      <p:pic>
+        <p:nvPicPr>
+          <p:cNvPr id="2052" name="Picture 4" descr="Predicting crystal structures and properties of matter under extreme  conditions via quantum mechanics: the pressure is on - Physical Chemistry  Chemical Physics (RSC Publishing) DOI:10.1039/C4CP04445B">
+            <a:extLst>
+              <a:ext uri="{FF2B5EF4-FFF2-40B4-BE49-F238E27FC236}">
+                <a16:creationId xmlns:a16="http://schemas.microsoft.com/office/drawing/2014/main" id="{1F229B4B-9F30-49E6-B491-A15AB1356AE1}"/>
+              </a:ext>
+            </a:extLst>
+          </p:cNvPr>
+          <p:cNvPicPr>
+            <a:picLocks noChangeAspect="1" noChangeArrowheads="1"/>
+          </p:cNvPicPr>
+          <p:nvPr/>
+        </p:nvPicPr>
+        <p:blipFill rotWithShape="1">
+          <a:blip r:embed="rId2">
+            <a:extLst>
+              <a:ext uri="{28A0092B-C50C-407E-A947-70E740481C1C}">
+                <a14:useLocalDpi xmlns:a14="http://schemas.microsoft.com/office/drawing/2010/main" val="0"/>
+              </a:ext>
+            </a:extLst>
+          </a:blip>
+          <a:srcRect b="49150"/>
+          <a:stretch/>
+        </p:blipFill>
+        <p:spPr bwMode="auto">
+          <a:xfrm>
+            <a:off x="1392907" y="1494614"/>
+            <a:ext cx="9406185" cy="4533303"/>
+          </a:xfrm>
+          <a:prstGeom prst="rect">
+            <a:avLst/>
+          </a:prstGeom>
+          <a:noFill/>
+          <a:extLst>
+            <a:ext uri="{909E8E84-426E-40DD-AFC4-6F175D3DCCD1}">
+              <a14:hiddenFill xmlns:a14="http://schemas.microsoft.com/office/drawing/2010/main">
+                <a:solidFill>
+                  <a:srgbClr val="FFFFFF"/>
+                </a:solidFill>
+              </a14:hiddenFill>
+            </a:ext>
+          </a:extLst>
+        </p:spPr>
+      </p:pic>
+    </p:spTree>
+    <p:extLst>
+      <p:ext uri="{BB962C8B-B14F-4D97-AF65-F5344CB8AC3E}">
+        <p14:creationId xmlns:p14="http://schemas.microsoft.com/office/powerpoint/2010/main" val="2446204935"/>
+      </p:ext>
+    </p:extLst>
+  </p:cSld>
+  <p:clrMapOvr>
+    <a:masterClrMapping/>
+  </p:clrMapOvr>
+</p:sld>
+</file>
+
+<file path=ppt/slides/slide21.xml><?xml version="1.0" encoding="utf-8"?>
 <p:sld xmlns:a="http://schemas.openxmlformats.org/drawingml/2006/main" xmlns:r="http://schemas.openxmlformats.org/officeDocument/2006/relationships" xmlns:p="http://schemas.openxmlformats.org/presentationml/2006/main">
   <p:cSld>
     <p:spTree>
@@ -3921,7 +5201,7 @@
         </p:nvSpPr>
         <p:spPr>
           <a:xfrm>
-            <a:off x="-109389" y="4356192"/>
+            <a:off x="3676454" y="4109261"/>
             <a:ext cx="2170113" cy="584200"/>
           </a:xfrm>
           <a:prstGeom prst="rect">
@@ -4566,7 +5846,7 @@
 </p:sld>
 </file>
 
-<file path=ppt/slides/slide17.xml><?xml version="1.0" encoding="utf-8"?>
+<file path=ppt/slides/slide22.xml><?xml version="1.0" encoding="utf-8"?>
 <p:sld xmlns:a="http://schemas.openxmlformats.org/drawingml/2006/main" xmlns:r="http://schemas.openxmlformats.org/officeDocument/2006/relationships" xmlns:p="http://schemas.openxmlformats.org/presentationml/2006/main">
   <p:cSld>
     <p:spTree>
@@ -5301,7 +6581,7 @@
 </p:sld>
 </file>
 
-<file path=ppt/slides/slide18.xml><?xml version="1.0" encoding="utf-8"?>
+<file path=ppt/slides/slide23.xml><?xml version="1.0" encoding="utf-8"?>
 <p:sld xmlns:a="http://schemas.openxmlformats.org/drawingml/2006/main" xmlns:r="http://schemas.openxmlformats.org/officeDocument/2006/relationships" xmlns:p="http://schemas.openxmlformats.org/presentationml/2006/main">
   <p:cSld>
     <p:spTree>
@@ -5443,7 +6723,90 @@
 </p:sld>
 </file>
 
-<file path=ppt/slides/slide19.xml><?xml version="1.0" encoding="utf-8"?>
+<file path=ppt/slides/slide24.xml><?xml version="1.0" encoding="utf-8"?>
+<p:sld xmlns:a="http://schemas.openxmlformats.org/drawingml/2006/main" xmlns:r="http://schemas.openxmlformats.org/officeDocument/2006/relationships" xmlns:p="http://schemas.openxmlformats.org/presentationml/2006/main">
+  <p:cSld>
+    <p:spTree>
+      <p:nvGrpSpPr>
+        <p:cNvPr id="1" name=""/>
+        <p:cNvGrpSpPr/>
+        <p:nvPr/>
+      </p:nvGrpSpPr>
+      <p:grpSpPr>
+        <a:xfrm>
+          <a:off x="0" y="0"/>
+          <a:ext cx="0" cy="0"/>
+          <a:chOff x="0" y="0"/>
+          <a:chExt cx="0" cy="0"/>
+        </a:xfrm>
+      </p:grpSpPr>
+      <p:sp>
+        <p:nvSpPr>
+          <p:cNvPr id="2" name="Titre 1">
+            <a:extLst>
+              <a:ext uri="{FF2B5EF4-FFF2-40B4-BE49-F238E27FC236}">
+                <a16:creationId xmlns:a16="http://schemas.microsoft.com/office/drawing/2014/main" id="{9F2E01A8-8FEC-4349-BE6E-5B45036FA5BE}"/>
+              </a:ext>
+            </a:extLst>
+          </p:cNvPr>
+          <p:cNvSpPr>
+            <a:spLocks noGrp="1"/>
+          </p:cNvSpPr>
+          <p:nvPr>
+            <p:ph type="title"/>
+          </p:nvPr>
+        </p:nvSpPr>
+        <p:spPr/>
+        <p:txBody>
+          <a:bodyPr/>
+          <a:lstStyle/>
+          <a:p>
+            <a:r>
+              <a:rPr lang="en-US" dirty="0"/>
+              <a:t>Modern evolutionary algorithms</a:t>
+            </a:r>
+          </a:p>
+        </p:txBody>
+      </p:sp>
+      <p:sp>
+        <p:nvSpPr>
+          <p:cNvPr id="3" name="Espace réservé du texte 2">
+            <a:extLst>
+              <a:ext uri="{FF2B5EF4-FFF2-40B4-BE49-F238E27FC236}">
+                <a16:creationId xmlns:a16="http://schemas.microsoft.com/office/drawing/2014/main" id="{A2E80418-9DBD-44C2-A042-4354B5E37588}"/>
+              </a:ext>
+            </a:extLst>
+          </p:cNvPr>
+          <p:cNvSpPr>
+            <a:spLocks noGrp="1"/>
+          </p:cNvSpPr>
+          <p:nvPr>
+            <p:ph type="body" sz="quarter" idx="10"/>
+          </p:nvPr>
+        </p:nvSpPr>
+        <p:spPr/>
+        <p:txBody>
+          <a:bodyPr/>
+          <a:lstStyle/>
+          <a:p>
+            <a:endParaRPr lang="en-US"/>
+          </a:p>
+        </p:txBody>
+      </p:sp>
+    </p:spTree>
+    <p:extLst>
+      <p:ext uri="{BB962C8B-B14F-4D97-AF65-F5344CB8AC3E}">
+        <p14:creationId xmlns:p14="http://schemas.microsoft.com/office/powerpoint/2010/main" val="3648218600"/>
+      </p:ext>
+    </p:extLst>
+  </p:cSld>
+  <p:clrMapOvr>
+    <a:masterClrMapping/>
+  </p:clrMapOvr>
+</p:sld>
+</file>
+
+<file path=ppt/slides/slide25.xml><?xml version="1.0" encoding="utf-8"?>
 <p:sld xmlns:a="http://schemas.openxmlformats.org/drawingml/2006/main" xmlns:r="http://schemas.openxmlformats.org/officeDocument/2006/relationships" xmlns:p="http://schemas.openxmlformats.org/presentationml/2006/main">
   <p:cSld>
     <p:spTree>
@@ -5659,7 +7022,7 @@
 </p:sld>
 </file>
 
-<file path=ppt/slides/slide2.xml><?xml version="1.0" encoding="utf-8"?>
+<file path=ppt/slides/slide26.xml><?xml version="1.0" encoding="utf-8"?>
 <p:sld xmlns:a="http://schemas.openxmlformats.org/drawingml/2006/main" xmlns:r="http://schemas.openxmlformats.org/officeDocument/2006/relationships" xmlns:p="http://schemas.openxmlformats.org/presentationml/2006/main">
   <p:cSld>
     <p:spTree>
@@ -5678,7 +7041,13 @@
       </p:grpSpPr>
       <p:sp>
         <p:nvSpPr>
-          <p:cNvPr id="4" name="Titre 3"/>
+          <p:cNvPr id="2" name="Titre 1">
+            <a:extLst>
+              <a:ext uri="{FF2B5EF4-FFF2-40B4-BE49-F238E27FC236}">
+                <a16:creationId xmlns:a16="http://schemas.microsoft.com/office/drawing/2014/main" id="{9538446E-D5E7-418E-B930-92C050C35267}"/>
+              </a:ext>
+            </a:extLst>
+          </p:cNvPr>
           <p:cNvSpPr>
             <a:spLocks noGrp="1"/>
           </p:cNvSpPr>
@@ -5692,16 +7061,21 @@
           <a:lstStyle/>
           <a:p>
             <a:r>
-              <a:rPr lang="fr-FR" dirty="0" err="1"/>
-              <a:t>Outline</a:t>
-            </a:r>
-            <a:endParaRPr lang="fr-FR" dirty="0"/>
+              <a:rPr lang="en-US" dirty="0"/>
+              <a:t>Linear programming</a:t>
+            </a:r>
           </a:p>
         </p:txBody>
       </p:sp>
       <p:sp>
         <p:nvSpPr>
-          <p:cNvPr id="5" name="Espace réservé du texte 4"/>
+          <p:cNvPr id="3" name="Espace réservé du texte 2">
+            <a:extLst>
+              <a:ext uri="{FF2B5EF4-FFF2-40B4-BE49-F238E27FC236}">
+                <a16:creationId xmlns:a16="http://schemas.microsoft.com/office/drawing/2014/main" id="{21D333A0-70AE-4665-869B-00C9FD7A705F}"/>
+              </a:ext>
+            </a:extLst>
+          </p:cNvPr>
           <p:cNvSpPr>
             <a:spLocks noGrp="1"/>
           </p:cNvSpPr>
@@ -5715,97 +7089,42 @@
           <a:lstStyle/>
           <a:p>
             <a:r>
-              <a:rPr lang="it-IT" dirty="0"/>
-              <a:t>Gradient-based techniques</a:t>
+              <a:rPr lang="en-US" dirty="0"/>
+              <a:t>If you manage to describe your problem as</a:t>
             </a:r>
           </a:p>
           <a:p>
             <a:pPr lvl="1"/>
             <a:r>
-              <a:rPr lang="it-IT" dirty="0"/>
-              <a:t>Gradient descent</a:t>
+              <a:rPr lang="en-US" dirty="0"/>
+              <a:t>A linear objective function (weighted sum of variables)</a:t>
             </a:r>
           </a:p>
           <a:p>
             <a:pPr lvl="1"/>
             <a:r>
-              <a:rPr lang="it-IT" dirty="0"/>
-              <a:t>Stochastic gradient descent</a:t>
-            </a:r>
-          </a:p>
-          <a:p>
-            <a:r>
-              <a:rPr lang="it-IT" dirty="0"/>
-              <a:t>Stochastic techniques</a:t>
-            </a:r>
-          </a:p>
-          <a:p>
-            <a:pPr lvl="1"/>
-            <a:r>
-              <a:rPr lang="it-IT" dirty="0"/>
-              <a:t>Basin hopping</a:t>
-            </a:r>
-          </a:p>
-          <a:p>
-            <a:pPr lvl="1"/>
-            <a:r>
-              <a:rPr lang="it-IT" dirty="0"/>
-              <a:t>Evolutionary algorithms</a:t>
+              <a:rPr lang="en-US" dirty="0"/>
+              <a:t>Plus a set of linear constraints (same as above)</a:t>
+            </a:r>
+          </a:p>
+          <a:p>
+            <a:r>
+              <a:rPr lang="en-US" dirty="0"/>
+              <a:t>Linear programming is powerful and effective</a:t>
+            </a:r>
+          </a:p>
+          <a:p>
+            <a:r>
+              <a:rPr lang="en-US" dirty="0"/>
+              <a:t>Guarantees to find the global optimum</a:t>
             </a:r>
           </a:p>
         </p:txBody>
       </p:sp>
-      <p:pic>
-        <p:nvPicPr>
-          <p:cNvPr id="1026" name="Picture 2" descr="6: An example of a fairly simple three dimensional fitness landscape,... |  Download Scientific Diagram">
-            <a:extLst>
-              <a:ext uri="{FF2B5EF4-FFF2-40B4-BE49-F238E27FC236}">
-                <a16:creationId xmlns:a16="http://schemas.microsoft.com/office/drawing/2014/main" id="{E19DCC9F-B00F-407B-AB00-133F087E285B}"/>
-              </a:ext>
-            </a:extLst>
-          </p:cNvPr>
-          <p:cNvPicPr>
-            <a:picLocks noChangeAspect="1" noChangeArrowheads="1"/>
-          </p:cNvPicPr>
-          <p:nvPr/>
-        </p:nvPicPr>
-        <p:blipFill>
-          <a:blip r:embed="rId2">
-            <a:extLst>
-              <a:ext uri="{28A0092B-C50C-407E-A947-70E740481C1C}">
-                <a14:useLocalDpi xmlns:a14="http://schemas.microsoft.com/office/drawing/2010/main" val="0"/>
-              </a:ext>
-            </a:extLst>
-          </a:blip>
-          <a:srcRect/>
-          <a:stretch>
-            <a:fillRect/>
-          </a:stretch>
-        </p:blipFill>
-        <p:spPr bwMode="auto">
-          <a:xfrm>
-            <a:off x="6096000" y="2857746"/>
-            <a:ext cx="5922081" cy="2807763"/>
-          </a:xfrm>
-          <a:prstGeom prst="rect">
-            <a:avLst/>
-          </a:prstGeom>
-          <a:noFill/>
-          <a:extLst>
-            <a:ext uri="{909E8E84-426E-40DD-AFC4-6F175D3DCCD1}">
-              <a14:hiddenFill xmlns:a14="http://schemas.microsoft.com/office/drawing/2010/main">
-                <a:solidFill>
-                  <a:srgbClr val="FFFFFF"/>
-                </a:solidFill>
-              </a14:hiddenFill>
-            </a:ext>
-          </a:extLst>
-        </p:spPr>
-      </p:pic>
     </p:spTree>
     <p:extLst>
       <p:ext uri="{BB962C8B-B14F-4D97-AF65-F5344CB8AC3E}">
-        <p14:creationId xmlns:p14="http://schemas.microsoft.com/office/powerpoint/2010/main" val="454349701"/>
+        <p14:creationId xmlns:p14="http://schemas.microsoft.com/office/powerpoint/2010/main" val="2595340577"/>
       </p:ext>
     </p:extLst>
   </p:cSld>
@@ -6445,6 +7764,27 @@
               <a:t>global optimum)</a:t>
             </a:r>
           </a:p>
+          <a:p>
+            <a:pPr lvl="1"/>
+            <a:r>
+              <a:rPr lang="en-US" dirty="0"/>
+              <a:t>Can also work on non-convex</a:t>
+            </a:r>
+            <a:br>
+              <a:rPr lang="en-US" dirty="0"/>
+            </a:br>
+            <a:r>
+              <a:rPr lang="en-US" dirty="0"/>
+              <a:t>functions, as long as derivative</a:t>
+            </a:r>
+            <a:br>
+              <a:rPr lang="en-US" dirty="0"/>
+            </a:br>
+            <a:r>
+              <a:rPr lang="en-US" dirty="0"/>
+              <a:t>can be computed</a:t>
+            </a:r>
+          </a:p>
         </p:txBody>
       </p:sp>
       <p:pic>
@@ -6476,6 +7816,60 @@
           </a:prstGeom>
         </p:spPr>
       </p:pic>
+      <p:sp>
+        <p:nvSpPr>
+          <p:cNvPr id="4" name="Rectangle 3">
+            <a:extLst>
+              <a:ext uri="{FF2B5EF4-FFF2-40B4-BE49-F238E27FC236}">
+                <a16:creationId xmlns:a16="http://schemas.microsoft.com/office/drawing/2014/main" id="{A33CF0DE-2336-4825-9428-7FDF75B5546F}"/>
+              </a:ext>
+            </a:extLst>
+          </p:cNvPr>
+          <p:cNvSpPr/>
+          <p:nvPr/>
+        </p:nvSpPr>
+        <p:spPr>
+          <a:xfrm>
+            <a:off x="8012784" y="5434641"/>
+            <a:ext cx="3595545" cy="664533"/>
+          </a:xfrm>
+          <a:prstGeom prst="rect">
+            <a:avLst/>
+          </a:prstGeom>
+          <a:solidFill>
+            <a:schemeClr val="bg1"/>
+          </a:solidFill>
+          <a:ln>
+            <a:solidFill>
+              <a:schemeClr val="bg1"/>
+            </a:solidFill>
+          </a:ln>
+        </p:spPr>
+        <p:style>
+          <a:lnRef idx="2">
+            <a:schemeClr val="accent1">
+              <a:shade val="50000"/>
+            </a:schemeClr>
+          </a:lnRef>
+          <a:fillRef idx="1">
+            <a:schemeClr val="accent1"/>
+          </a:fillRef>
+          <a:effectRef idx="0">
+            <a:schemeClr val="accent1"/>
+          </a:effectRef>
+          <a:fontRef idx="minor">
+            <a:schemeClr val="lt1"/>
+          </a:fontRef>
+        </p:style>
+        <p:txBody>
+          <a:bodyPr rtlCol="0" anchor="ctr"/>
+          <a:lstStyle/>
+          <a:p>
+            <a:pPr algn="ctr"/>
+            <a:endParaRPr lang="en-US"/>
+          </a:p>
+        </p:txBody>
+      </p:sp>
     </p:spTree>
     <p:extLst>
       <p:ext uri="{BB962C8B-B14F-4D97-AF65-F5344CB8AC3E}">
@@ -6585,6 +7979,27 @@
             <a:r>
               <a:rPr lang="en-US" dirty="0"/>
               <a:t>global optimum)</a:t>
+            </a:r>
+          </a:p>
+          <a:p>
+            <a:pPr lvl="1"/>
+            <a:r>
+              <a:rPr lang="en-US" dirty="0"/>
+              <a:t>Can also work on non-convex</a:t>
+            </a:r>
+            <a:br>
+              <a:rPr lang="en-US" dirty="0"/>
+            </a:br>
+            <a:r>
+              <a:rPr lang="en-US" dirty="0"/>
+              <a:t>functions, as long as derivative</a:t>
+            </a:r>
+            <a:br>
+              <a:rPr lang="en-US" dirty="0"/>
+            </a:br>
+            <a:r>
+              <a:rPr lang="en-US" dirty="0"/>
+              <a:t>can be computed</a:t>
             </a:r>
           </a:p>
         </p:txBody>
